--- a/figures/画图.pptx
+++ b/figures/画图.pptx
@@ -2,15 +2,18 @@
 <file path=ppt/presentation.xml><?xml version="1.0" encoding="utf-8"?>
 <p:presentation xmlns:a="http://schemas.openxmlformats.org/drawingml/2006/main" xmlns:r="http://schemas.openxmlformats.org/officeDocument/2006/relationships" xmlns:p="http://schemas.openxmlformats.org/presentationml/2006/main" saveSubsetFonts="1">
   <p:sldMasterIdLst>
-    <p:sldMasterId id="2147483672" r:id="rId1"/>
+    <p:sldMasterId id="2147483684" r:id="rId1"/>
   </p:sldMasterIdLst>
   <p:notesMasterIdLst>
-    <p:notesMasterId r:id="rId3"/>
+    <p:notesMasterId r:id="rId6"/>
   </p:notesMasterIdLst>
   <p:sldIdLst>
     <p:sldId id="256" r:id="rId2"/>
+    <p:sldId id="257" r:id="rId3"/>
+    <p:sldId id="259" r:id="rId4"/>
+    <p:sldId id="260" r:id="rId5"/>
   </p:sldIdLst>
-  <p:sldSz cx="19392900" cy="6858000"/>
+  <p:sldSz cx="12192000" cy="6858000"/>
   <p:notesSz cx="6858000" cy="9144000"/>
   <p:defaultTextStyle>
     <a:defPPr>
@@ -107,6 +110,11 @@
       </a:defRPr>
     </a:lvl9pPr>
   </p:defaultTextStyle>
+  <p:extLst>
+    <p:ext uri="{EFAFB233-063F-42B5-8137-9DF3F51BA10A}">
+      <p15:sldGuideLst xmlns:p15="http://schemas.microsoft.com/office/powerpoint/2012/main"/>
+    </p:ext>
+  </p:extLst>
 </p:presentation>
 </file>
 
@@ -192,7 +200,7 @@
           <a:p>
             <a:fld id="{5CFF2716-9398-4520-B984-F481FDF8DE04}" type="datetimeFigureOut">
               <a:rPr lang="zh-CN" altLang="en-US" smtClean="0"/>
-              <a:t>2019/4/2</a:t>
+              <a:t>2019/4/10</a:t>
             </a:fld>
             <a:endParaRPr lang="zh-CN" altLang="en-US"/>
           </a:p>
@@ -210,8 +218,8 @@
         </p:nvSpPr>
         <p:spPr>
           <a:xfrm>
-            <a:off x="-933450" y="1143000"/>
-            <a:ext cx="8724900" cy="3086100"/>
+            <a:off x="685800" y="1143000"/>
+            <a:ext cx="5486400" cy="3086100"/>
           </a:xfrm>
           <a:prstGeom prst="rect">
             <a:avLst/>
@@ -487,7 +495,12 @@
             <p:ph type="sldImg"/>
           </p:nvPr>
         </p:nvSpPr>
-        <p:spPr/>
+        <p:spPr>
+          <a:xfrm>
+            <a:off x="685800" y="1143000"/>
+            <a:ext cx="5486400" cy="3086100"/>
+          </a:xfrm>
+        </p:spPr>
       </p:sp>
       <p:sp>
         <p:nvSpPr>
@@ -573,8 +586,8 @@
         </p:nvSpPr>
         <p:spPr>
           <a:xfrm>
-            <a:off x="2424113" y="1122363"/>
-            <a:ext cx="14544675" cy="2387600"/>
+            <a:off x="1524000" y="1122363"/>
+            <a:ext cx="9144000" cy="2387600"/>
           </a:xfrm>
         </p:spPr>
         <p:txBody>
@@ -605,8 +618,8 @@
         </p:nvSpPr>
         <p:spPr>
           <a:xfrm>
-            <a:off x="2424113" y="3602038"/>
-            <a:ext cx="14544675" cy="1655762"/>
+            <a:off x="1524000" y="3602038"/>
+            <a:ext cx="9144000" cy="1655762"/>
           </a:xfrm>
         </p:spPr>
         <p:txBody>
@@ -675,7 +688,7 @@
           <a:p>
             <a:fld id="{5130463B-E76D-4B5E-AB19-C1AD662459BA}" type="datetimeFigureOut">
               <a:rPr lang="zh-CN" altLang="en-US" smtClean="0"/>
-              <a:t>2019/4/2</a:t>
+              <a:t>2019/4/10</a:t>
             </a:fld>
             <a:endParaRPr lang="zh-CN" altLang="en-US"/>
           </a:p>
@@ -726,7 +739,7 @@
     </p:spTree>
     <p:extLst>
       <p:ext uri="{BB962C8B-B14F-4D97-AF65-F5344CB8AC3E}">
-        <p14:creationId xmlns:p14="http://schemas.microsoft.com/office/powerpoint/2010/main" val="4231508529"/>
+        <p14:creationId xmlns:p14="http://schemas.microsoft.com/office/powerpoint/2010/main" val="3447342366"/>
       </p:ext>
     </p:extLst>
   </p:cSld>
@@ -845,7 +858,7 @@
           <a:p>
             <a:fld id="{5130463B-E76D-4B5E-AB19-C1AD662459BA}" type="datetimeFigureOut">
               <a:rPr lang="zh-CN" altLang="en-US" smtClean="0"/>
-              <a:t>2019/4/2</a:t>
+              <a:t>2019/4/10</a:t>
             </a:fld>
             <a:endParaRPr lang="zh-CN" altLang="en-US"/>
           </a:p>
@@ -896,7 +909,7 @@
     </p:spTree>
     <p:extLst>
       <p:ext uri="{BB962C8B-B14F-4D97-AF65-F5344CB8AC3E}">
-        <p14:creationId xmlns:p14="http://schemas.microsoft.com/office/powerpoint/2010/main" val="1177256460"/>
+        <p14:creationId xmlns:p14="http://schemas.microsoft.com/office/powerpoint/2010/main" val="2203937916"/>
       </p:ext>
     </p:extLst>
   </p:cSld>
@@ -935,8 +948,8 @@
         </p:nvSpPr>
         <p:spPr>
           <a:xfrm>
-            <a:off x="13878044" y="365125"/>
-            <a:ext cx="4181594" cy="5811838"/>
+            <a:off x="8724900" y="365125"/>
+            <a:ext cx="2628900" cy="5811838"/>
           </a:xfrm>
         </p:spPr>
         <p:txBody>
@@ -963,8 +976,8 @@
         </p:nvSpPr>
         <p:spPr>
           <a:xfrm>
-            <a:off x="1333262" y="365125"/>
-            <a:ext cx="12302371" cy="5811838"/>
+            <a:off x="838200" y="365125"/>
+            <a:ext cx="7734300" cy="5811838"/>
           </a:xfrm>
         </p:spPr>
         <p:txBody>
@@ -1025,7 +1038,7 @@
           <a:p>
             <a:fld id="{5130463B-E76D-4B5E-AB19-C1AD662459BA}" type="datetimeFigureOut">
               <a:rPr lang="zh-CN" altLang="en-US" smtClean="0"/>
-              <a:t>2019/4/2</a:t>
+              <a:t>2019/4/10</a:t>
             </a:fld>
             <a:endParaRPr lang="zh-CN" altLang="en-US"/>
           </a:p>
@@ -1076,7 +1089,7 @@
     </p:spTree>
     <p:extLst>
       <p:ext uri="{BB962C8B-B14F-4D97-AF65-F5344CB8AC3E}">
-        <p14:creationId xmlns:p14="http://schemas.microsoft.com/office/powerpoint/2010/main" val="1293144902"/>
+        <p14:creationId xmlns:p14="http://schemas.microsoft.com/office/powerpoint/2010/main" val="3913978355"/>
       </p:ext>
     </p:extLst>
   </p:cSld>
@@ -1195,7 +1208,7 @@
           <a:p>
             <a:fld id="{5130463B-E76D-4B5E-AB19-C1AD662459BA}" type="datetimeFigureOut">
               <a:rPr lang="zh-CN" altLang="en-US" smtClean="0"/>
-              <a:t>2019/4/2</a:t>
+              <a:t>2019/4/10</a:t>
             </a:fld>
             <a:endParaRPr lang="zh-CN" altLang="en-US"/>
           </a:p>
@@ -1246,7 +1259,7 @@
     </p:spTree>
     <p:extLst>
       <p:ext uri="{BB962C8B-B14F-4D97-AF65-F5344CB8AC3E}">
-        <p14:creationId xmlns:p14="http://schemas.microsoft.com/office/powerpoint/2010/main" val="2028728050"/>
+        <p14:creationId xmlns:p14="http://schemas.microsoft.com/office/powerpoint/2010/main" val="780834799"/>
       </p:ext>
     </p:extLst>
   </p:cSld>
@@ -1285,8 +1298,8 @@
         </p:nvSpPr>
         <p:spPr>
           <a:xfrm>
-            <a:off x="1323162" y="1709739"/>
-            <a:ext cx="16726376" cy="2852737"/>
+            <a:off x="831850" y="1709738"/>
+            <a:ext cx="10515600" cy="2852737"/>
           </a:xfrm>
         </p:spPr>
         <p:txBody>
@@ -1317,8 +1330,8 @@
         </p:nvSpPr>
         <p:spPr>
           <a:xfrm>
-            <a:off x="1323162" y="4589464"/>
-            <a:ext cx="16726376" cy="1500187"/>
+            <a:off x="831850" y="4589463"/>
+            <a:ext cx="10515600" cy="1500187"/>
           </a:xfrm>
         </p:spPr>
         <p:txBody>
@@ -1441,7 +1454,7 @@
           <a:p>
             <a:fld id="{5130463B-E76D-4B5E-AB19-C1AD662459BA}" type="datetimeFigureOut">
               <a:rPr lang="zh-CN" altLang="en-US" smtClean="0"/>
-              <a:t>2019/4/2</a:t>
+              <a:t>2019/4/10</a:t>
             </a:fld>
             <a:endParaRPr lang="zh-CN" altLang="en-US"/>
           </a:p>
@@ -1492,7 +1505,7 @@
     </p:spTree>
     <p:extLst>
       <p:ext uri="{BB962C8B-B14F-4D97-AF65-F5344CB8AC3E}">
-        <p14:creationId xmlns:p14="http://schemas.microsoft.com/office/powerpoint/2010/main" val="1055891641"/>
+        <p14:creationId xmlns:p14="http://schemas.microsoft.com/office/powerpoint/2010/main" val="2085138869"/>
       </p:ext>
     </p:extLst>
   </p:cSld>
@@ -1554,8 +1567,8 @@
         </p:nvSpPr>
         <p:spPr>
           <a:xfrm>
-            <a:off x="1333262" y="1825625"/>
-            <a:ext cx="8241983" cy="4351338"/>
+            <a:off x="838200" y="1825625"/>
+            <a:ext cx="5181600" cy="4351338"/>
           </a:xfrm>
         </p:spPr>
         <p:txBody>
@@ -1611,8 +1624,8 @@
         </p:nvSpPr>
         <p:spPr>
           <a:xfrm>
-            <a:off x="9817655" y="1825625"/>
-            <a:ext cx="8241983" cy="4351338"/>
+            <a:off x="6172200" y="1825625"/>
+            <a:ext cx="5181600" cy="4351338"/>
           </a:xfrm>
         </p:spPr>
         <p:txBody>
@@ -1673,7 +1686,7 @@
           <a:p>
             <a:fld id="{5130463B-E76D-4B5E-AB19-C1AD662459BA}" type="datetimeFigureOut">
               <a:rPr lang="zh-CN" altLang="en-US" smtClean="0"/>
-              <a:t>2019/4/2</a:t>
+              <a:t>2019/4/10</a:t>
             </a:fld>
             <a:endParaRPr lang="zh-CN" altLang="en-US"/>
           </a:p>
@@ -1724,7 +1737,7 @@
     </p:spTree>
     <p:extLst>
       <p:ext uri="{BB962C8B-B14F-4D97-AF65-F5344CB8AC3E}">
-        <p14:creationId xmlns:p14="http://schemas.microsoft.com/office/powerpoint/2010/main" val="2365390381"/>
+        <p14:creationId xmlns:p14="http://schemas.microsoft.com/office/powerpoint/2010/main" val="990913612"/>
       </p:ext>
     </p:extLst>
   </p:cSld>
@@ -1763,8 +1776,8 @@
         </p:nvSpPr>
         <p:spPr>
           <a:xfrm>
-            <a:off x="1335788" y="365126"/>
-            <a:ext cx="16726376" cy="1325563"/>
+            <a:off x="839788" y="365125"/>
+            <a:ext cx="10515600" cy="1325563"/>
           </a:xfrm>
         </p:spPr>
         <p:txBody>
@@ -1791,8 +1804,8 @@
         </p:nvSpPr>
         <p:spPr>
           <a:xfrm>
-            <a:off x="1335789" y="1681163"/>
-            <a:ext cx="8204105" cy="823912"/>
+            <a:off x="839788" y="1681163"/>
+            <a:ext cx="5157787" cy="823912"/>
           </a:xfrm>
         </p:spPr>
         <p:txBody>
@@ -1856,8 +1869,8 @@
         </p:nvSpPr>
         <p:spPr>
           <a:xfrm>
-            <a:off x="1335789" y="2505075"/>
-            <a:ext cx="8204105" cy="3684588"/>
+            <a:off x="839788" y="2505075"/>
+            <a:ext cx="5157787" cy="3684588"/>
           </a:xfrm>
         </p:spPr>
         <p:txBody>
@@ -1913,8 +1926,8 @@
         </p:nvSpPr>
         <p:spPr>
           <a:xfrm>
-            <a:off x="9817656" y="1681163"/>
-            <a:ext cx="8244508" cy="823912"/>
+            <a:off x="6172200" y="1681163"/>
+            <a:ext cx="5183188" cy="823912"/>
           </a:xfrm>
         </p:spPr>
         <p:txBody>
@@ -1978,8 +1991,8 @@
         </p:nvSpPr>
         <p:spPr>
           <a:xfrm>
-            <a:off x="9817656" y="2505075"/>
-            <a:ext cx="8244508" cy="3684588"/>
+            <a:off x="6172200" y="2505075"/>
+            <a:ext cx="5183188" cy="3684588"/>
           </a:xfrm>
         </p:spPr>
         <p:txBody>
@@ -2040,7 +2053,7 @@
           <a:p>
             <a:fld id="{5130463B-E76D-4B5E-AB19-C1AD662459BA}" type="datetimeFigureOut">
               <a:rPr lang="zh-CN" altLang="en-US" smtClean="0"/>
-              <a:t>2019/4/2</a:t>
+              <a:t>2019/4/10</a:t>
             </a:fld>
             <a:endParaRPr lang="zh-CN" altLang="en-US"/>
           </a:p>
@@ -2091,7 +2104,7 @@
     </p:spTree>
     <p:extLst>
       <p:ext uri="{BB962C8B-B14F-4D97-AF65-F5344CB8AC3E}">
-        <p14:creationId xmlns:p14="http://schemas.microsoft.com/office/powerpoint/2010/main" val="4189355123"/>
+        <p14:creationId xmlns:p14="http://schemas.microsoft.com/office/powerpoint/2010/main" val="1275921173"/>
       </p:ext>
     </p:extLst>
   </p:cSld>
@@ -2158,7 +2171,7 @@
           <a:p>
             <a:fld id="{5130463B-E76D-4B5E-AB19-C1AD662459BA}" type="datetimeFigureOut">
               <a:rPr lang="zh-CN" altLang="en-US" smtClean="0"/>
-              <a:t>2019/4/2</a:t>
+              <a:t>2019/4/10</a:t>
             </a:fld>
             <a:endParaRPr lang="zh-CN" altLang="en-US"/>
           </a:p>
@@ -2209,7 +2222,7 @@
     </p:spTree>
     <p:extLst>
       <p:ext uri="{BB962C8B-B14F-4D97-AF65-F5344CB8AC3E}">
-        <p14:creationId xmlns:p14="http://schemas.microsoft.com/office/powerpoint/2010/main" val="3592062641"/>
+        <p14:creationId xmlns:p14="http://schemas.microsoft.com/office/powerpoint/2010/main" val="3439204519"/>
       </p:ext>
     </p:extLst>
   </p:cSld>
@@ -2253,7 +2266,7 @@
           <a:p>
             <a:fld id="{5130463B-E76D-4B5E-AB19-C1AD662459BA}" type="datetimeFigureOut">
               <a:rPr lang="zh-CN" altLang="en-US" smtClean="0"/>
-              <a:t>2019/4/2</a:t>
+              <a:t>2019/4/10</a:t>
             </a:fld>
             <a:endParaRPr lang="zh-CN" altLang="en-US"/>
           </a:p>
@@ -2304,7 +2317,7 @@
     </p:spTree>
     <p:extLst>
       <p:ext uri="{BB962C8B-B14F-4D97-AF65-F5344CB8AC3E}">
-        <p14:creationId xmlns:p14="http://schemas.microsoft.com/office/powerpoint/2010/main" val="1393756549"/>
+        <p14:creationId xmlns:p14="http://schemas.microsoft.com/office/powerpoint/2010/main" val="3417025582"/>
       </p:ext>
     </p:extLst>
   </p:cSld>
@@ -2343,8 +2356,8 @@
         </p:nvSpPr>
         <p:spPr>
           <a:xfrm>
-            <a:off x="1335789" y="457200"/>
-            <a:ext cx="6254714" cy="1600200"/>
+            <a:off x="839788" y="457200"/>
+            <a:ext cx="3932237" cy="1600200"/>
           </a:xfrm>
         </p:spPr>
         <p:txBody>
@@ -2375,8 +2388,8 @@
         </p:nvSpPr>
         <p:spPr>
           <a:xfrm>
-            <a:off x="8244508" y="987426"/>
-            <a:ext cx="9817656" cy="4873625"/>
+            <a:off x="5183188" y="987425"/>
+            <a:ext cx="6172200" cy="4873625"/>
           </a:xfrm>
         </p:spPr>
         <p:txBody>
@@ -2460,8 +2473,8 @@
         </p:nvSpPr>
         <p:spPr>
           <a:xfrm>
-            <a:off x="1335789" y="2057400"/>
-            <a:ext cx="6254714" cy="3811588"/>
+            <a:off x="839788" y="2057400"/>
+            <a:ext cx="3932237" cy="3811588"/>
           </a:xfrm>
         </p:spPr>
         <p:txBody>
@@ -2530,7 +2543,7 @@
           <a:p>
             <a:fld id="{5130463B-E76D-4B5E-AB19-C1AD662459BA}" type="datetimeFigureOut">
               <a:rPr lang="zh-CN" altLang="en-US" smtClean="0"/>
-              <a:t>2019/4/2</a:t>
+              <a:t>2019/4/10</a:t>
             </a:fld>
             <a:endParaRPr lang="zh-CN" altLang="en-US"/>
           </a:p>
@@ -2581,7 +2594,7 @@
     </p:spTree>
     <p:extLst>
       <p:ext uri="{BB962C8B-B14F-4D97-AF65-F5344CB8AC3E}">
-        <p14:creationId xmlns:p14="http://schemas.microsoft.com/office/powerpoint/2010/main" val="43060805"/>
+        <p14:creationId xmlns:p14="http://schemas.microsoft.com/office/powerpoint/2010/main" val="1460925125"/>
       </p:ext>
     </p:extLst>
   </p:cSld>
@@ -2620,8 +2633,8 @@
         </p:nvSpPr>
         <p:spPr>
           <a:xfrm>
-            <a:off x="1335789" y="457200"/>
-            <a:ext cx="6254714" cy="1600200"/>
+            <a:off x="839788" y="457200"/>
+            <a:ext cx="3932237" cy="1600200"/>
           </a:xfrm>
         </p:spPr>
         <p:txBody>
@@ -2652,8 +2665,8 @@
         </p:nvSpPr>
         <p:spPr>
           <a:xfrm>
-            <a:off x="8244508" y="987426"/>
-            <a:ext cx="9817656" cy="4873625"/>
+            <a:off x="5183188" y="987425"/>
+            <a:ext cx="6172200" cy="4873625"/>
           </a:xfrm>
         </p:spPr>
         <p:txBody>
@@ -2717,8 +2730,8 @@
         </p:nvSpPr>
         <p:spPr>
           <a:xfrm>
-            <a:off x="1335789" y="2057400"/>
-            <a:ext cx="6254714" cy="3811588"/>
+            <a:off x="839788" y="2057400"/>
+            <a:ext cx="3932237" cy="3811588"/>
           </a:xfrm>
         </p:spPr>
         <p:txBody>
@@ -2787,7 +2800,7 @@
           <a:p>
             <a:fld id="{5130463B-E76D-4B5E-AB19-C1AD662459BA}" type="datetimeFigureOut">
               <a:rPr lang="zh-CN" altLang="en-US" smtClean="0"/>
-              <a:t>2019/4/2</a:t>
+              <a:t>2019/4/10</a:t>
             </a:fld>
             <a:endParaRPr lang="zh-CN" altLang="en-US"/>
           </a:p>
@@ -2838,7 +2851,7 @@
     </p:spTree>
     <p:extLst>
       <p:ext uri="{BB962C8B-B14F-4D97-AF65-F5344CB8AC3E}">
-        <p14:creationId xmlns:p14="http://schemas.microsoft.com/office/powerpoint/2010/main" val="3977621606"/>
+        <p14:creationId xmlns:p14="http://schemas.microsoft.com/office/powerpoint/2010/main" val="221020368"/>
       </p:ext>
     </p:extLst>
   </p:cSld>
@@ -2882,8 +2895,8 @@
         </p:nvSpPr>
         <p:spPr>
           <a:xfrm>
-            <a:off x="1333262" y="365126"/>
-            <a:ext cx="16726376" cy="1325563"/>
+            <a:off x="838200" y="365125"/>
+            <a:ext cx="10515600" cy="1325563"/>
           </a:xfrm>
           <a:prstGeom prst="rect">
             <a:avLst/>
@@ -2915,8 +2928,8 @@
         </p:nvSpPr>
         <p:spPr>
           <a:xfrm>
-            <a:off x="1333262" y="1825625"/>
-            <a:ext cx="16726376" cy="4351338"/>
+            <a:off x="838200" y="1825625"/>
+            <a:ext cx="10515600" cy="4351338"/>
           </a:xfrm>
           <a:prstGeom prst="rect">
             <a:avLst/>
@@ -2977,8 +2990,8 @@
         </p:nvSpPr>
         <p:spPr>
           <a:xfrm>
-            <a:off x="1333262" y="6356351"/>
-            <a:ext cx="4363403" cy="365125"/>
+            <a:off x="838200" y="6356350"/>
+            <a:ext cx="2743200" cy="365125"/>
           </a:xfrm>
           <a:prstGeom prst="rect">
             <a:avLst/>
@@ -3000,7 +3013,7 @@
           <a:p>
             <a:fld id="{5130463B-E76D-4B5E-AB19-C1AD662459BA}" type="datetimeFigureOut">
               <a:rPr lang="zh-CN" altLang="en-US" smtClean="0"/>
-              <a:t>2019/4/2</a:t>
+              <a:t>2019/4/10</a:t>
             </a:fld>
             <a:endParaRPr lang="zh-CN" altLang="en-US"/>
           </a:p>
@@ -3018,8 +3031,8 @@
         </p:nvSpPr>
         <p:spPr>
           <a:xfrm>
-            <a:off x="6423898" y="6356351"/>
-            <a:ext cx="6545104" cy="365125"/>
+            <a:off x="4038600" y="6356350"/>
+            <a:ext cx="4114800" cy="365125"/>
           </a:xfrm>
           <a:prstGeom prst="rect">
             <a:avLst/>
@@ -3055,8 +3068,8 @@
         </p:nvSpPr>
         <p:spPr>
           <a:xfrm>
-            <a:off x="13696235" y="6356351"/>
-            <a:ext cx="4363403" cy="365125"/>
+            <a:off x="8610600" y="6356350"/>
+            <a:ext cx="2743200" cy="365125"/>
           </a:xfrm>
           <a:prstGeom prst="rect">
             <a:avLst/>
@@ -3087,23 +3100,23 @@
     </p:spTree>
     <p:extLst>
       <p:ext uri="{BB962C8B-B14F-4D97-AF65-F5344CB8AC3E}">
-        <p14:creationId xmlns:p14="http://schemas.microsoft.com/office/powerpoint/2010/main" val="1202609862"/>
+        <p14:creationId xmlns:p14="http://schemas.microsoft.com/office/powerpoint/2010/main" val="3533802825"/>
       </p:ext>
     </p:extLst>
   </p:cSld>
   <p:clrMap bg1="lt1" tx1="dk1" bg2="lt2" tx2="dk2" accent1="accent1" accent2="accent2" accent3="accent3" accent4="accent4" accent5="accent5" accent6="accent6" hlink="hlink" folHlink="folHlink"/>
   <p:sldLayoutIdLst>
-    <p:sldLayoutId id="2147483673" r:id="rId1"/>
-    <p:sldLayoutId id="2147483674" r:id="rId2"/>
-    <p:sldLayoutId id="2147483675" r:id="rId3"/>
-    <p:sldLayoutId id="2147483676" r:id="rId4"/>
-    <p:sldLayoutId id="2147483677" r:id="rId5"/>
-    <p:sldLayoutId id="2147483678" r:id="rId6"/>
-    <p:sldLayoutId id="2147483679" r:id="rId7"/>
-    <p:sldLayoutId id="2147483680" r:id="rId8"/>
-    <p:sldLayoutId id="2147483681" r:id="rId9"/>
-    <p:sldLayoutId id="2147483682" r:id="rId10"/>
-    <p:sldLayoutId id="2147483683" r:id="rId11"/>
+    <p:sldLayoutId id="2147483685" r:id="rId1"/>
+    <p:sldLayoutId id="2147483686" r:id="rId2"/>
+    <p:sldLayoutId id="2147483687" r:id="rId3"/>
+    <p:sldLayoutId id="2147483688" r:id="rId4"/>
+    <p:sldLayoutId id="2147483689" r:id="rId5"/>
+    <p:sldLayoutId id="2147483690" r:id="rId6"/>
+    <p:sldLayoutId id="2147483691" r:id="rId7"/>
+    <p:sldLayoutId id="2147483692" r:id="rId8"/>
+    <p:sldLayoutId id="2147483693" r:id="rId9"/>
+    <p:sldLayoutId id="2147483694" r:id="rId10"/>
+    <p:sldLayoutId id="2147483695" r:id="rId11"/>
   </p:sldLayoutIdLst>
   <p:txStyles>
     <p:titleStyle>
@@ -3413,8 +3426,8 @@
         </p:nvGrpSpPr>
         <p:grpSpPr>
           <a:xfrm>
-            <a:off x="107209" y="1015907"/>
-            <a:ext cx="19240236" cy="4432916"/>
+            <a:off x="67400" y="1911928"/>
+            <a:ext cx="12096023" cy="2786902"/>
             <a:chOff x="107209" y="1015907"/>
             <a:chExt cx="19240236" cy="4432916"/>
           </a:xfrm>
@@ -3500,9 +3513,9 @@
           <p:grpSpPr>
             <a:xfrm>
               <a:off x="4514075" y="2623144"/>
-              <a:ext cx="2026698" cy="636424"/>
+              <a:ext cx="2026698" cy="636629"/>
               <a:chOff x="4966460" y="1396017"/>
-              <a:chExt cx="1650425" cy="518267"/>
+              <a:chExt cx="1650425" cy="518434"/>
             </a:xfrm>
           </p:grpSpPr>
           <p:cxnSp>
@@ -3547,7 +3560,7 @@
             <p:spPr>
               <a:xfrm>
                 <a:off x="4966461" y="1396017"/>
-                <a:ext cx="1573551" cy="473962"/>
+                <a:ext cx="1573551" cy="518434"/>
               </a:xfrm>
               <a:prstGeom prst="rect">
                 <a:avLst/>
@@ -3561,7 +3574,7 @@
               <a:lstStyle/>
               <a:p>
                 <a:r>
-                  <a:rPr lang="zh-CN" altLang="en-US" sz="3182" b="1" dirty="0">
+                  <a:rPr lang="zh-CN" altLang="en-US" sz="2001" b="1" dirty="0">
                     <a:latin typeface="宋体" panose="02010600030101010101" pitchFamily="2" charset="-122"/>
                     <a:ea typeface="宋体" panose="02010600030101010101" pitchFamily="2" charset="-122"/>
                   </a:rPr>
@@ -3628,9 +3641,9 @@
           <p:grpSpPr>
             <a:xfrm>
               <a:off x="15038615" y="2529402"/>
-              <a:ext cx="2026698" cy="636424"/>
+              <a:ext cx="2026698" cy="636629"/>
               <a:chOff x="4966460" y="1396017"/>
-              <a:chExt cx="1650425" cy="518267"/>
+              <a:chExt cx="1650425" cy="518434"/>
             </a:xfrm>
           </p:grpSpPr>
           <p:cxnSp>
@@ -3675,7 +3688,7 @@
             <p:spPr>
               <a:xfrm>
                 <a:off x="4966461" y="1396017"/>
-                <a:ext cx="1573551" cy="473963"/>
+                <a:ext cx="1573551" cy="518434"/>
               </a:xfrm>
               <a:prstGeom prst="rect">
                 <a:avLst/>
@@ -3689,21 +3702,21 @@
               <a:lstStyle/>
               <a:p>
                 <a:r>
-                  <a:rPr lang="zh-CN" altLang="en-US" sz="3182" b="1" dirty="0">
+                  <a:rPr lang="zh-CN" altLang="en-US" sz="2001" b="1" dirty="0">
                     <a:latin typeface="宋体" panose="02010600030101010101" pitchFamily="2" charset="-122"/>
                     <a:ea typeface="宋体" panose="02010600030101010101" pitchFamily="2" charset="-122"/>
                   </a:rPr>
                   <a:t>平均</a:t>
                 </a:r>
                 <a:r>
-                  <a:rPr lang="zh-CN" altLang="en-US" sz="3182" b="1" dirty="0" smtClean="0">
+                  <a:rPr lang="zh-CN" altLang="en-US" sz="2001" b="1" dirty="0">
                     <a:latin typeface="宋体" panose="02010600030101010101" pitchFamily="2" charset="-122"/>
                     <a:ea typeface="宋体" panose="02010600030101010101" pitchFamily="2" charset="-122"/>
                   </a:rPr>
                   <a:t>池</a:t>
                 </a:r>
                 <a:r>
-                  <a:rPr lang="zh-CN" altLang="en-US" sz="3182" b="1" dirty="0">
+                  <a:rPr lang="zh-CN" altLang="en-US" sz="2001" b="1" dirty="0">
                     <a:latin typeface="宋体" panose="02010600030101010101" pitchFamily="2" charset="-122"/>
                     <a:ea typeface="宋体" panose="02010600030101010101" pitchFamily="2" charset="-122"/>
                   </a:rPr>
@@ -3722,7 +3735,7 @@
           <p:spPr>
             <a:xfrm>
               <a:off x="17294535" y="2265594"/>
-              <a:ext cx="881973" cy="646331"/>
+              <a:ext cx="989824" cy="700782"/>
             </a:xfrm>
             <a:prstGeom prst="rect">
               <a:avLst/>
@@ -3736,13 +3749,13 @@
             <a:lstStyle/>
             <a:p>
               <a:r>
-                <a:rPr lang="en-US" altLang="zh-CN" sz="3600" b="1" dirty="0">
+                <a:rPr lang="en-US" altLang="zh-CN" sz="2263" b="1" dirty="0">
                   <a:latin typeface="宋体" panose="02010600030101010101" pitchFamily="2" charset="-122"/>
                   <a:ea typeface="宋体" panose="02010600030101010101" pitchFamily="2" charset="-122"/>
                 </a:rPr>
                 <a:t>3/4</a:t>
               </a:r>
-              <a:endParaRPr lang="zh-CN" altLang="en-US" sz="3600" b="1" dirty="0">
+              <a:endParaRPr lang="zh-CN" altLang="en-US" sz="2263" b="1" dirty="0">
                 <a:latin typeface="宋体" panose="02010600030101010101" pitchFamily="2" charset="-122"/>
                 <a:ea typeface="宋体" panose="02010600030101010101" pitchFamily="2" charset="-122"/>
               </a:endParaRPr>
@@ -3782,7 +3795,7 @@
           <p:spPr>
             <a:xfrm>
               <a:off x="18323976" y="2253181"/>
-              <a:ext cx="881973" cy="646331"/>
+              <a:ext cx="989824" cy="700782"/>
             </a:xfrm>
             <a:prstGeom prst="rect">
               <a:avLst/>
@@ -3796,13 +3809,13 @@
             <a:lstStyle/>
             <a:p>
               <a:r>
-                <a:rPr lang="en-US" altLang="zh-CN" sz="3600" b="1" dirty="0">
+                <a:rPr lang="en-US" altLang="zh-CN" sz="2263" b="1" dirty="0">
                   <a:latin typeface="宋体" panose="02010600030101010101" pitchFamily="2" charset="-122"/>
                   <a:ea typeface="宋体" panose="02010600030101010101" pitchFamily="2" charset="-122"/>
                 </a:rPr>
                 <a:t>5/4</a:t>
               </a:r>
-              <a:endParaRPr lang="zh-CN" altLang="en-US" sz="3600" b="1" dirty="0">
+              <a:endParaRPr lang="zh-CN" altLang="en-US" sz="2263" b="1" dirty="0">
                 <a:latin typeface="宋体" panose="02010600030101010101" pitchFamily="2" charset="-122"/>
                 <a:ea typeface="宋体" panose="02010600030101010101" pitchFamily="2" charset="-122"/>
               </a:endParaRPr>
@@ -3841,8 +3854,8 @@
           </p:nvSpPr>
           <p:spPr>
             <a:xfrm>
-              <a:off x="18575181" y="3271982"/>
-              <a:ext cx="417102" cy="646331"/>
+              <a:off x="18575181" y="3271983"/>
+              <a:ext cx="525765" cy="700782"/>
             </a:xfrm>
             <a:prstGeom prst="rect">
               <a:avLst/>
@@ -3856,13 +3869,13 @@
             <a:lstStyle/>
             <a:p>
               <a:r>
-                <a:rPr lang="en-US" altLang="zh-CN" sz="3600" b="1" dirty="0" smtClean="0">
+                <a:rPr lang="en-US" altLang="zh-CN" sz="2263" b="1" dirty="0">
                   <a:latin typeface="宋体" panose="02010600030101010101" pitchFamily="2" charset="-122"/>
                   <a:ea typeface="宋体" panose="02010600030101010101" pitchFamily="2" charset="-122"/>
                 </a:rPr>
                 <a:t>2</a:t>
               </a:r>
-              <a:endParaRPr lang="zh-CN" altLang="en-US" sz="3600" b="1" dirty="0">
+              <a:endParaRPr lang="zh-CN" altLang="en-US" sz="2263" b="1" dirty="0">
                 <a:latin typeface="宋体" panose="02010600030101010101" pitchFamily="2" charset="-122"/>
                 <a:ea typeface="宋体" panose="02010600030101010101" pitchFamily="2" charset="-122"/>
               </a:endParaRPr>
@@ -3898,6 +3911,1117 @@
     <p:extLst>
       <p:ext uri="{BB962C8B-B14F-4D97-AF65-F5344CB8AC3E}">
         <p14:creationId xmlns:p14="http://schemas.microsoft.com/office/powerpoint/2010/main" val="2683188217"/>
+      </p:ext>
+    </p:extLst>
+  </p:cSld>
+  <p:clrMapOvr>
+    <a:masterClrMapping/>
+  </p:clrMapOvr>
+</p:sld>
+</file>
+
+<file path=ppt/slides/slide2.xml><?xml version="1.0" encoding="utf-8"?>
+<p:sld xmlns:a="http://schemas.openxmlformats.org/drawingml/2006/main" xmlns:r="http://schemas.openxmlformats.org/officeDocument/2006/relationships" xmlns:p="http://schemas.openxmlformats.org/presentationml/2006/main">
+  <p:cSld>
+    <p:spTree>
+      <p:nvGrpSpPr>
+        <p:cNvPr id="1" name=""/>
+        <p:cNvGrpSpPr/>
+        <p:nvPr/>
+      </p:nvGrpSpPr>
+      <p:grpSpPr>
+        <a:xfrm>
+          <a:off x="0" y="0"/>
+          <a:ext cx="0" cy="0"/>
+          <a:chOff x="0" y="0"/>
+          <a:chExt cx="0" cy="0"/>
+        </a:xfrm>
+      </p:grpSpPr>
+      <p:pic>
+        <p:nvPicPr>
+          <p:cNvPr id="8" name="图片 7"/>
+          <p:cNvPicPr>
+            <a:picLocks noChangeAspect="1"/>
+          </p:cNvPicPr>
+          <p:nvPr/>
+        </p:nvPicPr>
+        <p:blipFill>
+          <a:blip r:embed="rId2" cstate="print">
+            <a:extLst>
+              <a:ext uri="{28A0092B-C50C-407E-A947-70E740481C1C}">
+                <a14:useLocalDpi xmlns:a14="http://schemas.microsoft.com/office/drawing/2010/main" val="0"/>
+              </a:ext>
+            </a:extLst>
+          </a:blip>
+          <a:stretch>
+            <a:fillRect/>
+          </a:stretch>
+        </p:blipFill>
+        <p:spPr>
+          <a:xfrm rot="16200000">
+            <a:off x="2216822" y="712408"/>
+            <a:ext cx="3207915" cy="4743872"/>
+          </a:xfrm>
+          <a:prstGeom prst="rect">
+            <a:avLst/>
+          </a:prstGeom>
+        </p:spPr>
+      </p:pic>
+      <p:pic>
+        <p:nvPicPr>
+          <p:cNvPr id="9" name="图片 8"/>
+          <p:cNvPicPr>
+            <a:picLocks noChangeAspect="1"/>
+          </p:cNvPicPr>
+          <p:nvPr/>
+        </p:nvPicPr>
+        <p:blipFill>
+          <a:blip r:embed="rId3" cstate="print">
+            <a:extLst>
+              <a:ext uri="{28A0092B-C50C-407E-A947-70E740481C1C}">
+                <a14:useLocalDpi xmlns:a14="http://schemas.microsoft.com/office/drawing/2010/main" val="0"/>
+              </a:ext>
+            </a:extLst>
+          </a:blip>
+          <a:stretch>
+            <a:fillRect/>
+          </a:stretch>
+        </p:blipFill>
+        <p:spPr>
+          <a:xfrm rot="16200000">
+            <a:off x="7377298" y="712407"/>
+            <a:ext cx="3207916" cy="4743873"/>
+          </a:xfrm>
+          <a:prstGeom prst="rect">
+            <a:avLst/>
+          </a:prstGeom>
+        </p:spPr>
+      </p:pic>
+    </p:spTree>
+    <p:extLst>
+      <p:ext uri="{BB962C8B-B14F-4D97-AF65-F5344CB8AC3E}">
+        <p14:creationId xmlns:p14="http://schemas.microsoft.com/office/powerpoint/2010/main" val="593833732"/>
+      </p:ext>
+    </p:extLst>
+  </p:cSld>
+  <p:clrMapOvr>
+    <a:masterClrMapping/>
+  </p:clrMapOvr>
+</p:sld>
+</file>
+
+<file path=ppt/slides/slide3.xml><?xml version="1.0" encoding="utf-8"?>
+<p:sld xmlns:a="http://schemas.openxmlformats.org/drawingml/2006/main" xmlns:r="http://schemas.openxmlformats.org/officeDocument/2006/relationships" xmlns:p="http://schemas.openxmlformats.org/presentationml/2006/main">
+  <p:cSld>
+    <p:spTree>
+      <p:nvGrpSpPr>
+        <p:cNvPr id="1" name=""/>
+        <p:cNvGrpSpPr/>
+        <p:nvPr/>
+      </p:nvGrpSpPr>
+      <p:grpSpPr>
+        <a:xfrm>
+          <a:off x="0" y="0"/>
+          <a:ext cx="0" cy="0"/>
+          <a:chOff x="0" y="0"/>
+          <a:chExt cx="0" cy="0"/>
+        </a:xfrm>
+      </p:grpSpPr>
+      <p:sp>
+        <p:nvSpPr>
+          <p:cNvPr id="4" name="立方体 3"/>
+          <p:cNvSpPr/>
+          <p:nvPr/>
+        </p:nvSpPr>
+        <p:spPr>
+          <a:xfrm>
+            <a:off x="1466661" y="1059256"/>
+            <a:ext cx="2064190" cy="3847722"/>
+          </a:xfrm>
+          <a:prstGeom prst="cube">
+            <a:avLst>
+              <a:gd name="adj" fmla="val 83333"/>
+            </a:avLst>
+          </a:prstGeom>
+        </p:spPr>
+        <p:style>
+          <a:lnRef idx="2">
+            <a:schemeClr val="accent1">
+              <a:shade val="50000"/>
+            </a:schemeClr>
+          </a:lnRef>
+          <a:fillRef idx="1">
+            <a:schemeClr val="accent1"/>
+          </a:fillRef>
+          <a:effectRef idx="0">
+            <a:schemeClr val="accent1"/>
+          </a:effectRef>
+          <a:fontRef idx="minor">
+            <a:schemeClr val="lt1"/>
+          </a:fontRef>
+        </p:style>
+        <p:txBody>
+          <a:bodyPr rtlCol="0" anchor="ctr"/>
+          <a:lstStyle/>
+          <a:p>
+            <a:pPr algn="ctr"/>
+            <a:endParaRPr lang="zh-CN" altLang="en-US"/>
+          </a:p>
+        </p:txBody>
+      </p:sp>
+      <p:sp>
+        <p:nvSpPr>
+          <p:cNvPr id="5" name="立方体 4"/>
+          <p:cNvSpPr/>
+          <p:nvPr/>
+        </p:nvSpPr>
+        <p:spPr>
+          <a:xfrm>
+            <a:off x="2688878" y="1643204"/>
+            <a:ext cx="1525073" cy="2842788"/>
+          </a:xfrm>
+          <a:prstGeom prst="cube">
+            <a:avLst>
+              <a:gd name="adj" fmla="val 65524"/>
+            </a:avLst>
+          </a:prstGeom>
+        </p:spPr>
+        <p:style>
+          <a:lnRef idx="2">
+            <a:schemeClr val="accent1">
+              <a:shade val="50000"/>
+            </a:schemeClr>
+          </a:lnRef>
+          <a:fillRef idx="1">
+            <a:schemeClr val="accent1"/>
+          </a:fillRef>
+          <a:effectRef idx="0">
+            <a:schemeClr val="accent1"/>
+          </a:effectRef>
+          <a:fontRef idx="minor">
+            <a:schemeClr val="lt1"/>
+          </a:fontRef>
+        </p:style>
+        <p:txBody>
+          <a:bodyPr rtlCol="0" anchor="ctr"/>
+          <a:lstStyle/>
+          <a:p>
+            <a:pPr algn="ctr"/>
+            <a:endParaRPr lang="zh-CN" altLang="en-US"/>
+          </a:p>
+        </p:txBody>
+      </p:sp>
+      <p:sp>
+        <p:nvSpPr>
+          <p:cNvPr id="6" name="立方体 5"/>
+          <p:cNvSpPr/>
+          <p:nvPr/>
+        </p:nvSpPr>
+        <p:spPr>
+          <a:xfrm>
+            <a:off x="3624177" y="2143408"/>
+            <a:ext cx="1179547" cy="2077770"/>
+          </a:xfrm>
+          <a:prstGeom prst="cube">
+            <a:avLst>
+              <a:gd name="adj" fmla="val 58966"/>
+            </a:avLst>
+          </a:prstGeom>
+        </p:spPr>
+        <p:style>
+          <a:lnRef idx="2">
+            <a:schemeClr val="accent1">
+              <a:shade val="50000"/>
+            </a:schemeClr>
+          </a:lnRef>
+          <a:fillRef idx="1">
+            <a:schemeClr val="accent1"/>
+          </a:fillRef>
+          <a:effectRef idx="0">
+            <a:schemeClr val="accent1"/>
+          </a:effectRef>
+          <a:fontRef idx="minor">
+            <a:schemeClr val="lt1"/>
+          </a:fontRef>
+        </p:style>
+        <p:txBody>
+          <a:bodyPr rtlCol="0" anchor="ctr"/>
+          <a:lstStyle/>
+          <a:p>
+            <a:pPr algn="ctr"/>
+            <a:endParaRPr lang="zh-CN" altLang="en-US"/>
+          </a:p>
+        </p:txBody>
+      </p:sp>
+      <p:sp>
+        <p:nvSpPr>
+          <p:cNvPr id="7" name="立方体 6"/>
+          <p:cNvSpPr/>
+          <p:nvPr/>
+        </p:nvSpPr>
+        <p:spPr>
+          <a:xfrm>
+            <a:off x="4470781" y="2516863"/>
+            <a:ext cx="852537" cy="1501743"/>
+          </a:xfrm>
+          <a:prstGeom prst="cube">
+            <a:avLst>
+              <a:gd name="adj" fmla="val 46223"/>
+            </a:avLst>
+          </a:prstGeom>
+        </p:spPr>
+        <p:style>
+          <a:lnRef idx="2">
+            <a:schemeClr val="accent1">
+              <a:shade val="50000"/>
+            </a:schemeClr>
+          </a:lnRef>
+          <a:fillRef idx="1">
+            <a:schemeClr val="accent1"/>
+          </a:fillRef>
+          <a:effectRef idx="0">
+            <a:schemeClr val="accent1"/>
+          </a:effectRef>
+          <a:fontRef idx="minor">
+            <a:schemeClr val="lt1"/>
+          </a:fontRef>
+        </p:style>
+        <p:txBody>
+          <a:bodyPr rtlCol="0" anchor="ctr"/>
+          <a:lstStyle/>
+          <a:p>
+            <a:pPr algn="ctr"/>
+            <a:endParaRPr lang="zh-CN" altLang="en-US"/>
+          </a:p>
+        </p:txBody>
+      </p:sp>
+      <p:sp>
+        <p:nvSpPr>
+          <p:cNvPr id="8" name="立方体 7"/>
+          <p:cNvSpPr/>
+          <p:nvPr/>
+        </p:nvSpPr>
+        <p:spPr>
+          <a:xfrm>
+            <a:off x="5153879" y="2543456"/>
+            <a:ext cx="852537" cy="1501743"/>
+          </a:xfrm>
+          <a:prstGeom prst="cube">
+            <a:avLst>
+              <a:gd name="adj" fmla="val 46223"/>
+            </a:avLst>
+          </a:prstGeom>
+        </p:spPr>
+        <p:style>
+          <a:lnRef idx="2">
+            <a:schemeClr val="accent1">
+              <a:shade val="50000"/>
+            </a:schemeClr>
+          </a:lnRef>
+          <a:fillRef idx="1">
+            <a:schemeClr val="accent1"/>
+          </a:fillRef>
+          <a:effectRef idx="0">
+            <a:schemeClr val="accent1"/>
+          </a:effectRef>
+          <a:fontRef idx="minor">
+            <a:schemeClr val="lt1"/>
+          </a:fontRef>
+        </p:style>
+        <p:txBody>
+          <a:bodyPr rtlCol="0" anchor="ctr"/>
+          <a:lstStyle/>
+          <a:p>
+            <a:pPr algn="ctr"/>
+            <a:endParaRPr lang="zh-CN" altLang="en-US"/>
+          </a:p>
+        </p:txBody>
+      </p:sp>
+      <p:sp>
+        <p:nvSpPr>
+          <p:cNvPr id="9" name="立方体 8"/>
+          <p:cNvSpPr/>
+          <p:nvPr/>
+        </p:nvSpPr>
+        <p:spPr>
+          <a:xfrm>
+            <a:off x="5881783" y="2983117"/>
+            <a:ext cx="949576" cy="478134"/>
+          </a:xfrm>
+          <a:prstGeom prst="cube">
+            <a:avLst>
+              <a:gd name="adj" fmla="val 35416"/>
+            </a:avLst>
+          </a:prstGeom>
+        </p:spPr>
+        <p:style>
+          <a:lnRef idx="2">
+            <a:schemeClr val="accent1">
+              <a:shade val="50000"/>
+            </a:schemeClr>
+          </a:lnRef>
+          <a:fillRef idx="1">
+            <a:schemeClr val="accent1"/>
+          </a:fillRef>
+          <a:effectRef idx="0">
+            <a:schemeClr val="accent1"/>
+          </a:effectRef>
+          <a:fontRef idx="minor">
+            <a:schemeClr val="lt1"/>
+          </a:fontRef>
+        </p:style>
+        <p:txBody>
+          <a:bodyPr rtlCol="0" anchor="ctr"/>
+          <a:lstStyle/>
+          <a:p>
+            <a:pPr algn="ctr"/>
+            <a:endParaRPr lang="zh-CN" altLang="en-US"/>
+          </a:p>
+        </p:txBody>
+      </p:sp>
+      <p:sp>
+        <p:nvSpPr>
+          <p:cNvPr id="10" name="立方体 9"/>
+          <p:cNvSpPr/>
+          <p:nvPr/>
+        </p:nvSpPr>
+        <p:spPr>
+          <a:xfrm>
+            <a:off x="6841451" y="2983117"/>
+            <a:ext cx="949576" cy="478134"/>
+          </a:xfrm>
+          <a:prstGeom prst="cube">
+            <a:avLst>
+              <a:gd name="adj" fmla="val 35416"/>
+            </a:avLst>
+          </a:prstGeom>
+        </p:spPr>
+        <p:style>
+          <a:lnRef idx="2">
+            <a:schemeClr val="accent1">
+              <a:shade val="50000"/>
+            </a:schemeClr>
+          </a:lnRef>
+          <a:fillRef idx="1">
+            <a:schemeClr val="accent1"/>
+          </a:fillRef>
+          <a:effectRef idx="0">
+            <a:schemeClr val="accent1"/>
+          </a:effectRef>
+          <a:fontRef idx="minor">
+            <a:schemeClr val="lt1"/>
+          </a:fontRef>
+        </p:style>
+        <p:txBody>
+          <a:bodyPr rtlCol="0" anchor="ctr"/>
+          <a:lstStyle/>
+          <a:p>
+            <a:pPr algn="ctr"/>
+            <a:endParaRPr lang="zh-CN" altLang="en-US"/>
+          </a:p>
+        </p:txBody>
+      </p:sp>
+      <p:sp>
+        <p:nvSpPr>
+          <p:cNvPr id="11" name="立方体 10"/>
+          <p:cNvSpPr/>
+          <p:nvPr/>
+        </p:nvSpPr>
+        <p:spPr>
+          <a:xfrm>
+            <a:off x="7633020" y="2543456"/>
+            <a:ext cx="852537" cy="1501743"/>
+          </a:xfrm>
+          <a:prstGeom prst="cube">
+            <a:avLst>
+              <a:gd name="adj" fmla="val 46223"/>
+            </a:avLst>
+          </a:prstGeom>
+        </p:spPr>
+        <p:style>
+          <a:lnRef idx="2">
+            <a:schemeClr val="accent1">
+              <a:shade val="50000"/>
+            </a:schemeClr>
+          </a:lnRef>
+          <a:fillRef idx="1">
+            <a:schemeClr val="accent1"/>
+          </a:fillRef>
+          <a:effectRef idx="0">
+            <a:schemeClr val="accent1"/>
+          </a:effectRef>
+          <a:fontRef idx="minor">
+            <a:schemeClr val="lt1"/>
+          </a:fontRef>
+        </p:style>
+        <p:txBody>
+          <a:bodyPr rtlCol="0" anchor="ctr"/>
+          <a:lstStyle/>
+          <a:p>
+            <a:pPr algn="ctr"/>
+            <a:endParaRPr lang="zh-CN" altLang="en-US"/>
+          </a:p>
+        </p:txBody>
+      </p:sp>
+      <p:sp>
+        <p:nvSpPr>
+          <p:cNvPr id="12" name="立方体 11"/>
+          <p:cNvSpPr/>
+          <p:nvPr/>
+        </p:nvSpPr>
+        <p:spPr>
+          <a:xfrm>
+            <a:off x="8316995" y="2543456"/>
+            <a:ext cx="852537" cy="1501743"/>
+          </a:xfrm>
+          <a:prstGeom prst="cube">
+            <a:avLst>
+              <a:gd name="adj" fmla="val 46223"/>
+            </a:avLst>
+          </a:prstGeom>
+        </p:spPr>
+        <p:style>
+          <a:lnRef idx="2">
+            <a:schemeClr val="accent1">
+              <a:shade val="50000"/>
+            </a:schemeClr>
+          </a:lnRef>
+          <a:fillRef idx="1">
+            <a:schemeClr val="accent1"/>
+          </a:fillRef>
+          <a:effectRef idx="0">
+            <a:schemeClr val="accent1"/>
+          </a:effectRef>
+          <a:fontRef idx="minor">
+            <a:schemeClr val="lt1"/>
+          </a:fontRef>
+        </p:style>
+        <p:txBody>
+          <a:bodyPr rtlCol="0" anchor="ctr"/>
+          <a:lstStyle/>
+          <a:p>
+            <a:pPr algn="ctr"/>
+            <a:endParaRPr lang="zh-CN" altLang="en-US"/>
+          </a:p>
+        </p:txBody>
+      </p:sp>
+      <p:sp>
+        <p:nvSpPr>
+          <p:cNvPr id="13" name="立方体 12"/>
+          <p:cNvSpPr/>
+          <p:nvPr/>
+        </p:nvSpPr>
+        <p:spPr>
+          <a:xfrm>
+            <a:off x="8592688" y="1343873"/>
+            <a:ext cx="2064190" cy="3847722"/>
+          </a:xfrm>
+          <a:prstGeom prst="cube">
+            <a:avLst>
+              <a:gd name="adj" fmla="val 83333"/>
+            </a:avLst>
+          </a:prstGeom>
+        </p:spPr>
+        <p:style>
+          <a:lnRef idx="2">
+            <a:schemeClr val="accent1">
+              <a:shade val="50000"/>
+            </a:schemeClr>
+          </a:lnRef>
+          <a:fillRef idx="1">
+            <a:schemeClr val="accent1"/>
+          </a:fillRef>
+          <a:effectRef idx="0">
+            <a:schemeClr val="accent1"/>
+          </a:effectRef>
+          <a:fontRef idx="minor">
+            <a:schemeClr val="lt1"/>
+          </a:fontRef>
+        </p:style>
+        <p:txBody>
+          <a:bodyPr rtlCol="0" anchor="ctr"/>
+          <a:lstStyle/>
+          <a:p>
+            <a:pPr algn="ctr"/>
+            <a:endParaRPr lang="zh-CN" altLang="en-US"/>
+          </a:p>
+        </p:txBody>
+      </p:sp>
+    </p:spTree>
+    <p:extLst>
+      <p:ext uri="{BB962C8B-B14F-4D97-AF65-F5344CB8AC3E}">
+        <p14:creationId xmlns:p14="http://schemas.microsoft.com/office/powerpoint/2010/main" val="3659532121"/>
+      </p:ext>
+    </p:extLst>
+  </p:cSld>
+  <p:clrMapOvr>
+    <a:masterClrMapping/>
+  </p:clrMapOvr>
+</p:sld>
+</file>
+
+<file path=ppt/slides/slide4.xml><?xml version="1.0" encoding="utf-8"?>
+<p:sld xmlns:a="http://schemas.openxmlformats.org/drawingml/2006/main" xmlns:r="http://schemas.openxmlformats.org/officeDocument/2006/relationships" xmlns:p="http://schemas.openxmlformats.org/presentationml/2006/main">
+  <p:cSld>
+    <p:spTree>
+      <p:nvGrpSpPr>
+        <p:cNvPr id="1" name=""/>
+        <p:cNvGrpSpPr/>
+        <p:nvPr/>
+      </p:nvGrpSpPr>
+      <p:grpSpPr>
+        <a:xfrm>
+          <a:off x="0" y="0"/>
+          <a:ext cx="0" cy="0"/>
+          <a:chOff x="0" y="0"/>
+          <a:chExt cx="0" cy="0"/>
+        </a:xfrm>
+      </p:grpSpPr>
+      <p:pic>
+        <p:nvPicPr>
+          <p:cNvPr id="16" name="图片 15"/>
+          <p:cNvPicPr>
+            <a:picLocks noChangeAspect="1"/>
+          </p:cNvPicPr>
+          <p:nvPr/>
+        </p:nvPicPr>
+        <p:blipFill>
+          <a:blip r:embed="rId2" cstate="print">
+            <a:extLst>
+              <a:ext uri="{28A0092B-C50C-407E-A947-70E740481C1C}">
+                <a14:useLocalDpi xmlns:a14="http://schemas.microsoft.com/office/drawing/2010/main" val="0"/>
+              </a:ext>
+            </a:extLst>
+          </a:blip>
+          <a:stretch>
+            <a:fillRect/>
+          </a:stretch>
+        </p:blipFill>
+        <p:spPr>
+          <a:xfrm rot="14226215">
+            <a:off x="381253" y="633660"/>
+            <a:ext cx="3204557" cy="5018983"/>
+          </a:xfrm>
+          <a:prstGeom prst="rect">
+            <a:avLst/>
+          </a:prstGeom>
+          <a:scene3d>
+            <a:camera prst="isometricLeftDown"/>
+            <a:lightRig rig="threePt" dir="t"/>
+          </a:scene3d>
+        </p:spPr>
+      </p:pic>
+      <p:grpSp>
+        <p:nvGrpSpPr>
+          <p:cNvPr id="3" name="组合 2"/>
+          <p:cNvGrpSpPr/>
+          <p:nvPr/>
+        </p:nvGrpSpPr>
+        <p:grpSpPr>
+          <a:xfrm>
+            <a:off x="1692904" y="1395167"/>
+            <a:ext cx="8704861" cy="4097485"/>
+            <a:chOff x="1466661" y="1059256"/>
+            <a:chExt cx="8733556" cy="4046898"/>
+          </a:xfrm>
+          <a:solidFill>
+            <a:schemeClr val="tx2">
+              <a:lumMod val="20000"/>
+              <a:lumOff val="80000"/>
+            </a:schemeClr>
+          </a:solidFill>
+        </p:grpSpPr>
+        <p:sp>
+          <p:nvSpPr>
+            <p:cNvPr id="4" name="立方体 3"/>
+            <p:cNvSpPr/>
+            <p:nvPr/>
+          </p:nvSpPr>
+          <p:spPr>
+            <a:xfrm>
+              <a:off x="1466661" y="1059256"/>
+              <a:ext cx="2064190" cy="3847722"/>
+            </a:xfrm>
+            <a:prstGeom prst="cube">
+              <a:avLst>
+                <a:gd name="adj" fmla="val 83333"/>
+              </a:avLst>
+            </a:prstGeom>
+            <a:grpFill/>
+            <a:ln>
+              <a:solidFill>
+                <a:schemeClr val="accent1">
+                  <a:lumMod val="75000"/>
+                </a:schemeClr>
+              </a:solidFill>
+            </a:ln>
+          </p:spPr>
+          <p:style>
+            <a:lnRef idx="2">
+              <a:schemeClr val="accent1">
+                <a:shade val="50000"/>
+              </a:schemeClr>
+            </a:lnRef>
+            <a:fillRef idx="1">
+              <a:schemeClr val="accent1"/>
+            </a:fillRef>
+            <a:effectRef idx="0">
+              <a:schemeClr val="accent1"/>
+            </a:effectRef>
+            <a:fontRef idx="minor">
+              <a:schemeClr val="lt1"/>
+            </a:fontRef>
+          </p:style>
+          <p:txBody>
+            <a:bodyPr rtlCol="0" anchor="ctr"/>
+            <a:lstStyle/>
+            <a:p>
+              <a:pPr algn="ctr"/>
+              <a:endParaRPr lang="zh-CN" altLang="en-US"/>
+            </a:p>
+          </p:txBody>
+        </p:sp>
+        <p:sp>
+          <p:nvSpPr>
+            <p:cNvPr id="5" name="立方体 4"/>
+            <p:cNvSpPr/>
+            <p:nvPr/>
+          </p:nvSpPr>
+          <p:spPr>
+            <a:xfrm>
+              <a:off x="2688878" y="1643204"/>
+              <a:ext cx="1525073" cy="2842788"/>
+            </a:xfrm>
+            <a:prstGeom prst="cube">
+              <a:avLst>
+                <a:gd name="adj" fmla="val 65524"/>
+              </a:avLst>
+            </a:prstGeom>
+            <a:grpFill/>
+            <a:ln>
+              <a:solidFill>
+                <a:schemeClr val="accent1">
+                  <a:lumMod val="75000"/>
+                </a:schemeClr>
+              </a:solidFill>
+            </a:ln>
+          </p:spPr>
+          <p:style>
+            <a:lnRef idx="2">
+              <a:schemeClr val="accent1">
+                <a:shade val="50000"/>
+              </a:schemeClr>
+            </a:lnRef>
+            <a:fillRef idx="1">
+              <a:schemeClr val="accent1"/>
+            </a:fillRef>
+            <a:effectRef idx="0">
+              <a:schemeClr val="accent1"/>
+            </a:effectRef>
+            <a:fontRef idx="minor">
+              <a:schemeClr val="lt1"/>
+            </a:fontRef>
+          </p:style>
+          <p:txBody>
+            <a:bodyPr rtlCol="0" anchor="ctr"/>
+            <a:lstStyle/>
+            <a:p>
+              <a:pPr algn="ctr"/>
+              <a:endParaRPr lang="zh-CN" altLang="en-US"/>
+            </a:p>
+          </p:txBody>
+        </p:sp>
+        <p:sp>
+          <p:nvSpPr>
+            <p:cNvPr id="6" name="立方体 5"/>
+            <p:cNvSpPr/>
+            <p:nvPr/>
+          </p:nvSpPr>
+          <p:spPr>
+            <a:xfrm>
+              <a:off x="3624177" y="2143408"/>
+              <a:ext cx="1179547" cy="2077770"/>
+            </a:xfrm>
+            <a:prstGeom prst="cube">
+              <a:avLst>
+                <a:gd name="adj" fmla="val 58966"/>
+              </a:avLst>
+            </a:prstGeom>
+            <a:grpFill/>
+            <a:ln>
+              <a:solidFill>
+                <a:schemeClr val="accent1">
+                  <a:lumMod val="75000"/>
+                </a:schemeClr>
+              </a:solidFill>
+            </a:ln>
+          </p:spPr>
+          <p:style>
+            <a:lnRef idx="2">
+              <a:schemeClr val="accent1">
+                <a:shade val="50000"/>
+              </a:schemeClr>
+            </a:lnRef>
+            <a:fillRef idx="1">
+              <a:schemeClr val="accent1"/>
+            </a:fillRef>
+            <a:effectRef idx="0">
+              <a:schemeClr val="accent1"/>
+            </a:effectRef>
+            <a:fontRef idx="minor">
+              <a:schemeClr val="lt1"/>
+            </a:fontRef>
+          </p:style>
+          <p:txBody>
+            <a:bodyPr rtlCol="0" anchor="ctr"/>
+            <a:lstStyle/>
+            <a:p>
+              <a:pPr algn="ctr"/>
+              <a:endParaRPr lang="zh-CN" altLang="en-US"/>
+            </a:p>
+          </p:txBody>
+        </p:sp>
+        <p:sp>
+          <p:nvSpPr>
+            <p:cNvPr id="7" name="立方体 6"/>
+            <p:cNvSpPr/>
+            <p:nvPr/>
+          </p:nvSpPr>
+          <p:spPr>
+            <a:xfrm>
+              <a:off x="4470781" y="2516863"/>
+              <a:ext cx="852537" cy="1501743"/>
+            </a:xfrm>
+            <a:prstGeom prst="cube">
+              <a:avLst>
+                <a:gd name="adj" fmla="val 46223"/>
+              </a:avLst>
+            </a:prstGeom>
+            <a:grpFill/>
+            <a:ln>
+              <a:solidFill>
+                <a:schemeClr val="accent1">
+                  <a:lumMod val="75000"/>
+                </a:schemeClr>
+              </a:solidFill>
+            </a:ln>
+          </p:spPr>
+          <p:style>
+            <a:lnRef idx="2">
+              <a:schemeClr val="accent1">
+                <a:shade val="50000"/>
+              </a:schemeClr>
+            </a:lnRef>
+            <a:fillRef idx="1">
+              <a:schemeClr val="accent1"/>
+            </a:fillRef>
+            <a:effectRef idx="0">
+              <a:schemeClr val="accent1"/>
+            </a:effectRef>
+            <a:fontRef idx="minor">
+              <a:schemeClr val="lt1"/>
+            </a:fontRef>
+          </p:style>
+          <p:txBody>
+            <a:bodyPr rtlCol="0" anchor="ctr"/>
+            <a:lstStyle/>
+            <a:p>
+              <a:pPr algn="ctr"/>
+              <a:endParaRPr lang="zh-CN" altLang="en-US"/>
+            </a:p>
+          </p:txBody>
+        </p:sp>
+        <p:sp>
+          <p:nvSpPr>
+            <p:cNvPr id="8" name="立方体 7"/>
+            <p:cNvSpPr/>
+            <p:nvPr/>
+          </p:nvSpPr>
+          <p:spPr>
+            <a:xfrm>
+              <a:off x="5153879" y="2543456"/>
+              <a:ext cx="852537" cy="1501743"/>
+            </a:xfrm>
+            <a:prstGeom prst="cube">
+              <a:avLst>
+                <a:gd name="adj" fmla="val 46223"/>
+              </a:avLst>
+            </a:prstGeom>
+            <a:grpFill/>
+            <a:ln>
+              <a:solidFill>
+                <a:schemeClr val="accent1">
+                  <a:lumMod val="75000"/>
+                </a:schemeClr>
+              </a:solidFill>
+            </a:ln>
+          </p:spPr>
+          <p:style>
+            <a:lnRef idx="2">
+              <a:schemeClr val="accent1">
+                <a:shade val="50000"/>
+              </a:schemeClr>
+            </a:lnRef>
+            <a:fillRef idx="1">
+              <a:schemeClr val="accent1"/>
+            </a:fillRef>
+            <a:effectRef idx="0">
+              <a:schemeClr val="accent1"/>
+            </a:effectRef>
+            <a:fontRef idx="minor">
+              <a:schemeClr val="lt1"/>
+            </a:fontRef>
+          </p:style>
+          <p:txBody>
+            <a:bodyPr rtlCol="0" anchor="ctr"/>
+            <a:lstStyle/>
+            <a:p>
+              <a:pPr algn="ctr"/>
+              <a:endParaRPr lang="zh-CN" altLang="en-US"/>
+            </a:p>
+          </p:txBody>
+        </p:sp>
+        <p:sp>
+          <p:nvSpPr>
+            <p:cNvPr id="9" name="立方体 8"/>
+            <p:cNvSpPr/>
+            <p:nvPr/>
+          </p:nvSpPr>
+          <p:spPr>
+            <a:xfrm>
+              <a:off x="5881783" y="2983117"/>
+              <a:ext cx="949576" cy="478134"/>
+            </a:xfrm>
+            <a:prstGeom prst="cube">
+              <a:avLst>
+                <a:gd name="adj" fmla="val 35416"/>
+              </a:avLst>
+            </a:prstGeom>
+            <a:grpFill/>
+            <a:ln>
+              <a:solidFill>
+                <a:schemeClr val="accent1">
+                  <a:lumMod val="75000"/>
+                </a:schemeClr>
+              </a:solidFill>
+            </a:ln>
+          </p:spPr>
+          <p:style>
+            <a:lnRef idx="2">
+              <a:schemeClr val="accent1">
+                <a:shade val="50000"/>
+              </a:schemeClr>
+            </a:lnRef>
+            <a:fillRef idx="1">
+              <a:schemeClr val="accent1"/>
+            </a:fillRef>
+            <a:effectRef idx="0">
+              <a:schemeClr val="accent1"/>
+            </a:effectRef>
+            <a:fontRef idx="minor">
+              <a:schemeClr val="lt1"/>
+            </a:fontRef>
+          </p:style>
+          <p:txBody>
+            <a:bodyPr rtlCol="0" anchor="ctr"/>
+            <a:lstStyle/>
+            <a:p>
+              <a:pPr algn="ctr"/>
+              <a:endParaRPr lang="zh-CN" altLang="en-US"/>
+            </a:p>
+          </p:txBody>
+        </p:sp>
+        <p:sp>
+          <p:nvSpPr>
+            <p:cNvPr id="10" name="立方体 9"/>
+            <p:cNvSpPr/>
+            <p:nvPr/>
+          </p:nvSpPr>
+          <p:spPr>
+            <a:xfrm>
+              <a:off x="6841451" y="2983117"/>
+              <a:ext cx="949576" cy="478134"/>
+            </a:xfrm>
+            <a:prstGeom prst="cube">
+              <a:avLst>
+                <a:gd name="adj" fmla="val 35416"/>
+              </a:avLst>
+            </a:prstGeom>
+            <a:grpFill/>
+            <a:ln>
+              <a:solidFill>
+                <a:schemeClr val="accent1">
+                  <a:lumMod val="75000"/>
+                </a:schemeClr>
+              </a:solidFill>
+            </a:ln>
+          </p:spPr>
+          <p:style>
+            <a:lnRef idx="2">
+              <a:schemeClr val="accent1">
+                <a:shade val="50000"/>
+              </a:schemeClr>
+            </a:lnRef>
+            <a:fillRef idx="1">
+              <a:schemeClr val="accent1"/>
+            </a:fillRef>
+            <a:effectRef idx="0">
+              <a:schemeClr val="accent1"/>
+            </a:effectRef>
+            <a:fontRef idx="minor">
+              <a:schemeClr val="lt1"/>
+            </a:fontRef>
+          </p:style>
+          <p:txBody>
+            <a:bodyPr rtlCol="0" anchor="ctr"/>
+            <a:lstStyle/>
+            <a:p>
+              <a:pPr algn="ctr"/>
+              <a:endParaRPr lang="zh-CN" altLang="en-US"/>
+            </a:p>
+          </p:txBody>
+        </p:sp>
+        <p:sp>
+          <p:nvSpPr>
+            <p:cNvPr id="12" name="立方体 11"/>
+            <p:cNvSpPr/>
+            <p:nvPr/>
+          </p:nvSpPr>
+          <p:spPr>
+            <a:xfrm>
+              <a:off x="7771121" y="2471312"/>
+              <a:ext cx="852537" cy="1501743"/>
+            </a:xfrm>
+            <a:prstGeom prst="cube">
+              <a:avLst>
+                <a:gd name="adj" fmla="val 46223"/>
+              </a:avLst>
+            </a:prstGeom>
+            <a:grpFill/>
+            <a:ln>
+              <a:solidFill>
+                <a:schemeClr val="accent1">
+                  <a:lumMod val="75000"/>
+                </a:schemeClr>
+              </a:solidFill>
+            </a:ln>
+          </p:spPr>
+          <p:style>
+            <a:lnRef idx="2">
+              <a:schemeClr val="accent1">
+                <a:shade val="50000"/>
+              </a:schemeClr>
+            </a:lnRef>
+            <a:fillRef idx="1">
+              <a:schemeClr val="accent1"/>
+            </a:fillRef>
+            <a:effectRef idx="0">
+              <a:schemeClr val="accent1"/>
+            </a:effectRef>
+            <a:fontRef idx="minor">
+              <a:schemeClr val="lt1"/>
+            </a:fontRef>
+          </p:style>
+          <p:txBody>
+            <a:bodyPr rtlCol="0" anchor="ctr"/>
+            <a:lstStyle/>
+            <a:p>
+              <a:pPr algn="ctr"/>
+              <a:endParaRPr lang="zh-CN" altLang="en-US"/>
+            </a:p>
+          </p:txBody>
+        </p:sp>
+        <p:sp>
+          <p:nvSpPr>
+            <p:cNvPr id="13" name="立方体 12"/>
+            <p:cNvSpPr/>
+            <p:nvPr/>
+          </p:nvSpPr>
+          <p:spPr>
+            <a:xfrm>
+              <a:off x="8136027" y="1258432"/>
+              <a:ext cx="2064190" cy="3847722"/>
+            </a:xfrm>
+            <a:prstGeom prst="cube">
+              <a:avLst>
+                <a:gd name="adj" fmla="val 83333"/>
+              </a:avLst>
+            </a:prstGeom>
+            <a:grpFill/>
+            <a:ln>
+              <a:solidFill>
+                <a:schemeClr val="accent1">
+                  <a:lumMod val="75000"/>
+                </a:schemeClr>
+              </a:solidFill>
+            </a:ln>
+          </p:spPr>
+          <p:style>
+            <a:lnRef idx="2">
+              <a:schemeClr val="accent1">
+                <a:shade val="50000"/>
+              </a:schemeClr>
+            </a:lnRef>
+            <a:fillRef idx="1">
+              <a:schemeClr val="accent1"/>
+            </a:fillRef>
+            <a:effectRef idx="0">
+              <a:schemeClr val="accent1"/>
+            </a:effectRef>
+            <a:fontRef idx="minor">
+              <a:schemeClr val="lt1"/>
+            </a:fontRef>
+          </p:style>
+          <p:txBody>
+            <a:bodyPr rtlCol="0" anchor="ctr"/>
+            <a:lstStyle/>
+            <a:p>
+              <a:pPr algn="ctr"/>
+              <a:endParaRPr lang="zh-CN" altLang="en-US"/>
+            </a:p>
+          </p:txBody>
+        </p:sp>
+      </p:grpSp>
+      <p:pic>
+        <p:nvPicPr>
+          <p:cNvPr id="17" name="图片 16"/>
+          <p:cNvPicPr>
+            <a:picLocks noChangeAspect="1"/>
+          </p:cNvPicPr>
+          <p:nvPr/>
+        </p:nvPicPr>
+        <p:blipFill>
+          <a:blip r:embed="rId3" cstate="print">
+            <a:extLst>
+              <a:ext uri="{28A0092B-C50C-407E-A947-70E740481C1C}">
+                <a14:useLocalDpi xmlns:a14="http://schemas.microsoft.com/office/drawing/2010/main" val="0"/>
+              </a:ext>
+            </a:extLst>
+          </a:blip>
+          <a:stretch>
+            <a:fillRect/>
+          </a:stretch>
+        </p:blipFill>
+        <p:spPr>
+          <a:xfrm rot="13759907">
+            <a:off x="9176575" y="1377956"/>
+            <a:ext cx="2657718" cy="3930240"/>
+          </a:xfrm>
+          <a:prstGeom prst="rect">
+            <a:avLst/>
+          </a:prstGeom>
+          <a:scene3d>
+            <a:camera prst="isometricLeftDown">
+              <a:rot lat="1800001" lon="2700000" rev="300000"/>
+            </a:camera>
+            <a:lightRig rig="threePt" dir="t"/>
+          </a:scene3d>
+        </p:spPr>
+      </p:pic>
+    </p:spTree>
+    <p:extLst>
+      <p:ext uri="{BB962C8B-B14F-4D97-AF65-F5344CB8AC3E}">
+        <p14:creationId xmlns:p14="http://schemas.microsoft.com/office/powerpoint/2010/main" val="1460264235"/>
       </p:ext>
     </p:extLst>
   </p:cSld>

--- a/figures/画图.pptx
+++ b/figures/画图.pptx
@@ -5,13 +5,15 @@
     <p:sldMasterId id="2147483684" r:id="rId1"/>
   </p:sldMasterIdLst>
   <p:notesMasterIdLst>
-    <p:notesMasterId r:id="rId6"/>
+    <p:notesMasterId r:id="rId8"/>
   </p:notesMasterIdLst>
   <p:sldIdLst>
     <p:sldId id="256" r:id="rId2"/>
     <p:sldId id="257" r:id="rId3"/>
     <p:sldId id="259" r:id="rId4"/>
     <p:sldId id="260" r:id="rId5"/>
+    <p:sldId id="261" r:id="rId6"/>
+    <p:sldId id="262" r:id="rId7"/>
   </p:sldIdLst>
   <p:sldSz cx="12192000" cy="6858000"/>
   <p:notesSz cx="6858000" cy="9144000"/>
@@ -200,7 +202,7 @@
           <a:p>
             <a:fld id="{5CFF2716-9398-4520-B984-F481FDF8DE04}" type="datetimeFigureOut">
               <a:rPr lang="zh-CN" altLang="en-US" smtClean="0"/>
-              <a:t>2019/4/10</a:t>
+              <a:t>2019/4/15</a:t>
             </a:fld>
             <a:endParaRPr lang="zh-CN" altLang="en-US"/>
           </a:p>
@@ -688,7 +690,7 @@
           <a:p>
             <a:fld id="{5130463B-E76D-4B5E-AB19-C1AD662459BA}" type="datetimeFigureOut">
               <a:rPr lang="zh-CN" altLang="en-US" smtClean="0"/>
-              <a:t>2019/4/10</a:t>
+              <a:t>2019/4/15</a:t>
             </a:fld>
             <a:endParaRPr lang="zh-CN" altLang="en-US"/>
           </a:p>
@@ -858,7 +860,7 @@
           <a:p>
             <a:fld id="{5130463B-E76D-4B5E-AB19-C1AD662459BA}" type="datetimeFigureOut">
               <a:rPr lang="zh-CN" altLang="en-US" smtClean="0"/>
-              <a:t>2019/4/10</a:t>
+              <a:t>2019/4/15</a:t>
             </a:fld>
             <a:endParaRPr lang="zh-CN" altLang="en-US"/>
           </a:p>
@@ -1038,7 +1040,7 @@
           <a:p>
             <a:fld id="{5130463B-E76D-4B5E-AB19-C1AD662459BA}" type="datetimeFigureOut">
               <a:rPr lang="zh-CN" altLang="en-US" smtClean="0"/>
-              <a:t>2019/4/10</a:t>
+              <a:t>2019/4/15</a:t>
             </a:fld>
             <a:endParaRPr lang="zh-CN" altLang="en-US"/>
           </a:p>
@@ -1208,7 +1210,7 @@
           <a:p>
             <a:fld id="{5130463B-E76D-4B5E-AB19-C1AD662459BA}" type="datetimeFigureOut">
               <a:rPr lang="zh-CN" altLang="en-US" smtClean="0"/>
-              <a:t>2019/4/10</a:t>
+              <a:t>2019/4/15</a:t>
             </a:fld>
             <a:endParaRPr lang="zh-CN" altLang="en-US"/>
           </a:p>
@@ -1454,7 +1456,7 @@
           <a:p>
             <a:fld id="{5130463B-E76D-4B5E-AB19-C1AD662459BA}" type="datetimeFigureOut">
               <a:rPr lang="zh-CN" altLang="en-US" smtClean="0"/>
-              <a:t>2019/4/10</a:t>
+              <a:t>2019/4/15</a:t>
             </a:fld>
             <a:endParaRPr lang="zh-CN" altLang="en-US"/>
           </a:p>
@@ -1686,7 +1688,7 @@
           <a:p>
             <a:fld id="{5130463B-E76D-4B5E-AB19-C1AD662459BA}" type="datetimeFigureOut">
               <a:rPr lang="zh-CN" altLang="en-US" smtClean="0"/>
-              <a:t>2019/4/10</a:t>
+              <a:t>2019/4/15</a:t>
             </a:fld>
             <a:endParaRPr lang="zh-CN" altLang="en-US"/>
           </a:p>
@@ -2053,7 +2055,7 @@
           <a:p>
             <a:fld id="{5130463B-E76D-4B5E-AB19-C1AD662459BA}" type="datetimeFigureOut">
               <a:rPr lang="zh-CN" altLang="en-US" smtClean="0"/>
-              <a:t>2019/4/10</a:t>
+              <a:t>2019/4/15</a:t>
             </a:fld>
             <a:endParaRPr lang="zh-CN" altLang="en-US"/>
           </a:p>
@@ -2171,7 +2173,7 @@
           <a:p>
             <a:fld id="{5130463B-E76D-4B5E-AB19-C1AD662459BA}" type="datetimeFigureOut">
               <a:rPr lang="zh-CN" altLang="en-US" smtClean="0"/>
-              <a:t>2019/4/10</a:t>
+              <a:t>2019/4/15</a:t>
             </a:fld>
             <a:endParaRPr lang="zh-CN" altLang="en-US"/>
           </a:p>
@@ -2266,7 +2268,7 @@
           <a:p>
             <a:fld id="{5130463B-E76D-4B5E-AB19-C1AD662459BA}" type="datetimeFigureOut">
               <a:rPr lang="zh-CN" altLang="en-US" smtClean="0"/>
-              <a:t>2019/4/10</a:t>
+              <a:t>2019/4/15</a:t>
             </a:fld>
             <a:endParaRPr lang="zh-CN" altLang="en-US"/>
           </a:p>
@@ -2543,7 +2545,7 @@
           <a:p>
             <a:fld id="{5130463B-E76D-4B5E-AB19-C1AD662459BA}" type="datetimeFigureOut">
               <a:rPr lang="zh-CN" altLang="en-US" smtClean="0"/>
-              <a:t>2019/4/10</a:t>
+              <a:t>2019/4/15</a:t>
             </a:fld>
             <a:endParaRPr lang="zh-CN" altLang="en-US"/>
           </a:p>
@@ -2800,7 +2802,7 @@
           <a:p>
             <a:fld id="{5130463B-E76D-4B5E-AB19-C1AD662459BA}" type="datetimeFigureOut">
               <a:rPr lang="zh-CN" altLang="en-US" smtClean="0"/>
-              <a:t>2019/4/10</a:t>
+              <a:t>2019/4/15</a:t>
             </a:fld>
             <a:endParaRPr lang="zh-CN" altLang="en-US"/>
           </a:p>
@@ -3013,7 +3015,7 @@
           <a:p>
             <a:fld id="{5130463B-E76D-4B5E-AB19-C1AD662459BA}" type="datetimeFigureOut">
               <a:rPr lang="zh-CN" altLang="en-US" smtClean="0"/>
-              <a:t>2019/4/10</a:t>
+              <a:t>2019/4/15</a:t>
             </a:fld>
             <a:endParaRPr lang="zh-CN" altLang="en-US"/>
           </a:p>
@@ -3706,21 +3708,7 @@
                     <a:latin typeface="宋体" panose="02010600030101010101" pitchFamily="2" charset="-122"/>
                     <a:ea typeface="宋体" panose="02010600030101010101" pitchFamily="2" charset="-122"/>
                   </a:rPr>
-                  <a:t>平均</a:t>
-                </a:r>
-                <a:r>
-                  <a:rPr lang="zh-CN" altLang="en-US" sz="2001" b="1" dirty="0">
-                    <a:latin typeface="宋体" panose="02010600030101010101" pitchFamily="2" charset="-122"/>
-                    <a:ea typeface="宋体" panose="02010600030101010101" pitchFamily="2" charset="-122"/>
-                  </a:rPr>
-                  <a:t>池</a:t>
-                </a:r>
-                <a:r>
-                  <a:rPr lang="zh-CN" altLang="en-US" sz="2001" b="1" dirty="0">
-                    <a:latin typeface="宋体" panose="02010600030101010101" pitchFamily="2" charset="-122"/>
-                    <a:ea typeface="宋体" panose="02010600030101010101" pitchFamily="2" charset="-122"/>
-                  </a:rPr>
-                  <a:t>化</a:t>
+                  <a:t>平均池化</a:t>
                 </a:r>
               </a:p>
             </p:txBody>
@@ -3917,6 +3905,13 @@
   <p:clrMapOvr>
     <a:masterClrMapping/>
   </p:clrMapOvr>
+  <p:timing>
+    <p:tnLst>
+      <p:par>
+        <p:cTn id="1" dur="indefinite" restart="never" nodeType="tmRoot"/>
+      </p:par>
+    </p:tnLst>
+  </p:timing>
 </p:sld>
 </file>
 
@@ -3997,6 +3992,30 @@
           </a:prstGeom>
         </p:spPr>
       </p:pic>
+      <p:pic>
+        <p:nvPicPr>
+          <p:cNvPr id="2" name="图片 1"/>
+          <p:cNvPicPr>
+            <a:picLocks noChangeAspect="1"/>
+          </p:cNvPicPr>
+          <p:nvPr/>
+        </p:nvPicPr>
+        <p:blipFill>
+          <a:blip r:embed="rId4"/>
+          <a:stretch>
+            <a:fillRect/>
+          </a:stretch>
+        </p:blipFill>
+        <p:spPr>
+          <a:xfrm>
+            <a:off x="3437230" y="2274255"/>
+            <a:ext cx="1695450" cy="1847850"/>
+          </a:xfrm>
+          <a:prstGeom prst="rect">
+            <a:avLst/>
+          </a:prstGeom>
+        </p:spPr>
+      </p:pic>
     </p:spTree>
     <p:extLst>
       <p:ext uri="{BB962C8B-B14F-4D97-AF65-F5344CB8AC3E}">
@@ -4007,6 +4026,13 @@
   <p:clrMapOvr>
     <a:masterClrMapping/>
   </p:clrMapOvr>
+  <p:timing>
+    <p:tnLst>
+      <p:par>
+        <p:cTn id="1" dur="indefinite" restart="never" nodeType="tmRoot"/>
+      </p:par>
+    </p:tnLst>
+  </p:timing>
 </p:sld>
 </file>
 
@@ -4457,6 +4483,13 @@
   <p:clrMapOvr>
     <a:masterClrMapping/>
   </p:clrMapOvr>
+  <p:timing>
+    <p:tnLst>
+      <p:par>
+        <p:cTn id="1" dur="indefinite" restart="never" nodeType="tmRoot"/>
+      </p:par>
+    </p:tnLst>
+  </p:timing>
 </p:sld>
 </file>
 
@@ -5028,6 +5061,3721 @@
   <p:clrMapOvr>
     <a:masterClrMapping/>
   </p:clrMapOvr>
+  <p:timing>
+    <p:tnLst>
+      <p:par>
+        <p:cTn id="1" dur="indefinite" restart="never" nodeType="tmRoot"/>
+      </p:par>
+    </p:tnLst>
+  </p:timing>
+</p:sld>
+</file>
+
+<file path=ppt/slides/slide5.xml><?xml version="1.0" encoding="utf-8"?>
+<p:sld xmlns:a="http://schemas.openxmlformats.org/drawingml/2006/main" xmlns:r="http://schemas.openxmlformats.org/officeDocument/2006/relationships" xmlns:p="http://schemas.openxmlformats.org/presentationml/2006/main">
+  <p:cSld>
+    <p:spTree>
+      <p:nvGrpSpPr>
+        <p:cNvPr id="1" name=""/>
+        <p:cNvGrpSpPr/>
+        <p:nvPr/>
+      </p:nvGrpSpPr>
+      <p:grpSpPr>
+        <a:xfrm>
+          <a:off x="0" y="0"/>
+          <a:ext cx="0" cy="0"/>
+          <a:chOff x="0" y="0"/>
+          <a:chExt cx="0" cy="0"/>
+        </a:xfrm>
+      </p:grpSpPr>
+      <p:grpSp>
+        <p:nvGrpSpPr>
+          <p:cNvPr id="154" name="组合 153"/>
+          <p:cNvGrpSpPr/>
+          <p:nvPr/>
+        </p:nvGrpSpPr>
+        <p:grpSpPr>
+          <a:xfrm>
+            <a:off x="645997" y="1039185"/>
+            <a:ext cx="10199723" cy="4779541"/>
+            <a:chOff x="361912" y="1332148"/>
+            <a:chExt cx="10199723" cy="4779541"/>
+          </a:xfrm>
+        </p:grpSpPr>
+        <p:pic>
+          <p:nvPicPr>
+            <p:cNvPr id="4" name="图片 3"/>
+            <p:cNvPicPr>
+              <a:picLocks noChangeAspect="1"/>
+            </p:cNvPicPr>
+            <p:nvPr/>
+          </p:nvPicPr>
+          <p:blipFill>
+            <a:blip r:embed="rId2"/>
+            <a:stretch>
+              <a:fillRect/>
+            </a:stretch>
+          </p:blipFill>
+          <p:spPr>
+            <a:xfrm>
+              <a:off x="361912" y="2074045"/>
+              <a:ext cx="1572347" cy="1451699"/>
+            </a:xfrm>
+            <a:prstGeom prst="rect">
+              <a:avLst/>
+            </a:prstGeom>
+          </p:spPr>
+        </p:pic>
+        <p:pic>
+          <p:nvPicPr>
+            <p:cNvPr id="5" name="图片 4"/>
+            <p:cNvPicPr>
+              <a:picLocks noChangeAspect="1"/>
+            </p:cNvPicPr>
+            <p:nvPr/>
+          </p:nvPicPr>
+          <p:blipFill>
+            <a:blip r:embed="rId3"/>
+            <a:stretch>
+              <a:fillRect/>
+            </a:stretch>
+          </p:blipFill>
+          <p:spPr>
+            <a:xfrm>
+              <a:off x="8979509" y="4173424"/>
+              <a:ext cx="1582126" cy="1473953"/>
+            </a:xfrm>
+            <a:prstGeom prst="rect">
+              <a:avLst/>
+            </a:prstGeom>
+          </p:spPr>
+        </p:pic>
+        <p:cxnSp>
+          <p:nvCxnSpPr>
+            <p:cNvPr id="7" name="直接箭头连接符 6"/>
+            <p:cNvCxnSpPr/>
+            <p:nvPr/>
+          </p:nvCxnSpPr>
+          <p:spPr>
+            <a:xfrm flipV="1">
+              <a:off x="1927324" y="2808117"/>
+              <a:ext cx="235635" cy="3882"/>
+            </a:xfrm>
+            <a:prstGeom prst="straightConnector1">
+              <a:avLst/>
+            </a:prstGeom>
+            <a:ln>
+              <a:tailEnd type="triangle"/>
+            </a:ln>
+          </p:spPr>
+          <p:style>
+            <a:lnRef idx="1">
+              <a:schemeClr val="accent1"/>
+            </a:lnRef>
+            <a:fillRef idx="0">
+              <a:schemeClr val="accent1"/>
+            </a:fillRef>
+            <a:effectRef idx="0">
+              <a:schemeClr val="accent1"/>
+            </a:effectRef>
+            <a:fontRef idx="minor">
+              <a:schemeClr val="tx1"/>
+            </a:fontRef>
+          </p:style>
+        </p:cxnSp>
+        <p:sp>
+          <p:nvSpPr>
+            <p:cNvPr id="8" name="矩形 7"/>
+            <p:cNvSpPr/>
+            <p:nvPr/>
+          </p:nvSpPr>
+          <p:spPr>
+            <a:xfrm>
+              <a:off x="2165201" y="1626833"/>
+              <a:ext cx="79899" cy="2379216"/>
+            </a:xfrm>
+            <a:prstGeom prst="rect">
+              <a:avLst/>
+            </a:prstGeom>
+          </p:spPr>
+          <p:style>
+            <a:lnRef idx="2">
+              <a:schemeClr val="accent1">
+                <a:shade val="50000"/>
+              </a:schemeClr>
+            </a:lnRef>
+            <a:fillRef idx="1">
+              <a:schemeClr val="accent1"/>
+            </a:fillRef>
+            <a:effectRef idx="0">
+              <a:schemeClr val="accent1"/>
+            </a:effectRef>
+            <a:fontRef idx="minor">
+              <a:schemeClr val="lt1"/>
+            </a:fontRef>
+          </p:style>
+          <p:txBody>
+            <a:bodyPr rtlCol="0" anchor="ctr"/>
+            <a:lstStyle/>
+            <a:p>
+              <a:pPr algn="ctr"/>
+              <a:endParaRPr lang="zh-CN" altLang="en-US"/>
+            </a:p>
+          </p:txBody>
+        </p:sp>
+        <p:cxnSp>
+          <p:nvCxnSpPr>
+            <p:cNvPr id="9" name="直接箭头连接符 8"/>
+            <p:cNvCxnSpPr/>
+            <p:nvPr/>
+          </p:nvCxnSpPr>
+          <p:spPr>
+            <a:xfrm>
+              <a:off x="2201662" y="2816441"/>
+              <a:ext cx="211678" cy="0"/>
+            </a:xfrm>
+            <a:prstGeom prst="straightConnector1">
+              <a:avLst/>
+            </a:prstGeom>
+            <a:ln>
+              <a:tailEnd type="triangle"/>
+            </a:ln>
+          </p:spPr>
+          <p:style>
+            <a:lnRef idx="1">
+              <a:schemeClr val="accent1"/>
+            </a:lnRef>
+            <a:fillRef idx="0">
+              <a:schemeClr val="accent1"/>
+            </a:fillRef>
+            <a:effectRef idx="0">
+              <a:schemeClr val="accent1"/>
+            </a:effectRef>
+            <a:fontRef idx="minor">
+              <a:schemeClr val="tx1"/>
+            </a:fontRef>
+          </p:style>
+        </p:cxnSp>
+        <p:sp>
+          <p:nvSpPr>
+            <p:cNvPr id="10" name="矩形 9"/>
+            <p:cNvSpPr/>
+            <p:nvPr/>
+          </p:nvSpPr>
+          <p:spPr>
+            <a:xfrm>
+              <a:off x="2413340" y="1620450"/>
+              <a:ext cx="79899" cy="2379216"/>
+            </a:xfrm>
+            <a:prstGeom prst="rect">
+              <a:avLst/>
+            </a:prstGeom>
+          </p:spPr>
+          <p:style>
+            <a:lnRef idx="2">
+              <a:schemeClr val="accent1">
+                <a:shade val="50000"/>
+              </a:schemeClr>
+            </a:lnRef>
+            <a:fillRef idx="1">
+              <a:schemeClr val="accent1"/>
+            </a:fillRef>
+            <a:effectRef idx="0">
+              <a:schemeClr val="accent1"/>
+            </a:effectRef>
+            <a:fontRef idx="minor">
+              <a:schemeClr val="lt1"/>
+            </a:fontRef>
+          </p:style>
+          <p:txBody>
+            <a:bodyPr rtlCol="0" anchor="ctr"/>
+            <a:lstStyle/>
+            <a:p>
+              <a:pPr algn="ctr"/>
+              <a:endParaRPr lang="zh-CN" altLang="en-US"/>
+            </a:p>
+          </p:txBody>
+        </p:sp>
+        <p:sp>
+          <p:nvSpPr>
+            <p:cNvPr id="12" name="矩形 11"/>
+            <p:cNvSpPr/>
+            <p:nvPr/>
+          </p:nvSpPr>
+          <p:spPr>
+            <a:xfrm>
+              <a:off x="2684109" y="2074045"/>
+              <a:ext cx="70671" cy="1459268"/>
+            </a:xfrm>
+            <a:prstGeom prst="rect">
+              <a:avLst/>
+            </a:prstGeom>
+            <a:solidFill>
+              <a:srgbClr val="00B050"/>
+            </a:solidFill>
+            <a:ln>
+              <a:solidFill>
+                <a:srgbClr val="00B050"/>
+              </a:solidFill>
+            </a:ln>
+          </p:spPr>
+          <p:style>
+            <a:lnRef idx="2">
+              <a:schemeClr val="accent1">
+                <a:shade val="50000"/>
+              </a:schemeClr>
+            </a:lnRef>
+            <a:fillRef idx="1">
+              <a:schemeClr val="accent1"/>
+            </a:fillRef>
+            <a:effectRef idx="0">
+              <a:schemeClr val="accent1"/>
+            </a:effectRef>
+            <a:fontRef idx="minor">
+              <a:schemeClr val="lt1"/>
+            </a:fontRef>
+          </p:style>
+          <p:txBody>
+            <a:bodyPr rtlCol="0" anchor="ctr"/>
+            <a:lstStyle/>
+            <a:p>
+              <a:pPr algn="ctr"/>
+              <a:endParaRPr lang="zh-CN" altLang="en-US"/>
+            </a:p>
+          </p:txBody>
+        </p:sp>
+        <p:sp>
+          <p:nvSpPr>
+            <p:cNvPr id="19" name="矩形 18"/>
+            <p:cNvSpPr/>
+            <p:nvPr/>
+          </p:nvSpPr>
+          <p:spPr>
+            <a:xfrm>
+              <a:off x="2899119" y="2074045"/>
+              <a:ext cx="116960" cy="1459268"/>
+            </a:xfrm>
+            <a:prstGeom prst="rect">
+              <a:avLst/>
+            </a:prstGeom>
+          </p:spPr>
+          <p:style>
+            <a:lnRef idx="2">
+              <a:schemeClr val="accent1">
+                <a:shade val="50000"/>
+              </a:schemeClr>
+            </a:lnRef>
+            <a:fillRef idx="1">
+              <a:schemeClr val="accent1"/>
+            </a:fillRef>
+            <a:effectRef idx="0">
+              <a:schemeClr val="accent1"/>
+            </a:effectRef>
+            <a:fontRef idx="minor">
+              <a:schemeClr val="lt1"/>
+            </a:fontRef>
+          </p:style>
+          <p:txBody>
+            <a:bodyPr rtlCol="0" anchor="ctr"/>
+            <a:lstStyle/>
+            <a:p>
+              <a:pPr algn="ctr"/>
+              <a:endParaRPr lang="zh-CN" altLang="en-US"/>
+            </a:p>
+          </p:txBody>
+        </p:sp>
+        <p:cxnSp>
+          <p:nvCxnSpPr>
+            <p:cNvPr id="22" name="直接箭头连接符 21"/>
+            <p:cNvCxnSpPr/>
+            <p:nvPr/>
+          </p:nvCxnSpPr>
+          <p:spPr>
+            <a:xfrm>
+              <a:off x="2447184" y="2812001"/>
+              <a:ext cx="211678" cy="0"/>
+            </a:xfrm>
+            <a:prstGeom prst="straightConnector1">
+              <a:avLst/>
+            </a:prstGeom>
+            <a:ln>
+              <a:tailEnd type="triangle"/>
+            </a:ln>
+          </p:spPr>
+          <p:style>
+            <a:lnRef idx="1">
+              <a:schemeClr val="accent1"/>
+            </a:lnRef>
+            <a:fillRef idx="0">
+              <a:schemeClr val="accent1"/>
+            </a:fillRef>
+            <a:effectRef idx="0">
+              <a:schemeClr val="accent1"/>
+            </a:effectRef>
+            <a:fontRef idx="minor">
+              <a:schemeClr val="tx1"/>
+            </a:fontRef>
+          </p:style>
+        </p:cxnSp>
+        <p:cxnSp>
+          <p:nvCxnSpPr>
+            <p:cNvPr id="23" name="直接箭头连接符 22"/>
+            <p:cNvCxnSpPr/>
+            <p:nvPr/>
+          </p:nvCxnSpPr>
+          <p:spPr>
+            <a:xfrm>
+              <a:off x="2696235" y="2803679"/>
+              <a:ext cx="211678" cy="0"/>
+            </a:xfrm>
+            <a:prstGeom prst="straightConnector1">
+              <a:avLst/>
+            </a:prstGeom>
+            <a:ln>
+              <a:tailEnd type="triangle"/>
+            </a:ln>
+          </p:spPr>
+          <p:style>
+            <a:lnRef idx="1">
+              <a:schemeClr val="accent1"/>
+            </a:lnRef>
+            <a:fillRef idx="0">
+              <a:schemeClr val="accent1"/>
+            </a:fillRef>
+            <a:effectRef idx="0">
+              <a:schemeClr val="accent1"/>
+            </a:effectRef>
+            <a:fontRef idx="minor">
+              <a:schemeClr val="tx1"/>
+            </a:fontRef>
+          </p:style>
+        </p:cxnSp>
+        <p:cxnSp>
+          <p:nvCxnSpPr>
+            <p:cNvPr id="24" name="直接箭头连接符 23"/>
+            <p:cNvCxnSpPr/>
+            <p:nvPr/>
+          </p:nvCxnSpPr>
+          <p:spPr>
+            <a:xfrm>
+              <a:off x="2957599" y="2820323"/>
+              <a:ext cx="211678" cy="0"/>
+            </a:xfrm>
+            <a:prstGeom prst="straightConnector1">
+              <a:avLst/>
+            </a:prstGeom>
+            <a:ln>
+              <a:tailEnd type="triangle"/>
+            </a:ln>
+          </p:spPr>
+          <p:style>
+            <a:lnRef idx="1">
+              <a:schemeClr val="accent1"/>
+            </a:lnRef>
+            <a:fillRef idx="0">
+              <a:schemeClr val="accent1"/>
+            </a:fillRef>
+            <a:effectRef idx="0">
+              <a:schemeClr val="accent1"/>
+            </a:effectRef>
+            <a:fontRef idx="minor">
+              <a:schemeClr val="tx1"/>
+            </a:fontRef>
+          </p:style>
+        </p:cxnSp>
+        <p:sp>
+          <p:nvSpPr>
+            <p:cNvPr id="25" name="矩形 24"/>
+            <p:cNvSpPr/>
+            <p:nvPr/>
+          </p:nvSpPr>
+          <p:spPr>
+            <a:xfrm>
+              <a:off x="3167307" y="2074045"/>
+              <a:ext cx="116960" cy="1459268"/>
+            </a:xfrm>
+            <a:prstGeom prst="rect">
+              <a:avLst/>
+            </a:prstGeom>
+          </p:spPr>
+          <p:style>
+            <a:lnRef idx="2">
+              <a:schemeClr val="accent1">
+                <a:shade val="50000"/>
+              </a:schemeClr>
+            </a:lnRef>
+            <a:fillRef idx="1">
+              <a:schemeClr val="accent1"/>
+            </a:fillRef>
+            <a:effectRef idx="0">
+              <a:schemeClr val="accent1"/>
+            </a:effectRef>
+            <a:fontRef idx="minor">
+              <a:schemeClr val="lt1"/>
+            </a:fontRef>
+          </p:style>
+          <p:txBody>
+            <a:bodyPr rtlCol="0" anchor="ctr"/>
+            <a:lstStyle/>
+            <a:p>
+              <a:pPr algn="ctr"/>
+              <a:endParaRPr lang="zh-CN" altLang="en-US"/>
+            </a:p>
+          </p:txBody>
+        </p:sp>
+        <p:grpSp>
+          <p:nvGrpSpPr>
+            <p:cNvPr id="36" name="组合 35"/>
+            <p:cNvGrpSpPr/>
+            <p:nvPr/>
+          </p:nvGrpSpPr>
+          <p:grpSpPr>
+            <a:xfrm>
+              <a:off x="3306452" y="2439763"/>
+              <a:ext cx="1021522" cy="775548"/>
+              <a:chOff x="4384032" y="2643949"/>
+              <a:chExt cx="1021522" cy="775548"/>
+            </a:xfrm>
+          </p:grpSpPr>
+          <p:sp>
+            <p:nvSpPr>
+              <p:cNvPr id="26" name="矩形 25"/>
+              <p:cNvSpPr/>
+              <p:nvPr/>
+            </p:nvSpPr>
+            <p:spPr>
+              <a:xfrm>
+                <a:off x="4581079" y="2643949"/>
+                <a:ext cx="106425" cy="775548"/>
+              </a:xfrm>
+              <a:prstGeom prst="rect">
+                <a:avLst/>
+              </a:prstGeom>
+              <a:solidFill>
+                <a:srgbClr val="00B050"/>
+              </a:solidFill>
+              <a:ln>
+                <a:solidFill>
+                  <a:srgbClr val="00B050"/>
+                </a:solidFill>
+              </a:ln>
+            </p:spPr>
+            <p:style>
+              <a:lnRef idx="2">
+                <a:schemeClr val="accent1">
+                  <a:shade val="50000"/>
+                </a:schemeClr>
+              </a:lnRef>
+              <a:fillRef idx="1">
+                <a:schemeClr val="accent1"/>
+              </a:fillRef>
+              <a:effectRef idx="0">
+                <a:schemeClr val="accent1"/>
+              </a:effectRef>
+              <a:fontRef idx="minor">
+                <a:schemeClr val="lt1"/>
+              </a:fontRef>
+            </p:style>
+            <p:txBody>
+              <a:bodyPr rtlCol="0" anchor="ctr"/>
+              <a:lstStyle/>
+              <a:p>
+                <a:pPr algn="ctr"/>
+                <a:endParaRPr lang="zh-CN" altLang="en-US"/>
+              </a:p>
+            </p:txBody>
+          </p:sp>
+          <p:cxnSp>
+            <p:nvCxnSpPr>
+              <p:cNvPr id="27" name="直接箭头连接符 26"/>
+              <p:cNvCxnSpPr/>
+              <p:nvPr/>
+            </p:nvCxnSpPr>
+            <p:spPr>
+              <a:xfrm>
+                <a:off x="4384032" y="3024509"/>
+                <a:ext cx="211678" cy="0"/>
+              </a:xfrm>
+              <a:prstGeom prst="straightConnector1">
+                <a:avLst/>
+              </a:prstGeom>
+              <a:ln>
+                <a:tailEnd type="triangle"/>
+              </a:ln>
+            </p:spPr>
+            <p:style>
+              <a:lnRef idx="1">
+                <a:schemeClr val="accent1"/>
+              </a:lnRef>
+              <a:fillRef idx="0">
+                <a:schemeClr val="accent1"/>
+              </a:fillRef>
+              <a:effectRef idx="0">
+                <a:schemeClr val="accent1"/>
+              </a:effectRef>
+              <a:fontRef idx="minor">
+                <a:schemeClr val="tx1"/>
+              </a:fontRef>
+            </p:style>
+          </p:cxnSp>
+          <p:sp>
+            <p:nvSpPr>
+              <p:cNvPr id="30" name="矩形 29"/>
+              <p:cNvSpPr/>
+              <p:nvPr/>
+            </p:nvSpPr>
+            <p:spPr>
+              <a:xfrm>
+                <a:off x="4830608" y="2643949"/>
+                <a:ext cx="106425" cy="775548"/>
+              </a:xfrm>
+              <a:prstGeom prst="rect">
+                <a:avLst/>
+              </a:prstGeom>
+              <a:solidFill>
+                <a:srgbClr val="5B9BD5"/>
+              </a:solidFill>
+              <a:ln>
+                <a:solidFill>
+                  <a:srgbClr val="5B9BD5"/>
+                </a:solidFill>
+              </a:ln>
+            </p:spPr>
+            <p:style>
+              <a:lnRef idx="2">
+                <a:schemeClr val="accent1">
+                  <a:shade val="50000"/>
+                </a:schemeClr>
+              </a:lnRef>
+              <a:fillRef idx="1">
+                <a:schemeClr val="accent1"/>
+              </a:fillRef>
+              <a:effectRef idx="0">
+                <a:schemeClr val="accent1"/>
+              </a:effectRef>
+              <a:fontRef idx="minor">
+                <a:schemeClr val="lt1"/>
+              </a:fontRef>
+            </p:style>
+            <p:txBody>
+              <a:bodyPr rtlCol="0" anchor="ctr"/>
+              <a:lstStyle/>
+              <a:p>
+                <a:pPr algn="ctr"/>
+                <a:endParaRPr lang="zh-CN" altLang="en-US"/>
+              </a:p>
+            </p:txBody>
+          </p:sp>
+          <p:cxnSp>
+            <p:nvCxnSpPr>
+              <p:cNvPr id="31" name="直接箭头连接符 30"/>
+              <p:cNvCxnSpPr/>
+              <p:nvPr/>
+            </p:nvCxnSpPr>
+            <p:spPr>
+              <a:xfrm>
+                <a:off x="4634291" y="3031723"/>
+                <a:ext cx="211678" cy="0"/>
+              </a:xfrm>
+              <a:prstGeom prst="straightConnector1">
+                <a:avLst/>
+              </a:prstGeom>
+              <a:ln>
+                <a:tailEnd type="triangle"/>
+              </a:ln>
+            </p:spPr>
+            <p:style>
+              <a:lnRef idx="1">
+                <a:schemeClr val="accent1"/>
+              </a:lnRef>
+              <a:fillRef idx="0">
+                <a:schemeClr val="accent1"/>
+              </a:fillRef>
+              <a:effectRef idx="0">
+                <a:schemeClr val="accent1"/>
+              </a:effectRef>
+              <a:fontRef idx="minor">
+                <a:schemeClr val="tx1"/>
+              </a:fontRef>
+            </p:style>
+          </p:cxnSp>
+          <p:sp>
+            <p:nvSpPr>
+              <p:cNvPr id="32" name="矩形 31"/>
+              <p:cNvSpPr/>
+              <p:nvPr/>
+            </p:nvSpPr>
+            <p:spPr>
+              <a:xfrm>
+                <a:off x="5061707" y="2643949"/>
+                <a:ext cx="106425" cy="775548"/>
+              </a:xfrm>
+              <a:prstGeom prst="rect">
+                <a:avLst/>
+              </a:prstGeom>
+              <a:solidFill>
+                <a:srgbClr val="5B9BD5"/>
+              </a:solidFill>
+              <a:ln>
+                <a:solidFill>
+                  <a:srgbClr val="5B9BD5"/>
+                </a:solidFill>
+              </a:ln>
+            </p:spPr>
+            <p:style>
+              <a:lnRef idx="2">
+                <a:schemeClr val="accent1">
+                  <a:shade val="50000"/>
+                </a:schemeClr>
+              </a:lnRef>
+              <a:fillRef idx="1">
+                <a:schemeClr val="accent1"/>
+              </a:fillRef>
+              <a:effectRef idx="0">
+                <a:schemeClr val="accent1"/>
+              </a:effectRef>
+              <a:fontRef idx="minor">
+                <a:schemeClr val="lt1"/>
+              </a:fontRef>
+            </p:style>
+            <p:txBody>
+              <a:bodyPr rtlCol="0" anchor="ctr"/>
+              <a:lstStyle/>
+              <a:p>
+                <a:pPr algn="ctr"/>
+                <a:endParaRPr lang="zh-CN" altLang="en-US"/>
+              </a:p>
+            </p:txBody>
+          </p:sp>
+          <p:cxnSp>
+            <p:nvCxnSpPr>
+              <p:cNvPr id="33" name="直接箭头连接符 32"/>
+              <p:cNvCxnSpPr/>
+              <p:nvPr/>
+            </p:nvCxnSpPr>
+            <p:spPr>
+              <a:xfrm>
+                <a:off x="4868885" y="2995658"/>
+                <a:ext cx="211678" cy="0"/>
+              </a:xfrm>
+              <a:prstGeom prst="straightConnector1">
+                <a:avLst/>
+              </a:prstGeom>
+              <a:ln>
+                <a:tailEnd type="triangle"/>
+              </a:ln>
+            </p:spPr>
+            <p:style>
+              <a:lnRef idx="1">
+                <a:schemeClr val="accent1"/>
+              </a:lnRef>
+              <a:fillRef idx="0">
+                <a:schemeClr val="accent1"/>
+              </a:fillRef>
+              <a:effectRef idx="0">
+                <a:schemeClr val="accent1"/>
+              </a:effectRef>
+              <a:fontRef idx="minor">
+                <a:schemeClr val="tx1"/>
+              </a:fontRef>
+            </p:style>
+          </p:cxnSp>
+          <p:sp>
+            <p:nvSpPr>
+              <p:cNvPr id="34" name="矩形 33"/>
+              <p:cNvSpPr/>
+              <p:nvPr/>
+            </p:nvSpPr>
+            <p:spPr>
+              <a:xfrm>
+                <a:off x="5299129" y="2643949"/>
+                <a:ext cx="106425" cy="775548"/>
+              </a:xfrm>
+              <a:prstGeom prst="rect">
+                <a:avLst/>
+              </a:prstGeom>
+              <a:solidFill>
+                <a:srgbClr val="5B9BD5"/>
+              </a:solidFill>
+              <a:ln>
+                <a:solidFill>
+                  <a:srgbClr val="5B9BD5"/>
+                </a:solidFill>
+              </a:ln>
+            </p:spPr>
+            <p:style>
+              <a:lnRef idx="2">
+                <a:schemeClr val="accent1">
+                  <a:shade val="50000"/>
+                </a:schemeClr>
+              </a:lnRef>
+              <a:fillRef idx="1">
+                <a:schemeClr val="accent1"/>
+              </a:fillRef>
+              <a:effectRef idx="0">
+                <a:schemeClr val="accent1"/>
+              </a:effectRef>
+              <a:fontRef idx="minor">
+                <a:schemeClr val="lt1"/>
+              </a:fontRef>
+            </p:style>
+            <p:txBody>
+              <a:bodyPr rtlCol="0" anchor="ctr"/>
+              <a:lstStyle/>
+              <a:p>
+                <a:pPr algn="ctr"/>
+                <a:endParaRPr lang="zh-CN" altLang="en-US"/>
+              </a:p>
+            </p:txBody>
+          </p:sp>
+          <p:cxnSp>
+            <p:nvCxnSpPr>
+              <p:cNvPr id="35" name="直接箭头连接符 34"/>
+              <p:cNvCxnSpPr/>
+              <p:nvPr/>
+            </p:nvCxnSpPr>
+            <p:spPr>
+              <a:xfrm>
+                <a:off x="5087451" y="3007865"/>
+                <a:ext cx="211678" cy="0"/>
+              </a:xfrm>
+              <a:prstGeom prst="straightConnector1">
+                <a:avLst/>
+              </a:prstGeom>
+              <a:ln>
+                <a:tailEnd type="triangle"/>
+              </a:ln>
+            </p:spPr>
+            <p:style>
+              <a:lnRef idx="1">
+                <a:schemeClr val="accent1"/>
+              </a:lnRef>
+              <a:fillRef idx="0">
+                <a:schemeClr val="accent1"/>
+              </a:fillRef>
+              <a:effectRef idx="0">
+                <a:schemeClr val="accent1"/>
+              </a:effectRef>
+              <a:fontRef idx="minor">
+                <a:schemeClr val="tx1"/>
+              </a:fontRef>
+            </p:style>
+          </p:cxnSp>
+        </p:grpSp>
+        <p:grpSp>
+          <p:nvGrpSpPr>
+            <p:cNvPr id="38" name="组合 37"/>
+            <p:cNvGrpSpPr/>
+            <p:nvPr/>
+          </p:nvGrpSpPr>
+          <p:grpSpPr>
+            <a:xfrm>
+              <a:off x="4233906" y="2600524"/>
+              <a:ext cx="907148" cy="414074"/>
+              <a:chOff x="4384032" y="2643947"/>
+              <a:chExt cx="741839" cy="775550"/>
+            </a:xfrm>
+          </p:grpSpPr>
+          <p:sp>
+            <p:nvSpPr>
+              <p:cNvPr id="39" name="矩形 38"/>
+              <p:cNvSpPr/>
+              <p:nvPr/>
+            </p:nvSpPr>
+            <p:spPr>
+              <a:xfrm>
+                <a:off x="4581081" y="2643949"/>
+                <a:ext cx="148479" cy="775548"/>
+              </a:xfrm>
+              <a:prstGeom prst="rect">
+                <a:avLst/>
+              </a:prstGeom>
+              <a:solidFill>
+                <a:srgbClr val="00B050"/>
+              </a:solidFill>
+              <a:ln>
+                <a:solidFill>
+                  <a:srgbClr val="00B050"/>
+                </a:solidFill>
+              </a:ln>
+            </p:spPr>
+            <p:style>
+              <a:lnRef idx="2">
+                <a:schemeClr val="accent1">
+                  <a:shade val="50000"/>
+                </a:schemeClr>
+              </a:lnRef>
+              <a:fillRef idx="1">
+                <a:schemeClr val="accent1"/>
+              </a:fillRef>
+              <a:effectRef idx="0">
+                <a:schemeClr val="accent1"/>
+              </a:effectRef>
+              <a:fontRef idx="minor">
+                <a:schemeClr val="lt1"/>
+              </a:fontRef>
+            </p:style>
+            <p:txBody>
+              <a:bodyPr rtlCol="0" anchor="ctr"/>
+              <a:lstStyle/>
+              <a:p>
+                <a:pPr algn="ctr"/>
+                <a:endParaRPr lang="zh-CN" altLang="en-US"/>
+              </a:p>
+            </p:txBody>
+          </p:sp>
+          <p:cxnSp>
+            <p:nvCxnSpPr>
+              <p:cNvPr id="40" name="直接箭头连接符 39"/>
+              <p:cNvCxnSpPr/>
+              <p:nvPr/>
+            </p:nvCxnSpPr>
+            <p:spPr>
+              <a:xfrm>
+                <a:off x="4384032" y="3024509"/>
+                <a:ext cx="211678" cy="0"/>
+              </a:xfrm>
+              <a:prstGeom prst="straightConnector1">
+                <a:avLst/>
+              </a:prstGeom>
+              <a:ln>
+                <a:tailEnd type="triangle"/>
+              </a:ln>
+            </p:spPr>
+            <p:style>
+              <a:lnRef idx="1">
+                <a:schemeClr val="accent1"/>
+              </a:lnRef>
+              <a:fillRef idx="0">
+                <a:schemeClr val="accent1"/>
+              </a:fillRef>
+              <a:effectRef idx="0">
+                <a:schemeClr val="accent1"/>
+              </a:effectRef>
+              <a:fontRef idx="minor">
+                <a:schemeClr val="tx1"/>
+              </a:fontRef>
+            </p:style>
+          </p:cxnSp>
+          <p:sp>
+            <p:nvSpPr>
+              <p:cNvPr id="41" name="矩形 40"/>
+              <p:cNvSpPr/>
+              <p:nvPr/>
+            </p:nvSpPr>
+            <p:spPr>
+              <a:xfrm>
+                <a:off x="4830608" y="2643947"/>
+                <a:ext cx="146360" cy="775548"/>
+              </a:xfrm>
+              <a:prstGeom prst="rect">
+                <a:avLst/>
+              </a:prstGeom>
+              <a:solidFill>
+                <a:srgbClr val="5B9BD5"/>
+              </a:solidFill>
+              <a:ln>
+                <a:solidFill>
+                  <a:srgbClr val="5B9BD5"/>
+                </a:solidFill>
+              </a:ln>
+            </p:spPr>
+            <p:style>
+              <a:lnRef idx="2">
+                <a:schemeClr val="accent1">
+                  <a:shade val="50000"/>
+                </a:schemeClr>
+              </a:lnRef>
+              <a:fillRef idx="1">
+                <a:schemeClr val="accent1"/>
+              </a:fillRef>
+              <a:effectRef idx="0">
+                <a:schemeClr val="accent1"/>
+              </a:effectRef>
+              <a:fontRef idx="minor">
+                <a:schemeClr val="lt1"/>
+              </a:fontRef>
+            </p:style>
+            <p:txBody>
+              <a:bodyPr rtlCol="0" anchor="ctr"/>
+              <a:lstStyle/>
+              <a:p>
+                <a:pPr algn="ctr"/>
+                <a:endParaRPr lang="zh-CN" altLang="en-US"/>
+              </a:p>
+            </p:txBody>
+          </p:sp>
+          <p:cxnSp>
+            <p:nvCxnSpPr>
+              <p:cNvPr id="42" name="直接箭头连接符 41"/>
+              <p:cNvCxnSpPr/>
+              <p:nvPr/>
+            </p:nvCxnSpPr>
+            <p:spPr>
+              <a:xfrm>
+                <a:off x="4634291" y="3031723"/>
+                <a:ext cx="211678" cy="0"/>
+              </a:xfrm>
+              <a:prstGeom prst="straightConnector1">
+                <a:avLst/>
+              </a:prstGeom>
+              <a:ln>
+                <a:tailEnd type="triangle"/>
+              </a:ln>
+            </p:spPr>
+            <p:style>
+              <a:lnRef idx="1">
+                <a:schemeClr val="accent1"/>
+              </a:lnRef>
+              <a:fillRef idx="0">
+                <a:schemeClr val="accent1"/>
+              </a:fillRef>
+              <a:effectRef idx="0">
+                <a:schemeClr val="accent1"/>
+              </a:effectRef>
+              <a:fontRef idx="minor">
+                <a:schemeClr val="tx1"/>
+              </a:fontRef>
+            </p:style>
+          </p:cxnSp>
+          <p:cxnSp>
+            <p:nvCxnSpPr>
+              <p:cNvPr id="44" name="直接箭头连接符 43"/>
+              <p:cNvCxnSpPr/>
+              <p:nvPr/>
+            </p:nvCxnSpPr>
+            <p:spPr>
+              <a:xfrm>
+                <a:off x="4976967" y="3031720"/>
+                <a:ext cx="148904" cy="0"/>
+              </a:xfrm>
+              <a:prstGeom prst="straightConnector1">
+                <a:avLst/>
+              </a:prstGeom>
+              <a:ln>
+                <a:tailEnd type="triangle"/>
+              </a:ln>
+            </p:spPr>
+            <p:style>
+              <a:lnRef idx="1">
+                <a:schemeClr val="accent1"/>
+              </a:lnRef>
+              <a:fillRef idx="0">
+                <a:schemeClr val="accent1"/>
+              </a:fillRef>
+              <a:effectRef idx="0">
+                <a:schemeClr val="accent1"/>
+              </a:effectRef>
+              <a:fontRef idx="minor">
+                <a:schemeClr val="tx1"/>
+              </a:fontRef>
+            </p:style>
+          </p:cxnSp>
+        </p:grpSp>
+        <p:sp>
+          <p:nvSpPr>
+            <p:cNvPr id="48" name="矩形 47"/>
+            <p:cNvSpPr/>
+            <p:nvPr/>
+          </p:nvSpPr>
+          <p:spPr>
+            <a:xfrm>
+              <a:off x="5149587" y="2596642"/>
+              <a:ext cx="178974" cy="414073"/>
+            </a:xfrm>
+            <a:prstGeom prst="rect">
+              <a:avLst/>
+            </a:prstGeom>
+            <a:solidFill>
+              <a:srgbClr val="5B9BD5"/>
+            </a:solidFill>
+            <a:ln>
+              <a:solidFill>
+                <a:srgbClr val="5B9BD5"/>
+              </a:solidFill>
+            </a:ln>
+          </p:spPr>
+          <p:style>
+            <a:lnRef idx="2">
+              <a:schemeClr val="accent1">
+                <a:shade val="50000"/>
+              </a:schemeClr>
+            </a:lnRef>
+            <a:fillRef idx="1">
+              <a:schemeClr val="accent1"/>
+            </a:fillRef>
+            <a:effectRef idx="0">
+              <a:schemeClr val="accent1"/>
+            </a:effectRef>
+            <a:fontRef idx="minor">
+              <a:schemeClr val="lt1"/>
+            </a:fontRef>
+          </p:style>
+          <p:txBody>
+            <a:bodyPr rtlCol="0" anchor="ctr"/>
+            <a:lstStyle/>
+            <a:p>
+              <a:pPr algn="ctr"/>
+              <a:endParaRPr lang="zh-CN" altLang="en-US"/>
+            </a:p>
+          </p:txBody>
+        </p:sp>
+        <p:sp>
+          <p:nvSpPr>
+            <p:cNvPr id="58" name="矩形 57"/>
+            <p:cNvSpPr/>
+            <p:nvPr/>
+          </p:nvSpPr>
+          <p:spPr>
+            <a:xfrm>
+              <a:off x="5496583" y="2584435"/>
+              <a:ext cx="178974" cy="414073"/>
+            </a:xfrm>
+            <a:prstGeom prst="rect">
+              <a:avLst/>
+            </a:prstGeom>
+            <a:solidFill>
+              <a:srgbClr val="5B9BD5"/>
+            </a:solidFill>
+            <a:ln>
+              <a:solidFill>
+                <a:srgbClr val="5B9BD5"/>
+              </a:solidFill>
+            </a:ln>
+          </p:spPr>
+          <p:style>
+            <a:lnRef idx="2">
+              <a:schemeClr val="accent1">
+                <a:shade val="50000"/>
+              </a:schemeClr>
+            </a:lnRef>
+            <a:fillRef idx="1">
+              <a:schemeClr val="accent1"/>
+            </a:fillRef>
+            <a:effectRef idx="0">
+              <a:schemeClr val="accent1"/>
+            </a:effectRef>
+            <a:fontRef idx="minor">
+              <a:schemeClr val="lt1"/>
+            </a:fontRef>
+          </p:style>
+          <p:txBody>
+            <a:bodyPr rtlCol="0" anchor="ctr"/>
+            <a:lstStyle/>
+            <a:p>
+              <a:pPr algn="ctr"/>
+              <a:endParaRPr lang="zh-CN" altLang="en-US"/>
+            </a:p>
+          </p:txBody>
+        </p:sp>
+        <p:cxnSp>
+          <p:nvCxnSpPr>
+            <p:cNvPr id="59" name="直接箭头连接符 58"/>
+            <p:cNvCxnSpPr/>
+            <p:nvPr/>
+          </p:nvCxnSpPr>
+          <p:spPr>
+            <a:xfrm>
+              <a:off x="5328561" y="2831235"/>
+              <a:ext cx="182085" cy="0"/>
+            </a:xfrm>
+            <a:prstGeom prst="straightConnector1">
+              <a:avLst/>
+            </a:prstGeom>
+            <a:ln>
+              <a:tailEnd type="triangle"/>
+            </a:ln>
+          </p:spPr>
+          <p:style>
+            <a:lnRef idx="1">
+              <a:schemeClr val="accent1"/>
+            </a:lnRef>
+            <a:fillRef idx="0">
+              <a:schemeClr val="accent1"/>
+            </a:fillRef>
+            <a:effectRef idx="0">
+              <a:schemeClr val="accent1"/>
+            </a:effectRef>
+            <a:fontRef idx="minor">
+              <a:schemeClr val="tx1"/>
+            </a:fontRef>
+          </p:style>
+        </p:cxnSp>
+        <p:cxnSp>
+          <p:nvCxnSpPr>
+            <p:cNvPr id="60" name="直接箭头连接符 59"/>
+            <p:cNvCxnSpPr/>
+            <p:nvPr/>
+          </p:nvCxnSpPr>
+          <p:spPr>
+            <a:xfrm>
+              <a:off x="5675557" y="2828275"/>
+              <a:ext cx="182085" cy="0"/>
+            </a:xfrm>
+            <a:prstGeom prst="straightConnector1">
+              <a:avLst/>
+            </a:prstGeom>
+            <a:ln>
+              <a:tailEnd type="triangle"/>
+            </a:ln>
+          </p:spPr>
+          <p:style>
+            <a:lnRef idx="1">
+              <a:schemeClr val="accent1"/>
+            </a:lnRef>
+            <a:fillRef idx="0">
+              <a:schemeClr val="accent1"/>
+            </a:fillRef>
+            <a:effectRef idx="0">
+              <a:schemeClr val="accent1"/>
+            </a:effectRef>
+            <a:fontRef idx="minor">
+              <a:schemeClr val="tx1"/>
+            </a:fontRef>
+          </p:style>
+        </p:cxnSp>
+        <p:sp>
+          <p:nvSpPr>
+            <p:cNvPr id="61" name="矩形 60"/>
+            <p:cNvSpPr/>
+            <p:nvPr/>
+          </p:nvSpPr>
+          <p:spPr>
+            <a:xfrm>
+              <a:off x="5854531" y="2682166"/>
+              <a:ext cx="418105" cy="285269"/>
+            </a:xfrm>
+            <a:prstGeom prst="rect">
+              <a:avLst/>
+            </a:prstGeom>
+            <a:solidFill>
+              <a:srgbClr val="00B050"/>
+            </a:solidFill>
+            <a:ln>
+              <a:solidFill>
+                <a:srgbClr val="00B050"/>
+              </a:solidFill>
+            </a:ln>
+          </p:spPr>
+          <p:style>
+            <a:lnRef idx="2">
+              <a:schemeClr val="accent1">
+                <a:shade val="50000"/>
+              </a:schemeClr>
+            </a:lnRef>
+            <a:fillRef idx="1">
+              <a:schemeClr val="accent1"/>
+            </a:fillRef>
+            <a:effectRef idx="0">
+              <a:schemeClr val="accent1"/>
+            </a:effectRef>
+            <a:fontRef idx="minor">
+              <a:schemeClr val="lt1"/>
+            </a:fontRef>
+          </p:style>
+          <p:txBody>
+            <a:bodyPr rtlCol="0" anchor="ctr"/>
+            <a:lstStyle/>
+            <a:p>
+              <a:pPr algn="ctr"/>
+              <a:endParaRPr lang="zh-CN" altLang="en-US"/>
+            </a:p>
+          </p:txBody>
+        </p:sp>
+        <p:cxnSp>
+          <p:nvCxnSpPr>
+            <p:cNvPr id="62" name="直接箭头连接符 61"/>
+            <p:cNvCxnSpPr/>
+            <p:nvPr/>
+          </p:nvCxnSpPr>
+          <p:spPr>
+            <a:xfrm>
+              <a:off x="6253856" y="2831011"/>
+              <a:ext cx="182085" cy="0"/>
+            </a:xfrm>
+            <a:prstGeom prst="straightConnector1">
+              <a:avLst/>
+            </a:prstGeom>
+            <a:ln>
+              <a:solidFill>
+                <a:srgbClr val="5B9BD5"/>
+              </a:solidFill>
+              <a:tailEnd type="triangle"/>
+            </a:ln>
+          </p:spPr>
+          <p:style>
+            <a:lnRef idx="1">
+              <a:schemeClr val="accent1"/>
+            </a:lnRef>
+            <a:fillRef idx="0">
+              <a:schemeClr val="accent1"/>
+            </a:fillRef>
+            <a:effectRef idx="0">
+              <a:schemeClr val="accent1"/>
+            </a:effectRef>
+            <a:fontRef idx="minor">
+              <a:schemeClr val="tx1"/>
+            </a:fontRef>
+          </p:style>
+        </p:cxnSp>
+        <p:sp>
+          <p:nvSpPr>
+            <p:cNvPr id="63" name="矩形 62"/>
+            <p:cNvSpPr/>
+            <p:nvPr/>
+          </p:nvSpPr>
+          <p:spPr>
+            <a:xfrm>
+              <a:off x="6432830" y="2684902"/>
+              <a:ext cx="418105" cy="285269"/>
+            </a:xfrm>
+            <a:prstGeom prst="rect">
+              <a:avLst/>
+            </a:prstGeom>
+            <a:solidFill>
+              <a:srgbClr val="5B9BD5"/>
+            </a:solidFill>
+            <a:ln>
+              <a:solidFill>
+                <a:srgbClr val="5B9BD5"/>
+              </a:solidFill>
+            </a:ln>
+          </p:spPr>
+          <p:style>
+            <a:lnRef idx="2">
+              <a:schemeClr val="accent1">
+                <a:shade val="50000"/>
+              </a:schemeClr>
+            </a:lnRef>
+            <a:fillRef idx="1">
+              <a:schemeClr val="accent1"/>
+            </a:fillRef>
+            <a:effectRef idx="0">
+              <a:schemeClr val="accent1"/>
+            </a:effectRef>
+            <a:fontRef idx="minor">
+              <a:schemeClr val="lt1"/>
+            </a:fontRef>
+          </p:style>
+          <p:txBody>
+            <a:bodyPr rtlCol="0" anchor="ctr"/>
+            <a:lstStyle/>
+            <a:p>
+              <a:pPr algn="ctr"/>
+              <a:endParaRPr lang="zh-CN" altLang="en-US"/>
+            </a:p>
+          </p:txBody>
+        </p:sp>
+        <p:cxnSp>
+          <p:nvCxnSpPr>
+            <p:cNvPr id="66" name="直接箭头连接符 65"/>
+            <p:cNvCxnSpPr/>
+            <p:nvPr/>
+          </p:nvCxnSpPr>
+          <p:spPr>
+            <a:xfrm>
+              <a:off x="6832155" y="2823797"/>
+              <a:ext cx="182085" cy="0"/>
+            </a:xfrm>
+            <a:prstGeom prst="straightConnector1">
+              <a:avLst/>
+            </a:prstGeom>
+            <a:ln>
+              <a:solidFill>
+                <a:srgbClr val="5B9BD5"/>
+              </a:solidFill>
+              <a:tailEnd type="triangle"/>
+            </a:ln>
+          </p:spPr>
+          <p:style>
+            <a:lnRef idx="1">
+              <a:schemeClr val="accent1"/>
+            </a:lnRef>
+            <a:fillRef idx="0">
+              <a:schemeClr val="accent1"/>
+            </a:fillRef>
+            <a:effectRef idx="0">
+              <a:schemeClr val="accent1"/>
+            </a:effectRef>
+            <a:fontRef idx="minor">
+              <a:schemeClr val="tx1"/>
+            </a:fontRef>
+          </p:style>
+        </p:cxnSp>
+        <p:sp>
+          <p:nvSpPr>
+            <p:cNvPr id="67" name="矩形 66"/>
+            <p:cNvSpPr/>
+            <p:nvPr/>
+          </p:nvSpPr>
+          <p:spPr>
+            <a:xfrm>
+              <a:off x="7011129" y="2677688"/>
+              <a:ext cx="418105" cy="285269"/>
+            </a:xfrm>
+            <a:prstGeom prst="rect">
+              <a:avLst/>
+            </a:prstGeom>
+            <a:solidFill>
+              <a:srgbClr val="5B9BD5"/>
+            </a:solidFill>
+            <a:ln>
+              <a:solidFill>
+                <a:srgbClr val="5B9BD5"/>
+              </a:solidFill>
+            </a:ln>
+          </p:spPr>
+          <p:style>
+            <a:lnRef idx="2">
+              <a:schemeClr val="accent1">
+                <a:shade val="50000"/>
+              </a:schemeClr>
+            </a:lnRef>
+            <a:fillRef idx="1">
+              <a:schemeClr val="accent1"/>
+            </a:fillRef>
+            <a:effectRef idx="0">
+              <a:schemeClr val="accent1"/>
+            </a:effectRef>
+            <a:fontRef idx="minor">
+              <a:schemeClr val="lt1"/>
+            </a:fontRef>
+          </p:style>
+          <p:txBody>
+            <a:bodyPr rtlCol="0" anchor="ctr"/>
+            <a:lstStyle/>
+            <a:p>
+              <a:pPr algn="ctr"/>
+              <a:endParaRPr lang="zh-CN" altLang="en-US"/>
+            </a:p>
+          </p:txBody>
+        </p:sp>
+        <p:cxnSp>
+          <p:nvCxnSpPr>
+            <p:cNvPr id="68" name="直接箭头连接符 67"/>
+            <p:cNvCxnSpPr/>
+            <p:nvPr/>
+          </p:nvCxnSpPr>
+          <p:spPr>
+            <a:xfrm>
+              <a:off x="7427586" y="2831011"/>
+              <a:ext cx="182085" cy="0"/>
+            </a:xfrm>
+            <a:prstGeom prst="straightConnector1">
+              <a:avLst/>
+            </a:prstGeom>
+            <a:ln>
+              <a:solidFill>
+                <a:srgbClr val="5B9BD5"/>
+              </a:solidFill>
+              <a:tailEnd type="triangle"/>
+            </a:ln>
+          </p:spPr>
+          <p:style>
+            <a:lnRef idx="1">
+              <a:schemeClr val="accent1"/>
+            </a:lnRef>
+            <a:fillRef idx="0">
+              <a:schemeClr val="accent1"/>
+            </a:fillRef>
+            <a:effectRef idx="0">
+              <a:schemeClr val="accent1"/>
+            </a:effectRef>
+            <a:fontRef idx="minor">
+              <a:schemeClr val="tx1"/>
+            </a:fontRef>
+          </p:style>
+        </p:cxnSp>
+        <p:sp>
+          <p:nvSpPr>
+            <p:cNvPr id="69" name="矩形 68"/>
+            <p:cNvSpPr/>
+            <p:nvPr/>
+          </p:nvSpPr>
+          <p:spPr>
+            <a:xfrm>
+              <a:off x="7606560" y="2684902"/>
+              <a:ext cx="418105" cy="285269"/>
+            </a:xfrm>
+            <a:prstGeom prst="rect">
+              <a:avLst/>
+            </a:prstGeom>
+            <a:solidFill>
+              <a:srgbClr val="5B9BD5"/>
+            </a:solidFill>
+            <a:ln>
+              <a:solidFill>
+                <a:srgbClr val="5B9BD5"/>
+              </a:solidFill>
+            </a:ln>
+          </p:spPr>
+          <p:style>
+            <a:lnRef idx="2">
+              <a:schemeClr val="accent1">
+                <a:shade val="50000"/>
+              </a:schemeClr>
+            </a:lnRef>
+            <a:fillRef idx="1">
+              <a:schemeClr val="accent1"/>
+            </a:fillRef>
+            <a:effectRef idx="0">
+              <a:schemeClr val="accent1"/>
+            </a:effectRef>
+            <a:fontRef idx="minor">
+              <a:schemeClr val="lt1"/>
+            </a:fontRef>
+          </p:style>
+          <p:txBody>
+            <a:bodyPr rtlCol="0" anchor="ctr"/>
+            <a:lstStyle/>
+            <a:p>
+              <a:pPr algn="ctr"/>
+              <a:endParaRPr lang="zh-CN" altLang="en-US"/>
+            </a:p>
+          </p:txBody>
+        </p:sp>
+        <p:cxnSp>
+          <p:nvCxnSpPr>
+            <p:cNvPr id="72" name="直接箭头连接符 71"/>
+            <p:cNvCxnSpPr/>
+            <p:nvPr/>
+          </p:nvCxnSpPr>
+          <p:spPr>
+            <a:xfrm>
+              <a:off x="8023017" y="2807153"/>
+              <a:ext cx="182085" cy="0"/>
+            </a:xfrm>
+            <a:prstGeom prst="straightConnector1">
+              <a:avLst/>
+            </a:prstGeom>
+            <a:ln>
+              <a:tailEnd type="triangle"/>
+            </a:ln>
+          </p:spPr>
+          <p:style>
+            <a:lnRef idx="1">
+              <a:schemeClr val="accent1"/>
+            </a:lnRef>
+            <a:fillRef idx="0">
+              <a:schemeClr val="accent1"/>
+            </a:fillRef>
+            <a:effectRef idx="0">
+              <a:schemeClr val="accent1"/>
+            </a:effectRef>
+            <a:fontRef idx="minor">
+              <a:schemeClr val="tx1"/>
+            </a:fontRef>
+          </p:style>
+        </p:cxnSp>
+        <p:sp>
+          <p:nvSpPr>
+            <p:cNvPr id="73" name="矩形 72"/>
+            <p:cNvSpPr/>
+            <p:nvPr/>
+          </p:nvSpPr>
+          <p:spPr>
+            <a:xfrm>
+              <a:off x="8201991" y="2755536"/>
+              <a:ext cx="418105" cy="96286"/>
+            </a:xfrm>
+            <a:prstGeom prst="rect">
+              <a:avLst/>
+            </a:prstGeom>
+            <a:solidFill>
+              <a:srgbClr val="00B050"/>
+            </a:solidFill>
+            <a:ln>
+              <a:solidFill>
+                <a:srgbClr val="00B050"/>
+              </a:solidFill>
+            </a:ln>
+          </p:spPr>
+          <p:style>
+            <a:lnRef idx="2">
+              <a:schemeClr val="accent1">
+                <a:shade val="50000"/>
+              </a:schemeClr>
+            </a:lnRef>
+            <a:fillRef idx="1">
+              <a:schemeClr val="accent1"/>
+            </a:fillRef>
+            <a:effectRef idx="0">
+              <a:schemeClr val="accent1"/>
+            </a:effectRef>
+            <a:fontRef idx="minor">
+              <a:schemeClr val="lt1"/>
+            </a:fontRef>
+          </p:style>
+          <p:txBody>
+            <a:bodyPr rtlCol="0" anchor="ctr"/>
+            <a:lstStyle/>
+            <a:p>
+              <a:pPr algn="ctr"/>
+              <a:endParaRPr lang="zh-CN" altLang="en-US"/>
+            </a:p>
+          </p:txBody>
+        </p:sp>
+        <p:cxnSp>
+          <p:nvCxnSpPr>
+            <p:cNvPr id="74" name="直接箭头连接符 73"/>
+            <p:cNvCxnSpPr/>
+            <p:nvPr/>
+          </p:nvCxnSpPr>
+          <p:spPr>
+            <a:xfrm>
+              <a:off x="8620096" y="2798959"/>
+              <a:ext cx="182085" cy="0"/>
+            </a:xfrm>
+            <a:prstGeom prst="straightConnector1">
+              <a:avLst/>
+            </a:prstGeom>
+            <a:ln>
+              <a:tailEnd type="triangle"/>
+            </a:ln>
+          </p:spPr>
+          <p:style>
+            <a:lnRef idx="1">
+              <a:schemeClr val="accent1"/>
+            </a:lnRef>
+            <a:fillRef idx="0">
+              <a:schemeClr val="accent1"/>
+            </a:fillRef>
+            <a:effectRef idx="0">
+              <a:schemeClr val="accent1"/>
+            </a:effectRef>
+            <a:fontRef idx="minor">
+              <a:schemeClr val="tx1"/>
+            </a:fontRef>
+          </p:style>
+        </p:cxnSp>
+        <p:sp>
+          <p:nvSpPr>
+            <p:cNvPr id="75" name="矩形 74"/>
+            <p:cNvSpPr/>
+            <p:nvPr/>
+          </p:nvSpPr>
+          <p:spPr>
+            <a:xfrm>
+              <a:off x="8828963" y="2759010"/>
+              <a:ext cx="418105" cy="96286"/>
+            </a:xfrm>
+            <a:prstGeom prst="rect">
+              <a:avLst/>
+            </a:prstGeom>
+            <a:solidFill>
+              <a:srgbClr val="5B9BD5"/>
+            </a:solidFill>
+            <a:ln>
+              <a:solidFill>
+                <a:srgbClr val="5B9BD5"/>
+              </a:solidFill>
+            </a:ln>
+          </p:spPr>
+          <p:style>
+            <a:lnRef idx="2">
+              <a:schemeClr val="accent1">
+                <a:shade val="50000"/>
+              </a:schemeClr>
+            </a:lnRef>
+            <a:fillRef idx="1">
+              <a:schemeClr val="accent1"/>
+            </a:fillRef>
+            <a:effectRef idx="0">
+              <a:schemeClr val="accent1"/>
+            </a:effectRef>
+            <a:fontRef idx="minor">
+              <a:schemeClr val="lt1"/>
+            </a:fontRef>
+          </p:style>
+          <p:txBody>
+            <a:bodyPr rtlCol="0" anchor="ctr"/>
+            <a:lstStyle/>
+            <a:p>
+              <a:pPr algn="ctr"/>
+              <a:endParaRPr lang="zh-CN" altLang="en-US"/>
+            </a:p>
+          </p:txBody>
+        </p:sp>
+        <p:cxnSp>
+          <p:nvCxnSpPr>
+            <p:cNvPr id="78" name="直接箭头连接符 77"/>
+            <p:cNvCxnSpPr/>
+            <p:nvPr/>
+          </p:nvCxnSpPr>
+          <p:spPr>
+            <a:xfrm>
+              <a:off x="9247068" y="2823797"/>
+              <a:ext cx="182085" cy="0"/>
+            </a:xfrm>
+            <a:prstGeom prst="straightConnector1">
+              <a:avLst/>
+            </a:prstGeom>
+            <a:ln>
+              <a:tailEnd type="triangle"/>
+            </a:ln>
+          </p:spPr>
+          <p:style>
+            <a:lnRef idx="1">
+              <a:schemeClr val="accent1"/>
+            </a:lnRef>
+            <a:fillRef idx="0">
+              <a:schemeClr val="accent1"/>
+            </a:fillRef>
+            <a:effectRef idx="0">
+              <a:schemeClr val="accent1"/>
+            </a:effectRef>
+            <a:fontRef idx="minor">
+              <a:schemeClr val="tx1"/>
+            </a:fontRef>
+          </p:style>
+        </p:cxnSp>
+        <p:sp>
+          <p:nvSpPr>
+            <p:cNvPr id="79" name="矩形 78"/>
+            <p:cNvSpPr/>
+            <p:nvPr/>
+          </p:nvSpPr>
+          <p:spPr>
+            <a:xfrm>
+              <a:off x="9397426" y="2759010"/>
+              <a:ext cx="418105" cy="96286"/>
+            </a:xfrm>
+            <a:prstGeom prst="rect">
+              <a:avLst/>
+            </a:prstGeom>
+            <a:solidFill>
+              <a:srgbClr val="5B9BD5"/>
+            </a:solidFill>
+            <a:ln>
+              <a:solidFill>
+                <a:srgbClr val="5B9BD5"/>
+              </a:solidFill>
+            </a:ln>
+          </p:spPr>
+          <p:style>
+            <a:lnRef idx="2">
+              <a:schemeClr val="accent1">
+                <a:shade val="50000"/>
+              </a:schemeClr>
+            </a:lnRef>
+            <a:fillRef idx="1">
+              <a:schemeClr val="accent1"/>
+            </a:fillRef>
+            <a:effectRef idx="0">
+              <a:schemeClr val="accent1"/>
+            </a:effectRef>
+            <a:fontRef idx="minor">
+              <a:schemeClr val="lt1"/>
+            </a:fontRef>
+          </p:style>
+          <p:txBody>
+            <a:bodyPr rtlCol="0" anchor="ctr"/>
+            <a:lstStyle/>
+            <a:p>
+              <a:pPr algn="ctr"/>
+              <a:endParaRPr lang="zh-CN" altLang="en-US"/>
+            </a:p>
+          </p:txBody>
+        </p:sp>
+        <p:sp>
+          <p:nvSpPr>
+            <p:cNvPr id="80" name="矩形 79"/>
+            <p:cNvSpPr/>
+            <p:nvPr/>
+          </p:nvSpPr>
+          <p:spPr>
+            <a:xfrm>
+              <a:off x="7140390" y="3215311"/>
+              <a:ext cx="159582" cy="414073"/>
+            </a:xfrm>
+            <a:prstGeom prst="rect">
+              <a:avLst/>
+            </a:prstGeom>
+            <a:solidFill>
+              <a:schemeClr val="accent2"/>
+            </a:solidFill>
+            <a:ln>
+              <a:solidFill>
+                <a:schemeClr val="accent2"/>
+              </a:solidFill>
+            </a:ln>
+          </p:spPr>
+          <p:style>
+            <a:lnRef idx="2">
+              <a:schemeClr val="accent1">
+                <a:shade val="50000"/>
+              </a:schemeClr>
+            </a:lnRef>
+            <a:fillRef idx="1">
+              <a:schemeClr val="accent1"/>
+            </a:fillRef>
+            <a:effectRef idx="0">
+              <a:schemeClr val="accent1"/>
+            </a:effectRef>
+            <a:fontRef idx="minor">
+              <a:schemeClr val="lt1"/>
+            </a:fontRef>
+          </p:style>
+          <p:txBody>
+            <a:bodyPr rtlCol="0" anchor="ctr"/>
+            <a:lstStyle/>
+            <a:p>
+              <a:pPr algn="ctr"/>
+              <a:endParaRPr lang="zh-CN" altLang="en-US"/>
+            </a:p>
+          </p:txBody>
+        </p:sp>
+        <p:sp>
+          <p:nvSpPr>
+            <p:cNvPr id="81" name="矩形 80"/>
+            <p:cNvSpPr/>
+            <p:nvPr/>
+          </p:nvSpPr>
+          <p:spPr>
+            <a:xfrm>
+              <a:off x="7801594" y="3596393"/>
+              <a:ext cx="106425" cy="775548"/>
+            </a:xfrm>
+            <a:prstGeom prst="rect">
+              <a:avLst/>
+            </a:prstGeom>
+            <a:solidFill>
+              <a:schemeClr val="accent2"/>
+            </a:solidFill>
+            <a:ln>
+              <a:solidFill>
+                <a:schemeClr val="accent2"/>
+              </a:solidFill>
+            </a:ln>
+          </p:spPr>
+          <p:style>
+            <a:lnRef idx="2">
+              <a:schemeClr val="accent1">
+                <a:shade val="50000"/>
+              </a:schemeClr>
+            </a:lnRef>
+            <a:fillRef idx="1">
+              <a:schemeClr val="accent1"/>
+            </a:fillRef>
+            <a:effectRef idx="0">
+              <a:schemeClr val="accent1"/>
+            </a:effectRef>
+            <a:fontRef idx="minor">
+              <a:schemeClr val="lt1"/>
+            </a:fontRef>
+          </p:style>
+          <p:txBody>
+            <a:bodyPr rtlCol="0" anchor="ctr"/>
+            <a:lstStyle/>
+            <a:p>
+              <a:pPr algn="ctr"/>
+              <a:endParaRPr lang="zh-CN" altLang="en-US"/>
+            </a:p>
+          </p:txBody>
+        </p:sp>
+        <p:sp>
+          <p:nvSpPr>
+            <p:cNvPr id="82" name="矩形 81"/>
+            <p:cNvSpPr/>
+            <p:nvPr/>
+          </p:nvSpPr>
+          <p:spPr>
+            <a:xfrm>
+              <a:off x="6021513" y="3785650"/>
+              <a:ext cx="84140" cy="414073"/>
+            </a:xfrm>
+            <a:prstGeom prst="rect">
+              <a:avLst/>
+            </a:prstGeom>
+            <a:solidFill>
+              <a:srgbClr val="5B9BD5"/>
+            </a:solidFill>
+            <a:ln>
+              <a:solidFill>
+                <a:srgbClr val="5B9BD5"/>
+              </a:solidFill>
+            </a:ln>
+          </p:spPr>
+          <p:style>
+            <a:lnRef idx="2">
+              <a:schemeClr val="accent1">
+                <a:shade val="50000"/>
+              </a:schemeClr>
+            </a:lnRef>
+            <a:fillRef idx="1">
+              <a:schemeClr val="accent1"/>
+            </a:fillRef>
+            <a:effectRef idx="0">
+              <a:schemeClr val="accent1"/>
+            </a:effectRef>
+            <a:fontRef idx="minor">
+              <a:schemeClr val="lt1"/>
+            </a:fontRef>
+          </p:style>
+          <p:txBody>
+            <a:bodyPr rtlCol="0" anchor="ctr"/>
+            <a:lstStyle/>
+            <a:p>
+              <a:pPr algn="ctr"/>
+              <a:endParaRPr lang="zh-CN" altLang="en-US"/>
+            </a:p>
+          </p:txBody>
+        </p:sp>
+        <p:sp>
+          <p:nvSpPr>
+            <p:cNvPr id="83" name="矩形 82"/>
+            <p:cNvSpPr/>
+            <p:nvPr/>
+          </p:nvSpPr>
+          <p:spPr>
+            <a:xfrm>
+              <a:off x="7131608" y="3768612"/>
+              <a:ext cx="168364" cy="431111"/>
+            </a:xfrm>
+            <a:prstGeom prst="rect">
+              <a:avLst/>
+            </a:prstGeom>
+            <a:solidFill>
+              <a:schemeClr val="accent4"/>
+            </a:solidFill>
+            <a:ln>
+              <a:solidFill>
+                <a:schemeClr val="accent4"/>
+              </a:solidFill>
+            </a:ln>
+          </p:spPr>
+          <p:style>
+            <a:lnRef idx="2">
+              <a:schemeClr val="accent1">
+                <a:shade val="50000"/>
+              </a:schemeClr>
+            </a:lnRef>
+            <a:fillRef idx="1">
+              <a:schemeClr val="accent1"/>
+            </a:fillRef>
+            <a:effectRef idx="0">
+              <a:schemeClr val="accent1"/>
+            </a:effectRef>
+            <a:fontRef idx="minor">
+              <a:schemeClr val="lt1"/>
+            </a:fontRef>
+          </p:style>
+          <p:txBody>
+            <a:bodyPr rot="0" spcFirstLastPara="0" vert="horz" wrap="square" lIns="91440" tIns="45720" rIns="91440" bIns="45720" numCol="1" spcCol="0" rtlCol="0" fromWordArt="0" anchor="ctr" anchorCtr="0" forceAA="0" compatLnSpc="1">
+              <a:prstTxWarp prst="textNoShape">
+                <a:avLst/>
+              </a:prstTxWarp>
+              <a:noAutofit/>
+            </a:bodyPr>
+            <a:lstStyle>
+              <a:defPPr>
+                <a:defRPr lang="zh-CN"/>
+              </a:defPPr>
+              <a:lvl1pPr marL="0" algn="l" defTabSz="914400" rtl="0" eaLnBrk="1" latinLnBrk="0" hangingPunct="1">
+                <a:defRPr sz="1800" kern="1200">
+                  <a:solidFill>
+                    <a:schemeClr val="lt1"/>
+                  </a:solidFill>
+                  <a:latin typeface="+mn-lt"/>
+                  <a:ea typeface="+mn-ea"/>
+                  <a:cs typeface="+mn-cs"/>
+                </a:defRPr>
+              </a:lvl1pPr>
+              <a:lvl2pPr marL="457200" algn="l" defTabSz="914400" rtl="0" eaLnBrk="1" latinLnBrk="0" hangingPunct="1">
+                <a:defRPr sz="1800" kern="1200">
+                  <a:solidFill>
+                    <a:schemeClr val="lt1"/>
+                  </a:solidFill>
+                  <a:latin typeface="+mn-lt"/>
+                  <a:ea typeface="+mn-ea"/>
+                  <a:cs typeface="+mn-cs"/>
+                </a:defRPr>
+              </a:lvl2pPr>
+              <a:lvl3pPr marL="914400" algn="l" defTabSz="914400" rtl="0" eaLnBrk="1" latinLnBrk="0" hangingPunct="1">
+                <a:defRPr sz="1800" kern="1200">
+                  <a:solidFill>
+                    <a:schemeClr val="lt1"/>
+                  </a:solidFill>
+                  <a:latin typeface="+mn-lt"/>
+                  <a:ea typeface="+mn-ea"/>
+                  <a:cs typeface="+mn-cs"/>
+                </a:defRPr>
+              </a:lvl3pPr>
+              <a:lvl4pPr marL="1371600" algn="l" defTabSz="914400" rtl="0" eaLnBrk="1" latinLnBrk="0" hangingPunct="1">
+                <a:defRPr sz="1800" kern="1200">
+                  <a:solidFill>
+                    <a:schemeClr val="lt1"/>
+                  </a:solidFill>
+                  <a:latin typeface="+mn-lt"/>
+                  <a:ea typeface="+mn-ea"/>
+                  <a:cs typeface="+mn-cs"/>
+                </a:defRPr>
+              </a:lvl4pPr>
+              <a:lvl5pPr marL="1828800" algn="l" defTabSz="914400" rtl="0" eaLnBrk="1" latinLnBrk="0" hangingPunct="1">
+                <a:defRPr sz="1800" kern="1200">
+                  <a:solidFill>
+                    <a:schemeClr val="lt1"/>
+                  </a:solidFill>
+                  <a:latin typeface="+mn-lt"/>
+                  <a:ea typeface="+mn-ea"/>
+                  <a:cs typeface="+mn-cs"/>
+                </a:defRPr>
+              </a:lvl5pPr>
+              <a:lvl6pPr marL="2286000" algn="l" defTabSz="914400" rtl="0" eaLnBrk="1" latinLnBrk="0" hangingPunct="1">
+                <a:defRPr sz="1800" kern="1200">
+                  <a:solidFill>
+                    <a:schemeClr val="lt1"/>
+                  </a:solidFill>
+                  <a:latin typeface="+mn-lt"/>
+                  <a:ea typeface="+mn-ea"/>
+                  <a:cs typeface="+mn-cs"/>
+                </a:defRPr>
+              </a:lvl6pPr>
+              <a:lvl7pPr marL="2743200" algn="l" defTabSz="914400" rtl="0" eaLnBrk="1" latinLnBrk="0" hangingPunct="1">
+                <a:defRPr sz="1800" kern="1200">
+                  <a:solidFill>
+                    <a:schemeClr val="lt1"/>
+                  </a:solidFill>
+                  <a:latin typeface="+mn-lt"/>
+                  <a:ea typeface="+mn-ea"/>
+                  <a:cs typeface="+mn-cs"/>
+                </a:defRPr>
+              </a:lvl7pPr>
+              <a:lvl8pPr marL="3200400" algn="l" defTabSz="914400" rtl="0" eaLnBrk="1" latinLnBrk="0" hangingPunct="1">
+                <a:defRPr sz="1800" kern="1200">
+                  <a:solidFill>
+                    <a:schemeClr val="lt1"/>
+                  </a:solidFill>
+                  <a:latin typeface="+mn-lt"/>
+                  <a:ea typeface="+mn-ea"/>
+                  <a:cs typeface="+mn-cs"/>
+                </a:defRPr>
+              </a:lvl8pPr>
+              <a:lvl9pPr marL="3657600" algn="l" defTabSz="914400" rtl="0" eaLnBrk="1" latinLnBrk="0" hangingPunct="1">
+                <a:defRPr sz="1800" kern="1200">
+                  <a:solidFill>
+                    <a:schemeClr val="lt1"/>
+                  </a:solidFill>
+                  <a:latin typeface="+mn-lt"/>
+                  <a:ea typeface="+mn-ea"/>
+                  <a:cs typeface="+mn-cs"/>
+                </a:defRPr>
+              </a:lvl9pPr>
+            </a:lstStyle>
+            <a:p>
+              <a:pPr algn="ctr"/>
+              <a:endParaRPr lang="zh-CN" altLang="en-US"/>
+            </a:p>
+          </p:txBody>
+        </p:sp>
+        <p:sp>
+          <p:nvSpPr>
+            <p:cNvPr id="84" name="矩形 83"/>
+            <p:cNvSpPr/>
+            <p:nvPr/>
+          </p:nvSpPr>
+          <p:spPr>
+            <a:xfrm>
+              <a:off x="4486719" y="4522627"/>
+              <a:ext cx="106425" cy="775548"/>
+            </a:xfrm>
+            <a:prstGeom prst="rect">
+              <a:avLst/>
+            </a:prstGeom>
+            <a:solidFill>
+              <a:srgbClr val="5B9BD5"/>
+            </a:solidFill>
+            <a:ln>
+              <a:solidFill>
+                <a:srgbClr val="5B9BD5"/>
+              </a:solidFill>
+            </a:ln>
+          </p:spPr>
+          <p:style>
+            <a:lnRef idx="2">
+              <a:schemeClr val="accent1">
+                <a:shade val="50000"/>
+              </a:schemeClr>
+            </a:lnRef>
+            <a:fillRef idx="1">
+              <a:schemeClr val="accent1"/>
+            </a:fillRef>
+            <a:effectRef idx="0">
+              <a:schemeClr val="accent1"/>
+            </a:effectRef>
+            <a:fontRef idx="minor">
+              <a:schemeClr val="lt1"/>
+            </a:fontRef>
+          </p:style>
+          <p:txBody>
+            <a:bodyPr rtlCol="0" anchor="ctr"/>
+            <a:lstStyle/>
+            <a:p>
+              <a:pPr algn="ctr"/>
+              <a:endParaRPr lang="zh-CN" altLang="en-US"/>
+            </a:p>
+          </p:txBody>
+        </p:sp>
+        <p:sp>
+          <p:nvSpPr>
+            <p:cNvPr id="86" name="矩形 85"/>
+            <p:cNvSpPr/>
+            <p:nvPr/>
+          </p:nvSpPr>
+          <p:spPr>
+            <a:xfrm>
+              <a:off x="8614691" y="3732473"/>
+              <a:ext cx="79899" cy="2379216"/>
+            </a:xfrm>
+            <a:prstGeom prst="rect">
+              <a:avLst/>
+            </a:prstGeom>
+            <a:solidFill>
+              <a:schemeClr val="accent2"/>
+            </a:solidFill>
+            <a:ln>
+              <a:solidFill>
+                <a:schemeClr val="accent2"/>
+              </a:solidFill>
+            </a:ln>
+          </p:spPr>
+          <p:style>
+            <a:lnRef idx="2">
+              <a:schemeClr val="accent1">
+                <a:shade val="50000"/>
+              </a:schemeClr>
+            </a:lnRef>
+            <a:fillRef idx="1">
+              <a:schemeClr val="accent1"/>
+            </a:fillRef>
+            <a:effectRef idx="0">
+              <a:schemeClr val="accent1"/>
+            </a:effectRef>
+            <a:fontRef idx="minor">
+              <a:schemeClr val="lt1"/>
+            </a:fontRef>
+          </p:style>
+          <p:txBody>
+            <a:bodyPr rtlCol="0" anchor="ctr"/>
+            <a:lstStyle/>
+            <a:p>
+              <a:pPr algn="ctr"/>
+              <a:endParaRPr lang="zh-CN" altLang="en-US"/>
+            </a:p>
+          </p:txBody>
+        </p:sp>
+        <p:sp>
+          <p:nvSpPr>
+            <p:cNvPr id="87" name="矩形 86"/>
+            <p:cNvSpPr/>
+            <p:nvPr/>
+          </p:nvSpPr>
+          <p:spPr>
+            <a:xfrm>
+              <a:off x="6649385" y="3373074"/>
+              <a:ext cx="104895" cy="98545"/>
+            </a:xfrm>
+            <a:prstGeom prst="rect">
+              <a:avLst/>
+            </a:prstGeom>
+            <a:solidFill>
+              <a:srgbClr val="5B9BD5"/>
+            </a:solidFill>
+            <a:ln>
+              <a:solidFill>
+                <a:srgbClr val="5B9BD5"/>
+              </a:solidFill>
+            </a:ln>
+          </p:spPr>
+          <p:style>
+            <a:lnRef idx="2">
+              <a:schemeClr val="accent1">
+                <a:shade val="50000"/>
+              </a:schemeClr>
+            </a:lnRef>
+            <a:fillRef idx="1">
+              <a:schemeClr val="accent1"/>
+            </a:fillRef>
+            <a:effectRef idx="0">
+              <a:schemeClr val="accent1"/>
+            </a:effectRef>
+            <a:fontRef idx="minor">
+              <a:schemeClr val="lt1"/>
+            </a:fontRef>
+          </p:style>
+          <p:txBody>
+            <a:bodyPr rtlCol="0" anchor="ctr"/>
+            <a:lstStyle/>
+            <a:p>
+              <a:pPr algn="ctr"/>
+              <a:endParaRPr lang="zh-CN" altLang="en-US"/>
+            </a:p>
+          </p:txBody>
+        </p:sp>
+        <p:cxnSp>
+          <p:nvCxnSpPr>
+            <p:cNvPr id="89" name="直接箭头连接符 88"/>
+            <p:cNvCxnSpPr>
+              <a:stCxn id="39" idx="2"/>
+              <a:endCxn id="84" idx="0"/>
+            </p:cNvCxnSpPr>
+            <p:nvPr/>
+          </p:nvCxnSpPr>
+          <p:spPr>
+            <a:xfrm flipH="1">
+              <a:off x="4539932" y="3014598"/>
+              <a:ext cx="25716" cy="1508029"/>
+            </a:xfrm>
+            <a:prstGeom prst="straightConnector1">
+              <a:avLst/>
+            </a:prstGeom>
+            <a:ln w="19050">
+              <a:solidFill>
+                <a:srgbClr val="FF0000"/>
+              </a:solidFill>
+              <a:tailEnd type="triangle"/>
+            </a:ln>
+          </p:spPr>
+          <p:style>
+            <a:lnRef idx="1">
+              <a:schemeClr val="accent1"/>
+            </a:lnRef>
+            <a:fillRef idx="0">
+              <a:schemeClr val="accent1"/>
+            </a:fillRef>
+            <a:effectRef idx="0">
+              <a:schemeClr val="accent1"/>
+            </a:effectRef>
+            <a:fontRef idx="minor">
+              <a:schemeClr val="tx1"/>
+            </a:fontRef>
+          </p:style>
+        </p:cxnSp>
+        <p:cxnSp>
+          <p:nvCxnSpPr>
+            <p:cNvPr id="91" name="直接箭头连接符 90"/>
+            <p:cNvCxnSpPr>
+              <a:stCxn id="61" idx="2"/>
+            </p:cNvCxnSpPr>
+            <p:nvPr/>
+          </p:nvCxnSpPr>
+          <p:spPr>
+            <a:xfrm flipH="1">
+              <a:off x="6063583" y="2967435"/>
+              <a:ext cx="1" cy="801177"/>
+            </a:xfrm>
+            <a:prstGeom prst="straightConnector1">
+              <a:avLst/>
+            </a:prstGeom>
+            <a:ln w="19050">
+              <a:solidFill>
+                <a:srgbClr val="FF0000"/>
+              </a:solidFill>
+              <a:tailEnd type="triangle"/>
+            </a:ln>
+          </p:spPr>
+          <p:style>
+            <a:lnRef idx="1">
+              <a:schemeClr val="accent1"/>
+            </a:lnRef>
+            <a:fillRef idx="0">
+              <a:schemeClr val="accent1"/>
+            </a:fillRef>
+            <a:effectRef idx="0">
+              <a:schemeClr val="accent1"/>
+            </a:effectRef>
+            <a:fontRef idx="minor">
+              <a:schemeClr val="tx1"/>
+            </a:fontRef>
+          </p:style>
+        </p:cxnSp>
+        <p:cxnSp>
+          <p:nvCxnSpPr>
+            <p:cNvPr id="93" name="肘形连接符 92"/>
+            <p:cNvCxnSpPr>
+              <a:stCxn id="79" idx="3"/>
+              <a:endCxn id="87" idx="1"/>
+            </p:cNvCxnSpPr>
+            <p:nvPr/>
+          </p:nvCxnSpPr>
+          <p:spPr>
+            <a:xfrm flipH="1">
+              <a:off x="6649385" y="2807153"/>
+              <a:ext cx="3166146" cy="615194"/>
+            </a:xfrm>
+            <a:prstGeom prst="bentConnector5">
+              <a:avLst>
+                <a:gd name="adj1" fmla="val -7220"/>
+                <a:gd name="adj2" fmla="val 49908"/>
+                <a:gd name="adj3" fmla="val 107220"/>
+              </a:avLst>
+            </a:prstGeom>
+            <a:ln w="19050">
+              <a:solidFill>
+                <a:srgbClr val="FF0000"/>
+              </a:solidFill>
+              <a:tailEnd type="triangle"/>
+            </a:ln>
+          </p:spPr>
+          <p:style>
+            <a:lnRef idx="1">
+              <a:schemeClr val="accent1"/>
+            </a:lnRef>
+            <a:fillRef idx="0">
+              <a:schemeClr val="accent1"/>
+            </a:fillRef>
+            <a:effectRef idx="0">
+              <a:schemeClr val="accent1"/>
+            </a:effectRef>
+            <a:fontRef idx="minor">
+              <a:schemeClr val="tx1"/>
+            </a:fontRef>
+          </p:style>
+        </p:cxnSp>
+        <p:cxnSp>
+          <p:nvCxnSpPr>
+            <p:cNvPr id="95" name="直接箭头连接符 94"/>
+            <p:cNvCxnSpPr/>
+            <p:nvPr/>
+          </p:nvCxnSpPr>
+          <p:spPr>
+            <a:xfrm>
+              <a:off x="6754280" y="3422345"/>
+              <a:ext cx="386110" cy="1"/>
+            </a:xfrm>
+            <a:prstGeom prst="straightConnector1">
+              <a:avLst/>
+            </a:prstGeom>
+            <a:ln w="19050">
+              <a:solidFill>
+                <a:srgbClr val="FF0000"/>
+              </a:solidFill>
+              <a:tailEnd type="triangle"/>
+            </a:ln>
+          </p:spPr>
+          <p:style>
+            <a:lnRef idx="1">
+              <a:schemeClr val="accent1"/>
+            </a:lnRef>
+            <a:fillRef idx="0">
+              <a:schemeClr val="accent1"/>
+            </a:fillRef>
+            <a:effectRef idx="0">
+              <a:schemeClr val="accent1"/>
+            </a:effectRef>
+            <a:fontRef idx="minor">
+              <a:schemeClr val="tx1"/>
+            </a:fontRef>
+          </p:style>
+        </p:cxnSp>
+        <p:cxnSp>
+          <p:nvCxnSpPr>
+            <p:cNvPr id="97" name="直接箭头连接符 96"/>
+            <p:cNvCxnSpPr/>
+            <p:nvPr/>
+          </p:nvCxnSpPr>
+          <p:spPr>
+            <a:xfrm>
+              <a:off x="6347363" y="3984167"/>
+              <a:ext cx="775144" cy="8519"/>
+            </a:xfrm>
+            <a:prstGeom prst="straightConnector1">
+              <a:avLst/>
+            </a:prstGeom>
+            <a:ln w="19050">
+              <a:solidFill>
+                <a:srgbClr val="FF0000"/>
+              </a:solidFill>
+              <a:tailEnd type="triangle"/>
+            </a:ln>
+          </p:spPr>
+          <p:style>
+            <a:lnRef idx="1">
+              <a:schemeClr val="accent1"/>
+            </a:lnRef>
+            <a:fillRef idx="0">
+              <a:schemeClr val="accent1"/>
+            </a:fillRef>
+            <a:effectRef idx="0">
+              <a:schemeClr val="accent1"/>
+            </a:effectRef>
+            <a:fontRef idx="minor">
+              <a:schemeClr val="tx1"/>
+            </a:fontRef>
+          </p:style>
+        </p:cxnSp>
+        <p:cxnSp>
+          <p:nvCxnSpPr>
+            <p:cNvPr id="103" name="直接箭头连接符 102"/>
+            <p:cNvCxnSpPr>
+              <a:stCxn id="80" idx="2"/>
+              <a:endCxn id="83" idx="0"/>
+            </p:cNvCxnSpPr>
+            <p:nvPr/>
+          </p:nvCxnSpPr>
+          <p:spPr>
+            <a:xfrm flipH="1">
+              <a:off x="7215790" y="3629384"/>
+              <a:ext cx="4391" cy="139228"/>
+            </a:xfrm>
+            <a:prstGeom prst="straightConnector1">
+              <a:avLst/>
+            </a:prstGeom>
+            <a:ln w="19050">
+              <a:solidFill>
+                <a:srgbClr val="FF0000"/>
+              </a:solidFill>
+              <a:tailEnd type="triangle"/>
+            </a:ln>
+          </p:spPr>
+          <p:style>
+            <a:lnRef idx="1">
+              <a:schemeClr val="accent1"/>
+            </a:lnRef>
+            <a:fillRef idx="0">
+              <a:schemeClr val="accent1"/>
+            </a:fillRef>
+            <a:effectRef idx="0">
+              <a:schemeClr val="accent1"/>
+            </a:effectRef>
+            <a:fontRef idx="minor">
+              <a:schemeClr val="tx1"/>
+            </a:fontRef>
+          </p:style>
+        </p:cxnSp>
+        <p:cxnSp>
+          <p:nvCxnSpPr>
+            <p:cNvPr id="105" name="直接箭头连接符 104"/>
+            <p:cNvCxnSpPr>
+              <a:stCxn id="83" idx="3"/>
+              <a:endCxn id="81" idx="1"/>
+            </p:cNvCxnSpPr>
+            <p:nvPr/>
+          </p:nvCxnSpPr>
+          <p:spPr>
+            <a:xfrm flipV="1">
+              <a:off x="7299972" y="3984167"/>
+              <a:ext cx="501622" cy="1"/>
+            </a:xfrm>
+            <a:prstGeom prst="straightConnector1">
+              <a:avLst/>
+            </a:prstGeom>
+            <a:ln w="19050">
+              <a:solidFill>
+                <a:srgbClr val="FF0000"/>
+              </a:solidFill>
+              <a:tailEnd type="triangle"/>
+            </a:ln>
+          </p:spPr>
+          <p:style>
+            <a:lnRef idx="1">
+              <a:schemeClr val="accent1"/>
+            </a:lnRef>
+            <a:fillRef idx="0">
+              <a:schemeClr val="accent1"/>
+            </a:fillRef>
+            <a:effectRef idx="0">
+              <a:schemeClr val="accent1"/>
+            </a:effectRef>
+            <a:fontRef idx="minor">
+              <a:schemeClr val="tx1"/>
+            </a:fontRef>
+          </p:style>
+        </p:cxnSp>
+        <p:sp>
+          <p:nvSpPr>
+            <p:cNvPr id="109" name="矩形 108"/>
+            <p:cNvSpPr/>
+            <p:nvPr/>
+          </p:nvSpPr>
+          <p:spPr>
+            <a:xfrm>
+              <a:off x="7802442" y="4545987"/>
+              <a:ext cx="105578" cy="752188"/>
+            </a:xfrm>
+            <a:prstGeom prst="rect">
+              <a:avLst/>
+            </a:prstGeom>
+            <a:solidFill>
+              <a:schemeClr val="accent4"/>
+            </a:solidFill>
+            <a:ln>
+              <a:solidFill>
+                <a:schemeClr val="accent4"/>
+              </a:solidFill>
+            </a:ln>
+          </p:spPr>
+          <p:style>
+            <a:lnRef idx="2">
+              <a:schemeClr val="accent1">
+                <a:shade val="50000"/>
+              </a:schemeClr>
+            </a:lnRef>
+            <a:fillRef idx="1">
+              <a:schemeClr val="accent1"/>
+            </a:fillRef>
+            <a:effectRef idx="0">
+              <a:schemeClr val="accent1"/>
+            </a:effectRef>
+            <a:fontRef idx="minor">
+              <a:schemeClr val="lt1"/>
+            </a:fontRef>
+          </p:style>
+          <p:txBody>
+            <a:bodyPr rtlCol="0" anchor="ctr"/>
+            <a:lstStyle/>
+            <a:p>
+              <a:pPr algn="ctr"/>
+              <a:endParaRPr lang="zh-CN" altLang="en-US"/>
+            </a:p>
+          </p:txBody>
+        </p:sp>
+        <p:sp>
+          <p:nvSpPr>
+            <p:cNvPr id="110" name="矩形 109"/>
+            <p:cNvSpPr/>
+            <p:nvPr/>
+          </p:nvSpPr>
+          <p:spPr>
+            <a:xfrm>
+              <a:off x="4934716" y="4522627"/>
+              <a:ext cx="106425" cy="775548"/>
+            </a:xfrm>
+            <a:prstGeom prst="rect">
+              <a:avLst/>
+            </a:prstGeom>
+            <a:solidFill>
+              <a:schemeClr val="tx1">
+                <a:lumMod val="65000"/>
+                <a:lumOff val="35000"/>
+              </a:schemeClr>
+            </a:solidFill>
+            <a:ln>
+              <a:solidFill>
+                <a:schemeClr val="tx1">
+                  <a:lumMod val="65000"/>
+                  <a:lumOff val="35000"/>
+                </a:schemeClr>
+              </a:solidFill>
+            </a:ln>
+          </p:spPr>
+          <p:style>
+            <a:lnRef idx="2">
+              <a:schemeClr val="accent1">
+                <a:shade val="50000"/>
+              </a:schemeClr>
+            </a:lnRef>
+            <a:fillRef idx="1">
+              <a:schemeClr val="accent1"/>
+            </a:fillRef>
+            <a:effectRef idx="0">
+              <a:schemeClr val="accent1"/>
+            </a:effectRef>
+            <a:fontRef idx="minor">
+              <a:schemeClr val="lt1"/>
+            </a:fontRef>
+          </p:style>
+          <p:txBody>
+            <a:bodyPr rtlCol="0" anchor="ctr"/>
+            <a:lstStyle/>
+            <a:p>
+              <a:pPr algn="ctr"/>
+              <a:endParaRPr lang="zh-CN" altLang="en-US"/>
+            </a:p>
+          </p:txBody>
+        </p:sp>
+        <p:cxnSp>
+          <p:nvCxnSpPr>
+            <p:cNvPr id="112" name="直接箭头连接符 111"/>
+            <p:cNvCxnSpPr>
+              <a:stCxn id="84" idx="3"/>
+              <a:endCxn id="110" idx="1"/>
+            </p:cNvCxnSpPr>
+            <p:nvPr/>
+          </p:nvCxnSpPr>
+          <p:spPr>
+            <a:xfrm>
+              <a:off x="4593144" y="4910401"/>
+              <a:ext cx="341572" cy="0"/>
+            </a:xfrm>
+            <a:prstGeom prst="straightConnector1">
+              <a:avLst/>
+            </a:prstGeom>
+            <a:ln w="19050">
+              <a:solidFill>
+                <a:srgbClr val="FF0000"/>
+              </a:solidFill>
+              <a:tailEnd type="triangle"/>
+            </a:ln>
+          </p:spPr>
+          <p:style>
+            <a:lnRef idx="1">
+              <a:schemeClr val="accent1"/>
+            </a:lnRef>
+            <a:fillRef idx="0">
+              <a:schemeClr val="accent1"/>
+            </a:fillRef>
+            <a:effectRef idx="0">
+              <a:schemeClr val="accent1"/>
+            </a:effectRef>
+            <a:fontRef idx="minor">
+              <a:schemeClr val="tx1"/>
+            </a:fontRef>
+          </p:style>
+        </p:cxnSp>
+        <p:cxnSp>
+          <p:nvCxnSpPr>
+            <p:cNvPr id="113" name="直接箭头连接符 112"/>
+            <p:cNvCxnSpPr>
+              <a:endCxn id="109" idx="1"/>
+            </p:cNvCxnSpPr>
+            <p:nvPr/>
+          </p:nvCxnSpPr>
+          <p:spPr>
+            <a:xfrm>
+              <a:off x="5039756" y="4910401"/>
+              <a:ext cx="2762686" cy="11680"/>
+            </a:xfrm>
+            <a:prstGeom prst="straightConnector1">
+              <a:avLst/>
+            </a:prstGeom>
+            <a:ln w="19050">
+              <a:solidFill>
+                <a:srgbClr val="FF0000"/>
+              </a:solidFill>
+              <a:tailEnd type="triangle"/>
+            </a:ln>
+          </p:spPr>
+          <p:style>
+            <a:lnRef idx="1">
+              <a:schemeClr val="accent1"/>
+            </a:lnRef>
+            <a:fillRef idx="0">
+              <a:schemeClr val="accent1"/>
+            </a:fillRef>
+            <a:effectRef idx="0">
+              <a:schemeClr val="accent1"/>
+            </a:effectRef>
+            <a:fontRef idx="minor">
+              <a:schemeClr val="tx1"/>
+            </a:fontRef>
+          </p:style>
+        </p:cxnSp>
+        <p:cxnSp>
+          <p:nvCxnSpPr>
+            <p:cNvPr id="116" name="直接箭头连接符 115"/>
+            <p:cNvCxnSpPr>
+              <a:stCxn id="81" idx="2"/>
+              <a:endCxn id="109" idx="0"/>
+            </p:cNvCxnSpPr>
+            <p:nvPr/>
+          </p:nvCxnSpPr>
+          <p:spPr>
+            <a:xfrm>
+              <a:off x="7854807" y="4371941"/>
+              <a:ext cx="424" cy="174046"/>
+            </a:xfrm>
+            <a:prstGeom prst="straightConnector1">
+              <a:avLst/>
+            </a:prstGeom>
+            <a:ln w="19050">
+              <a:solidFill>
+                <a:srgbClr val="FF0000"/>
+              </a:solidFill>
+              <a:tailEnd type="triangle"/>
+            </a:ln>
+          </p:spPr>
+          <p:style>
+            <a:lnRef idx="1">
+              <a:schemeClr val="accent1"/>
+            </a:lnRef>
+            <a:fillRef idx="0">
+              <a:schemeClr val="accent1"/>
+            </a:fillRef>
+            <a:effectRef idx="0">
+              <a:schemeClr val="accent1"/>
+            </a:effectRef>
+            <a:fontRef idx="minor">
+              <a:schemeClr val="tx1"/>
+            </a:fontRef>
+          </p:style>
+        </p:cxnSp>
+        <p:cxnSp>
+          <p:nvCxnSpPr>
+            <p:cNvPr id="118" name="直接箭头连接符 117"/>
+            <p:cNvCxnSpPr>
+              <a:stCxn id="109" idx="3"/>
+            </p:cNvCxnSpPr>
+            <p:nvPr/>
+          </p:nvCxnSpPr>
+          <p:spPr>
+            <a:xfrm flipV="1">
+              <a:off x="7908020" y="4910401"/>
+              <a:ext cx="746621" cy="11680"/>
+            </a:xfrm>
+            <a:prstGeom prst="straightConnector1">
+              <a:avLst/>
+            </a:prstGeom>
+            <a:ln w="19050">
+              <a:solidFill>
+                <a:srgbClr val="FF0000"/>
+              </a:solidFill>
+              <a:tailEnd type="triangle"/>
+            </a:ln>
+          </p:spPr>
+          <p:style>
+            <a:lnRef idx="1">
+              <a:schemeClr val="accent1"/>
+            </a:lnRef>
+            <a:fillRef idx="0">
+              <a:schemeClr val="accent1"/>
+            </a:fillRef>
+            <a:effectRef idx="0">
+              <a:schemeClr val="accent1"/>
+            </a:effectRef>
+            <a:fontRef idx="minor">
+              <a:schemeClr val="tx1"/>
+            </a:fontRef>
+          </p:style>
+        </p:cxnSp>
+        <p:sp>
+          <p:nvSpPr>
+            <p:cNvPr id="120" name="文本框 119"/>
+            <p:cNvSpPr txBox="1"/>
+            <p:nvPr/>
+          </p:nvSpPr>
+          <p:spPr>
+            <a:xfrm>
+              <a:off x="607954" y="1755818"/>
+              <a:ext cx="1509986" cy="338554"/>
+            </a:xfrm>
+            <a:prstGeom prst="rect">
+              <a:avLst/>
+            </a:prstGeom>
+            <a:noFill/>
+          </p:spPr>
+          <p:txBody>
+            <a:bodyPr wrap="square" rtlCol="0">
+              <a:spAutoFit/>
+            </a:bodyPr>
+            <a:lstStyle/>
+            <a:p>
+              <a:r>
+                <a:rPr lang="en-US" altLang="zh-CN" sz="1600" b="1" dirty="0" smtClean="0"/>
+                <a:t>224</a:t>
+              </a:r>
+              <a:r>
+                <a:rPr lang="zh-CN" altLang="en-US" sz="1600" b="1" dirty="0" smtClean="0"/>
+                <a:t>*</a:t>
+              </a:r>
+              <a:r>
+                <a:rPr lang="en-US" altLang="zh-CN" sz="1600" b="1" dirty="0" smtClean="0"/>
+                <a:t>224</a:t>
+              </a:r>
+              <a:r>
+                <a:rPr lang="zh-CN" altLang="en-US" sz="1600" b="1" dirty="0" smtClean="0"/>
+                <a:t>*</a:t>
+              </a:r>
+              <a:r>
+                <a:rPr lang="en-US" altLang="zh-CN" sz="1600" b="1" dirty="0" smtClean="0"/>
+                <a:t>3</a:t>
+              </a:r>
+              <a:endParaRPr lang="zh-CN" altLang="en-US" sz="1600" b="1" dirty="0"/>
+            </a:p>
+          </p:txBody>
+        </p:sp>
+        <p:sp>
+          <p:nvSpPr>
+            <p:cNvPr id="121" name="文本框 120"/>
+            <p:cNvSpPr txBox="1"/>
+            <p:nvPr/>
+          </p:nvSpPr>
+          <p:spPr>
+            <a:xfrm>
+              <a:off x="3872486" y="2111195"/>
+              <a:ext cx="783945" cy="338554"/>
+            </a:xfrm>
+            <a:prstGeom prst="rect">
+              <a:avLst/>
+            </a:prstGeom>
+            <a:noFill/>
+          </p:spPr>
+          <p:txBody>
+            <a:bodyPr wrap="square" rtlCol="0">
+              <a:spAutoFit/>
+            </a:bodyPr>
+            <a:lstStyle/>
+            <a:p>
+              <a:r>
+                <a:rPr lang="en-US" altLang="zh-CN" sz="1600" b="1" dirty="0">
+                  <a:solidFill>
+                    <a:srgbClr val="5B9BD5"/>
+                  </a:solidFill>
+                </a:rPr>
+                <a:t>c</a:t>
+              </a:r>
+              <a:r>
+                <a:rPr lang="en-US" altLang="zh-CN" sz="1600" b="1" dirty="0" smtClean="0">
+                  <a:solidFill>
+                    <a:srgbClr val="5B9BD5"/>
+                  </a:solidFill>
+                </a:rPr>
+                <a:t>onv3</a:t>
+              </a:r>
+              <a:endParaRPr lang="zh-CN" altLang="en-US" sz="1600" b="1" dirty="0">
+                <a:solidFill>
+                  <a:srgbClr val="5B9BD5"/>
+                </a:solidFill>
+              </a:endParaRPr>
+            </a:p>
+          </p:txBody>
+        </p:sp>
+        <p:sp>
+          <p:nvSpPr>
+            <p:cNvPr id="122" name="文本框 121"/>
+            <p:cNvSpPr txBox="1"/>
+            <p:nvPr/>
+          </p:nvSpPr>
+          <p:spPr>
+            <a:xfrm>
+              <a:off x="2469985" y="1720954"/>
+              <a:ext cx="697322" cy="338554"/>
+            </a:xfrm>
+            <a:prstGeom prst="rect">
+              <a:avLst/>
+            </a:prstGeom>
+            <a:noFill/>
+          </p:spPr>
+          <p:txBody>
+            <a:bodyPr wrap="square" rtlCol="0">
+              <a:spAutoFit/>
+            </a:bodyPr>
+            <a:lstStyle/>
+            <a:p>
+              <a:r>
+                <a:rPr lang="en-US" altLang="zh-CN" sz="1600" b="1" dirty="0" smtClean="0">
+                  <a:solidFill>
+                    <a:srgbClr val="00B050"/>
+                  </a:solidFill>
+                </a:rPr>
+                <a:t>pool1</a:t>
+              </a:r>
+              <a:endParaRPr lang="zh-CN" altLang="en-US" sz="1600" b="1" dirty="0">
+                <a:solidFill>
+                  <a:srgbClr val="00B050"/>
+                </a:solidFill>
+              </a:endParaRPr>
+            </a:p>
+          </p:txBody>
+        </p:sp>
+        <p:sp>
+          <p:nvSpPr>
+            <p:cNvPr id="123" name="文本框 122"/>
+            <p:cNvSpPr txBox="1"/>
+            <p:nvPr/>
+          </p:nvSpPr>
+          <p:spPr>
+            <a:xfrm>
+              <a:off x="2061183" y="1332148"/>
+              <a:ext cx="817603" cy="338554"/>
+            </a:xfrm>
+            <a:prstGeom prst="rect">
+              <a:avLst/>
+            </a:prstGeom>
+            <a:noFill/>
+          </p:spPr>
+          <p:txBody>
+            <a:bodyPr wrap="square" rtlCol="0">
+              <a:spAutoFit/>
+            </a:bodyPr>
+            <a:lstStyle/>
+            <a:p>
+              <a:r>
+                <a:rPr lang="en-US" altLang="zh-CN" sz="1600" b="1" dirty="0" smtClean="0">
+                  <a:solidFill>
+                    <a:srgbClr val="5B9BD5"/>
+                  </a:solidFill>
+                </a:rPr>
+                <a:t>conv1</a:t>
+              </a:r>
+              <a:endParaRPr lang="zh-CN" altLang="en-US" sz="1600" b="1" dirty="0">
+                <a:solidFill>
+                  <a:srgbClr val="5B9BD5"/>
+                </a:solidFill>
+              </a:endParaRPr>
+            </a:p>
+          </p:txBody>
+        </p:sp>
+        <p:sp>
+          <p:nvSpPr>
+            <p:cNvPr id="125" name="文本框 124"/>
+            <p:cNvSpPr txBox="1"/>
+            <p:nvPr/>
+          </p:nvSpPr>
+          <p:spPr>
+            <a:xfrm>
+              <a:off x="4715789" y="4206871"/>
+              <a:ext cx="609320" cy="338554"/>
+            </a:xfrm>
+            <a:prstGeom prst="rect">
+              <a:avLst/>
+            </a:prstGeom>
+            <a:noFill/>
+          </p:spPr>
+          <p:txBody>
+            <a:bodyPr wrap="square" rtlCol="0">
+              <a:spAutoFit/>
+            </a:bodyPr>
+            <a:lstStyle/>
+            <a:p>
+              <a:r>
+                <a:rPr lang="en-US" altLang="zh-CN" sz="1600" b="1" dirty="0" smtClean="0">
+                  <a:solidFill>
+                    <a:srgbClr val="595959"/>
+                  </a:solidFill>
+                </a:rPr>
+                <a:t>crop</a:t>
+              </a:r>
+              <a:endParaRPr lang="zh-CN" altLang="en-US" sz="1600" b="1" dirty="0">
+                <a:solidFill>
+                  <a:srgbClr val="595959"/>
+                </a:solidFill>
+              </a:endParaRPr>
+            </a:p>
+          </p:txBody>
+        </p:sp>
+        <p:sp>
+          <p:nvSpPr>
+            <p:cNvPr id="126" name="文本框 125"/>
+            <p:cNvSpPr txBox="1"/>
+            <p:nvPr/>
+          </p:nvSpPr>
+          <p:spPr>
+            <a:xfrm>
+              <a:off x="4273291" y="2312880"/>
+              <a:ext cx="697322" cy="338554"/>
+            </a:xfrm>
+            <a:prstGeom prst="rect">
+              <a:avLst/>
+            </a:prstGeom>
+            <a:noFill/>
+          </p:spPr>
+          <p:txBody>
+            <a:bodyPr wrap="square" rtlCol="0">
+              <a:spAutoFit/>
+            </a:bodyPr>
+            <a:lstStyle/>
+            <a:p>
+              <a:r>
+                <a:rPr lang="en-US" altLang="zh-CN" sz="1600" b="1" dirty="0" smtClean="0">
+                  <a:solidFill>
+                    <a:srgbClr val="00B050"/>
+                  </a:solidFill>
+                </a:rPr>
+                <a:t>pool3</a:t>
+              </a:r>
+              <a:endParaRPr lang="zh-CN" altLang="en-US" sz="1600" b="1" dirty="0">
+                <a:solidFill>
+                  <a:srgbClr val="00B050"/>
+                </a:solidFill>
+              </a:endParaRPr>
+            </a:p>
+          </p:txBody>
+        </p:sp>
+        <p:sp>
+          <p:nvSpPr>
+            <p:cNvPr id="127" name="文本框 126"/>
+            <p:cNvSpPr txBox="1"/>
+            <p:nvPr/>
+          </p:nvSpPr>
+          <p:spPr>
+            <a:xfrm>
+              <a:off x="4967876" y="2233478"/>
+              <a:ext cx="783945" cy="338554"/>
+            </a:xfrm>
+            <a:prstGeom prst="rect">
+              <a:avLst/>
+            </a:prstGeom>
+            <a:noFill/>
+          </p:spPr>
+          <p:txBody>
+            <a:bodyPr wrap="square" rtlCol="0">
+              <a:spAutoFit/>
+            </a:bodyPr>
+            <a:lstStyle/>
+            <a:p>
+              <a:r>
+                <a:rPr lang="en-US" altLang="zh-CN" sz="1600" b="1" dirty="0" smtClean="0">
+                  <a:solidFill>
+                    <a:srgbClr val="5B9BD5"/>
+                  </a:solidFill>
+                </a:rPr>
+                <a:t>conv4</a:t>
+              </a:r>
+              <a:endParaRPr lang="zh-CN" altLang="en-US" sz="1600" b="1" dirty="0">
+                <a:solidFill>
+                  <a:srgbClr val="5B9BD5"/>
+                </a:solidFill>
+              </a:endParaRPr>
+            </a:p>
+          </p:txBody>
+        </p:sp>
+        <p:sp>
+          <p:nvSpPr>
+            <p:cNvPr id="128" name="文本框 127"/>
+            <p:cNvSpPr txBox="1"/>
+            <p:nvPr/>
+          </p:nvSpPr>
+          <p:spPr>
+            <a:xfrm>
+              <a:off x="5704708" y="2367801"/>
+              <a:ext cx="697322" cy="338554"/>
+            </a:xfrm>
+            <a:prstGeom prst="rect">
+              <a:avLst/>
+            </a:prstGeom>
+            <a:noFill/>
+          </p:spPr>
+          <p:txBody>
+            <a:bodyPr wrap="square" rtlCol="0">
+              <a:spAutoFit/>
+            </a:bodyPr>
+            <a:lstStyle/>
+            <a:p>
+              <a:r>
+                <a:rPr lang="en-US" altLang="zh-CN" sz="1600" b="1" dirty="0" smtClean="0">
+                  <a:solidFill>
+                    <a:srgbClr val="00B050"/>
+                  </a:solidFill>
+                </a:rPr>
+                <a:t>pool4</a:t>
+              </a:r>
+              <a:endParaRPr lang="zh-CN" altLang="en-US" sz="1600" b="1" dirty="0">
+                <a:solidFill>
+                  <a:srgbClr val="00B050"/>
+                </a:solidFill>
+              </a:endParaRPr>
+            </a:p>
+          </p:txBody>
+        </p:sp>
+        <p:sp>
+          <p:nvSpPr>
+            <p:cNvPr id="129" name="文本框 128"/>
+            <p:cNvSpPr txBox="1"/>
+            <p:nvPr/>
+          </p:nvSpPr>
+          <p:spPr>
+            <a:xfrm>
+              <a:off x="6765929" y="2314499"/>
+              <a:ext cx="783945" cy="338554"/>
+            </a:xfrm>
+            <a:prstGeom prst="rect">
+              <a:avLst/>
+            </a:prstGeom>
+            <a:noFill/>
+          </p:spPr>
+          <p:txBody>
+            <a:bodyPr wrap="square" rtlCol="0">
+              <a:spAutoFit/>
+            </a:bodyPr>
+            <a:lstStyle/>
+            <a:p>
+              <a:r>
+                <a:rPr lang="en-US" altLang="zh-CN" sz="1600" b="1" dirty="0" smtClean="0">
+                  <a:solidFill>
+                    <a:srgbClr val="5B9BD5"/>
+                  </a:solidFill>
+                </a:rPr>
+                <a:t>conv5</a:t>
+              </a:r>
+              <a:endParaRPr lang="zh-CN" altLang="en-US" sz="1600" b="1" dirty="0">
+                <a:solidFill>
+                  <a:srgbClr val="5B9BD5"/>
+                </a:solidFill>
+              </a:endParaRPr>
+            </a:p>
+          </p:txBody>
+        </p:sp>
+        <p:sp>
+          <p:nvSpPr>
+            <p:cNvPr id="130" name="文本框 129"/>
+            <p:cNvSpPr txBox="1"/>
+            <p:nvPr/>
+          </p:nvSpPr>
+          <p:spPr>
+            <a:xfrm>
+              <a:off x="8963363" y="2355724"/>
+              <a:ext cx="783945" cy="338554"/>
+            </a:xfrm>
+            <a:prstGeom prst="rect">
+              <a:avLst/>
+            </a:prstGeom>
+            <a:noFill/>
+          </p:spPr>
+          <p:txBody>
+            <a:bodyPr wrap="square" rtlCol="0">
+              <a:spAutoFit/>
+            </a:bodyPr>
+            <a:lstStyle/>
+            <a:p>
+              <a:r>
+                <a:rPr lang="en-US" altLang="zh-CN" sz="1600" b="1" dirty="0" smtClean="0">
+                  <a:solidFill>
+                    <a:srgbClr val="5B9BD5"/>
+                  </a:solidFill>
+                </a:rPr>
+                <a:t>conv6</a:t>
+              </a:r>
+              <a:endParaRPr lang="zh-CN" altLang="en-US" sz="1600" b="1" dirty="0">
+                <a:solidFill>
+                  <a:srgbClr val="5B9BD5"/>
+                </a:solidFill>
+              </a:endParaRPr>
+            </a:p>
+          </p:txBody>
+        </p:sp>
+        <p:sp>
+          <p:nvSpPr>
+            <p:cNvPr id="131" name="文本框 130"/>
+            <p:cNvSpPr txBox="1"/>
+            <p:nvPr/>
+          </p:nvSpPr>
+          <p:spPr>
+            <a:xfrm>
+              <a:off x="8039401" y="2414011"/>
+              <a:ext cx="697322" cy="338554"/>
+            </a:xfrm>
+            <a:prstGeom prst="rect">
+              <a:avLst/>
+            </a:prstGeom>
+            <a:noFill/>
+          </p:spPr>
+          <p:txBody>
+            <a:bodyPr wrap="square" rtlCol="0">
+              <a:spAutoFit/>
+            </a:bodyPr>
+            <a:lstStyle/>
+            <a:p>
+              <a:r>
+                <a:rPr lang="en-US" altLang="zh-CN" sz="1600" b="1" dirty="0" smtClean="0">
+                  <a:solidFill>
+                    <a:srgbClr val="00B050"/>
+                  </a:solidFill>
+                </a:rPr>
+                <a:t>pool5</a:t>
+              </a:r>
+              <a:endParaRPr lang="zh-CN" altLang="en-US" sz="1600" b="1" dirty="0">
+                <a:solidFill>
+                  <a:srgbClr val="00B050"/>
+                </a:solidFill>
+              </a:endParaRPr>
+            </a:p>
+          </p:txBody>
+        </p:sp>
+        <p:sp>
+          <p:nvSpPr>
+            <p:cNvPr id="133" name="矩形 132"/>
+            <p:cNvSpPr/>
+            <p:nvPr/>
+          </p:nvSpPr>
+          <p:spPr>
+            <a:xfrm>
+              <a:off x="6296192" y="3792798"/>
+              <a:ext cx="84140" cy="414073"/>
+            </a:xfrm>
+            <a:prstGeom prst="rect">
+              <a:avLst/>
+            </a:prstGeom>
+            <a:solidFill>
+              <a:schemeClr val="tx1">
+                <a:lumMod val="65000"/>
+                <a:lumOff val="35000"/>
+              </a:schemeClr>
+            </a:solidFill>
+            <a:ln>
+              <a:solidFill>
+                <a:srgbClr val="5B9BD5"/>
+              </a:solidFill>
+            </a:ln>
+          </p:spPr>
+          <p:style>
+            <a:lnRef idx="2">
+              <a:schemeClr val="accent1">
+                <a:shade val="50000"/>
+              </a:schemeClr>
+            </a:lnRef>
+            <a:fillRef idx="1">
+              <a:schemeClr val="accent1"/>
+            </a:fillRef>
+            <a:effectRef idx="0">
+              <a:schemeClr val="accent1"/>
+            </a:effectRef>
+            <a:fontRef idx="minor">
+              <a:schemeClr val="lt1"/>
+            </a:fontRef>
+          </p:style>
+          <p:txBody>
+            <a:bodyPr rtlCol="0" anchor="ctr"/>
+            <a:lstStyle/>
+            <a:p>
+              <a:pPr algn="ctr"/>
+              <a:endParaRPr lang="zh-CN" altLang="en-US"/>
+            </a:p>
+          </p:txBody>
+        </p:sp>
+        <p:cxnSp>
+          <p:nvCxnSpPr>
+            <p:cNvPr id="138" name="直接箭头连接符 137"/>
+            <p:cNvCxnSpPr>
+              <a:stCxn id="82" idx="3"/>
+              <a:endCxn id="133" idx="1"/>
+            </p:cNvCxnSpPr>
+            <p:nvPr/>
+          </p:nvCxnSpPr>
+          <p:spPr>
+            <a:xfrm>
+              <a:off x="6105653" y="3992687"/>
+              <a:ext cx="190539" cy="7148"/>
+            </a:xfrm>
+            <a:prstGeom prst="straightConnector1">
+              <a:avLst/>
+            </a:prstGeom>
+            <a:ln w="19050">
+              <a:solidFill>
+                <a:srgbClr val="FF0000"/>
+              </a:solidFill>
+              <a:tailEnd type="triangle"/>
+            </a:ln>
+          </p:spPr>
+          <p:style>
+            <a:lnRef idx="1">
+              <a:schemeClr val="accent1"/>
+            </a:lnRef>
+            <a:fillRef idx="0">
+              <a:schemeClr val="accent1"/>
+            </a:fillRef>
+            <a:effectRef idx="0">
+              <a:schemeClr val="accent1"/>
+            </a:effectRef>
+            <a:fontRef idx="minor">
+              <a:schemeClr val="tx1"/>
+            </a:fontRef>
+          </p:style>
+        </p:cxnSp>
+        <p:cxnSp>
+          <p:nvCxnSpPr>
+            <p:cNvPr id="140" name="直接箭头连接符 139"/>
+            <p:cNvCxnSpPr>
+              <a:endCxn id="5" idx="1"/>
+            </p:cNvCxnSpPr>
+            <p:nvPr/>
+          </p:nvCxnSpPr>
+          <p:spPr>
+            <a:xfrm flipV="1">
+              <a:off x="8691877" y="4910401"/>
+              <a:ext cx="287632" cy="8049"/>
+            </a:xfrm>
+            <a:prstGeom prst="straightConnector1">
+              <a:avLst/>
+            </a:prstGeom>
+            <a:ln w="19050">
+              <a:solidFill>
+                <a:srgbClr val="FF0000"/>
+              </a:solidFill>
+              <a:tailEnd type="triangle"/>
+            </a:ln>
+          </p:spPr>
+          <p:style>
+            <a:lnRef idx="1">
+              <a:schemeClr val="accent1"/>
+            </a:lnRef>
+            <a:fillRef idx="0">
+              <a:schemeClr val="accent1"/>
+            </a:fillRef>
+            <a:effectRef idx="0">
+              <a:schemeClr val="accent1"/>
+            </a:effectRef>
+            <a:fontRef idx="minor">
+              <a:schemeClr val="tx1"/>
+            </a:fontRef>
+          </p:style>
+        </p:cxnSp>
+        <p:sp>
+          <p:nvSpPr>
+            <p:cNvPr id="143" name="文本框 142"/>
+            <p:cNvSpPr txBox="1"/>
+            <p:nvPr/>
+          </p:nvSpPr>
+          <p:spPr>
+            <a:xfrm>
+              <a:off x="484205" y="3604022"/>
+              <a:ext cx="1222464" cy="369332"/>
+            </a:xfrm>
+            <a:prstGeom prst="rect">
+              <a:avLst/>
+            </a:prstGeom>
+            <a:noFill/>
+          </p:spPr>
+          <p:txBody>
+            <a:bodyPr wrap="square" rtlCol="0">
+              <a:spAutoFit/>
+            </a:bodyPr>
+            <a:lstStyle/>
+            <a:p>
+              <a:r>
+                <a:rPr lang="zh-CN" altLang="en-US" dirty="0" smtClean="0"/>
+                <a:t>输入图像</a:t>
+              </a:r>
+              <a:endParaRPr lang="zh-CN" altLang="en-US" dirty="0"/>
+            </a:p>
+          </p:txBody>
+        </p:sp>
+        <p:sp>
+          <p:nvSpPr>
+            <p:cNvPr id="144" name="文本框 143"/>
+            <p:cNvSpPr txBox="1"/>
+            <p:nvPr/>
+          </p:nvSpPr>
+          <p:spPr>
+            <a:xfrm>
+              <a:off x="9121608" y="5647377"/>
+              <a:ext cx="1440027" cy="369332"/>
+            </a:xfrm>
+            <a:prstGeom prst="rect">
+              <a:avLst/>
+            </a:prstGeom>
+            <a:noFill/>
+          </p:spPr>
+          <p:txBody>
+            <a:bodyPr wrap="square" rtlCol="0">
+              <a:spAutoFit/>
+            </a:bodyPr>
+            <a:lstStyle/>
+            <a:p>
+              <a:r>
+                <a:rPr lang="zh-CN" altLang="en-US" dirty="0" smtClean="0"/>
+                <a:t>输出分割图</a:t>
+              </a:r>
+              <a:endParaRPr lang="zh-CN" altLang="en-US" dirty="0"/>
+            </a:p>
+          </p:txBody>
+        </p:sp>
+        <p:sp>
+          <p:nvSpPr>
+            <p:cNvPr id="145" name="文本框 144"/>
+            <p:cNvSpPr txBox="1"/>
+            <p:nvPr/>
+          </p:nvSpPr>
+          <p:spPr>
+            <a:xfrm>
+              <a:off x="5530793" y="1558526"/>
+              <a:ext cx="2054531" cy="400110"/>
+            </a:xfrm>
+            <a:prstGeom prst="rect">
+              <a:avLst/>
+            </a:prstGeom>
+            <a:noFill/>
+          </p:spPr>
+          <p:txBody>
+            <a:bodyPr wrap="square" rtlCol="0">
+              <a:spAutoFit/>
+            </a:bodyPr>
+            <a:lstStyle/>
+            <a:p>
+              <a:r>
+                <a:rPr lang="en-US" altLang="zh-CN" sz="2000" b="1" dirty="0" smtClean="0"/>
+                <a:t>‘</a:t>
+              </a:r>
+              <a:r>
+                <a:rPr lang="zh-CN" altLang="en-US" sz="2000" b="1" dirty="0" smtClean="0"/>
+                <a:t>卷积化</a:t>
+              </a:r>
+              <a:r>
+                <a:rPr lang="en-US" altLang="zh-CN" sz="2000" b="1" dirty="0" smtClean="0"/>
+                <a:t>’</a:t>
+              </a:r>
+              <a:endParaRPr lang="zh-CN" altLang="en-US" sz="2000" b="1" dirty="0"/>
+            </a:p>
+          </p:txBody>
+        </p:sp>
+        <p:sp>
+          <p:nvSpPr>
+            <p:cNvPr id="146" name="矩形 145"/>
+            <p:cNvSpPr/>
+            <p:nvPr/>
+          </p:nvSpPr>
+          <p:spPr>
+            <a:xfrm>
+              <a:off x="6499770" y="5328015"/>
+              <a:ext cx="1085554" cy="400110"/>
+            </a:xfrm>
+            <a:prstGeom prst="rect">
+              <a:avLst/>
+            </a:prstGeom>
+          </p:spPr>
+          <p:txBody>
+            <a:bodyPr wrap="none">
+              <a:spAutoFit/>
+            </a:bodyPr>
+            <a:lstStyle/>
+            <a:p>
+              <a:r>
+                <a:rPr lang="en-US" altLang="zh-CN" sz="2000" b="1" dirty="0"/>
+                <a:t>‘</a:t>
+              </a:r>
+              <a:r>
+                <a:rPr lang="zh-CN" altLang="en-US" sz="2000" b="1" dirty="0"/>
+                <a:t>反卷积</a:t>
+              </a:r>
+              <a:r>
+                <a:rPr lang="en-US" altLang="zh-CN" sz="2000" b="1" dirty="0"/>
+                <a:t>’</a:t>
+              </a:r>
+              <a:endParaRPr lang="zh-CN" altLang="en-US" sz="2000" b="1" dirty="0"/>
+            </a:p>
+          </p:txBody>
+        </p:sp>
+        <p:sp>
+          <p:nvSpPr>
+            <p:cNvPr id="147" name="矩形 146"/>
+            <p:cNvSpPr/>
+            <p:nvPr/>
+          </p:nvSpPr>
+          <p:spPr>
+            <a:xfrm>
+              <a:off x="5432355" y="4333837"/>
+              <a:ext cx="1164101" cy="369332"/>
+            </a:xfrm>
+            <a:prstGeom prst="rect">
+              <a:avLst/>
+            </a:prstGeom>
+          </p:spPr>
+          <p:txBody>
+            <a:bodyPr wrap="none">
+              <a:spAutoFit/>
+            </a:bodyPr>
+            <a:lstStyle/>
+            <a:p>
+              <a:r>
+                <a:rPr lang="en-US" altLang="zh-CN" b="1" dirty="0" smtClean="0"/>
+                <a:t>‘Skip’</a:t>
+              </a:r>
+              <a:r>
+                <a:rPr lang="zh-CN" altLang="en-US" b="1" dirty="0" smtClean="0"/>
+                <a:t>连接</a:t>
+              </a:r>
+              <a:endParaRPr lang="zh-CN" altLang="en-US" b="1" dirty="0"/>
+            </a:p>
+          </p:txBody>
+        </p:sp>
+        <p:sp>
+          <p:nvSpPr>
+            <p:cNvPr id="148" name="文本框 147"/>
+            <p:cNvSpPr txBox="1"/>
+            <p:nvPr/>
+          </p:nvSpPr>
+          <p:spPr>
+            <a:xfrm>
+              <a:off x="3286805" y="2141883"/>
+              <a:ext cx="697322" cy="338554"/>
+            </a:xfrm>
+            <a:prstGeom prst="rect">
+              <a:avLst/>
+            </a:prstGeom>
+            <a:noFill/>
+          </p:spPr>
+          <p:txBody>
+            <a:bodyPr wrap="square" rtlCol="0">
+              <a:spAutoFit/>
+            </a:bodyPr>
+            <a:lstStyle/>
+            <a:p>
+              <a:r>
+                <a:rPr lang="en-US" altLang="zh-CN" sz="1600" b="1" dirty="0" smtClean="0">
+                  <a:solidFill>
+                    <a:srgbClr val="00B050"/>
+                  </a:solidFill>
+                </a:rPr>
+                <a:t>pool2</a:t>
+              </a:r>
+              <a:endParaRPr lang="zh-CN" altLang="en-US" sz="1600" b="1" dirty="0">
+                <a:solidFill>
+                  <a:srgbClr val="00B050"/>
+                </a:solidFill>
+              </a:endParaRPr>
+            </a:p>
+          </p:txBody>
+        </p:sp>
+        <p:sp>
+          <p:nvSpPr>
+            <p:cNvPr id="149" name="文本框 148"/>
+            <p:cNvSpPr txBox="1"/>
+            <p:nvPr/>
+          </p:nvSpPr>
+          <p:spPr>
+            <a:xfrm>
+              <a:off x="6128612" y="3505895"/>
+              <a:ext cx="609320" cy="338554"/>
+            </a:xfrm>
+            <a:prstGeom prst="rect">
+              <a:avLst/>
+            </a:prstGeom>
+            <a:noFill/>
+          </p:spPr>
+          <p:txBody>
+            <a:bodyPr wrap="square" rtlCol="0">
+              <a:spAutoFit/>
+            </a:bodyPr>
+            <a:lstStyle/>
+            <a:p>
+              <a:r>
+                <a:rPr lang="en-US" altLang="zh-CN" sz="1600" b="1" dirty="0" smtClean="0">
+                  <a:solidFill>
+                    <a:srgbClr val="595959"/>
+                  </a:solidFill>
+                </a:rPr>
+                <a:t>crop</a:t>
+              </a:r>
+              <a:endParaRPr lang="zh-CN" altLang="en-US" sz="1600" b="1" dirty="0">
+                <a:solidFill>
+                  <a:srgbClr val="595959"/>
+                </a:solidFill>
+              </a:endParaRPr>
+            </a:p>
+          </p:txBody>
+        </p:sp>
+        <p:sp>
+          <p:nvSpPr>
+            <p:cNvPr id="150" name="矩形 149"/>
+            <p:cNvSpPr/>
+            <p:nvPr/>
+          </p:nvSpPr>
+          <p:spPr>
+            <a:xfrm>
+              <a:off x="3284267" y="4928843"/>
+              <a:ext cx="1280159" cy="369332"/>
+            </a:xfrm>
+            <a:prstGeom prst="rect">
+              <a:avLst/>
+            </a:prstGeom>
+          </p:spPr>
+          <p:txBody>
+            <a:bodyPr wrap="none">
+              <a:spAutoFit/>
+            </a:bodyPr>
+            <a:lstStyle/>
+            <a:p>
+              <a:r>
+                <a:rPr lang="en-US" altLang="zh-CN" b="1" dirty="0" smtClean="0"/>
+                <a:t>‘Prediction’</a:t>
+              </a:r>
+              <a:endParaRPr lang="zh-CN" altLang="en-US" b="1" dirty="0"/>
+            </a:p>
+          </p:txBody>
+        </p:sp>
+        <p:sp>
+          <p:nvSpPr>
+            <p:cNvPr id="151" name="矩形 150"/>
+            <p:cNvSpPr/>
+            <p:nvPr/>
+          </p:nvSpPr>
+          <p:spPr>
+            <a:xfrm>
+              <a:off x="8255144" y="3341078"/>
+              <a:ext cx="893578" cy="369332"/>
+            </a:xfrm>
+            <a:prstGeom prst="rect">
+              <a:avLst/>
+            </a:prstGeom>
+          </p:spPr>
+          <p:txBody>
+            <a:bodyPr wrap="none">
+              <a:spAutoFit/>
+            </a:bodyPr>
+            <a:lstStyle/>
+            <a:p>
+              <a:r>
+                <a:rPr lang="en-US" altLang="zh-CN" b="1" dirty="0" smtClean="0">
+                  <a:solidFill>
+                    <a:srgbClr val="ED7D31"/>
+                  </a:solidFill>
+                </a:rPr>
+                <a:t>deconv</a:t>
+              </a:r>
+              <a:endParaRPr lang="zh-CN" altLang="en-US" b="1" dirty="0">
+                <a:solidFill>
+                  <a:srgbClr val="ED7D31"/>
+                </a:solidFill>
+              </a:endParaRPr>
+            </a:p>
+          </p:txBody>
+        </p:sp>
+        <p:sp>
+          <p:nvSpPr>
+            <p:cNvPr id="152" name="矩形 151"/>
+            <p:cNvSpPr/>
+            <p:nvPr/>
+          </p:nvSpPr>
+          <p:spPr>
+            <a:xfrm>
+              <a:off x="7380040" y="3273015"/>
+              <a:ext cx="893578" cy="369332"/>
+            </a:xfrm>
+            <a:prstGeom prst="rect">
+              <a:avLst/>
+            </a:prstGeom>
+          </p:spPr>
+          <p:txBody>
+            <a:bodyPr wrap="none">
+              <a:spAutoFit/>
+            </a:bodyPr>
+            <a:lstStyle/>
+            <a:p>
+              <a:r>
+                <a:rPr lang="en-US" altLang="zh-CN" b="1" dirty="0" smtClean="0">
+                  <a:solidFill>
+                    <a:srgbClr val="ED7D31"/>
+                  </a:solidFill>
+                </a:rPr>
+                <a:t>deconv</a:t>
+              </a:r>
+              <a:endParaRPr lang="zh-CN" altLang="en-US" b="1" dirty="0">
+                <a:solidFill>
+                  <a:srgbClr val="ED7D31"/>
+                </a:solidFill>
+              </a:endParaRPr>
+            </a:p>
+          </p:txBody>
+        </p:sp>
+      </p:grpSp>
+    </p:spTree>
+    <p:extLst>
+      <p:ext uri="{BB962C8B-B14F-4D97-AF65-F5344CB8AC3E}">
+        <p14:creationId xmlns:p14="http://schemas.microsoft.com/office/powerpoint/2010/main" val="888034186"/>
+      </p:ext>
+    </p:extLst>
+  </p:cSld>
+  <p:clrMapOvr>
+    <a:masterClrMapping/>
+  </p:clrMapOvr>
+  <p:timing>
+    <p:tnLst>
+      <p:par>
+        <p:cTn id="1" dur="indefinite" restart="never" nodeType="tmRoot"/>
+      </p:par>
+    </p:tnLst>
+  </p:timing>
+</p:sld>
+</file>
+
+<file path=ppt/slides/slide6.xml><?xml version="1.0" encoding="utf-8"?>
+<p:sld xmlns:a="http://schemas.openxmlformats.org/drawingml/2006/main" xmlns:r="http://schemas.openxmlformats.org/officeDocument/2006/relationships" xmlns:p="http://schemas.openxmlformats.org/presentationml/2006/main">
+  <p:cSld>
+    <p:spTree>
+      <p:nvGrpSpPr>
+        <p:cNvPr id="1" name=""/>
+        <p:cNvGrpSpPr/>
+        <p:nvPr/>
+      </p:nvGrpSpPr>
+      <p:grpSpPr>
+        <a:xfrm>
+          <a:off x="0" y="0"/>
+          <a:ext cx="0" cy="0"/>
+          <a:chOff x="0" y="0"/>
+          <a:chExt cx="0" cy="0"/>
+        </a:xfrm>
+      </p:grpSpPr>
+      <p:pic>
+        <p:nvPicPr>
+          <p:cNvPr id="1026" name="Picture 2" descr="âVGG 16âçå¾çæç´¢ç»æ"/>
+          <p:cNvPicPr>
+            <a:picLocks noChangeAspect="1" noChangeArrowheads="1"/>
+          </p:cNvPicPr>
+          <p:nvPr/>
+        </p:nvPicPr>
+        <p:blipFill>
+          <a:blip r:embed="rId2">
+            <a:extLst>
+              <a:ext uri="{28A0092B-C50C-407E-A947-70E740481C1C}">
+                <a14:useLocalDpi xmlns:a14="http://schemas.microsoft.com/office/drawing/2010/main" val="0"/>
+              </a:ext>
+            </a:extLst>
+          </a:blip>
+          <a:srcRect/>
+          <a:stretch>
+            <a:fillRect/>
+          </a:stretch>
+        </p:blipFill>
+        <p:spPr bwMode="auto">
+          <a:xfrm>
+            <a:off x="894060" y="798990"/>
+            <a:ext cx="10148192" cy="2809387"/>
+          </a:xfrm>
+          <a:prstGeom prst="rect">
+            <a:avLst/>
+          </a:prstGeom>
+          <a:noFill/>
+          <a:extLst>
+            <a:ext uri="{909E8E84-426E-40DD-AFC4-6F175D3DCCD1}">
+              <a14:hiddenFill xmlns:a14="http://schemas.microsoft.com/office/drawing/2010/main">
+                <a:solidFill>
+                  <a:srgbClr val="FFFFFF"/>
+                </a:solidFill>
+              </a14:hiddenFill>
+            </a:ext>
+          </a:extLst>
+        </p:spPr>
+      </p:pic>
+      <p:sp>
+        <p:nvSpPr>
+          <p:cNvPr id="3" name="文本框 2"/>
+          <p:cNvSpPr txBox="1"/>
+          <p:nvPr/>
+        </p:nvSpPr>
+        <p:spPr>
+          <a:xfrm>
+            <a:off x="4341181" y="4758431"/>
+            <a:ext cx="811889" cy="369332"/>
+          </a:xfrm>
+          <a:prstGeom prst="rect">
+            <a:avLst/>
+          </a:prstGeom>
+          <a:noFill/>
+        </p:spPr>
+        <p:txBody>
+          <a:bodyPr wrap="none" rtlCol="0">
+            <a:spAutoFit/>
+          </a:bodyPr>
+          <a:lstStyle/>
+          <a:p>
+            <a:r>
+              <a:rPr lang="en-US" altLang="zh-CN" dirty="0" smtClean="0"/>
+              <a:t>Vgg</a:t>
+            </a:r>
+            <a:r>
+              <a:rPr lang="en-US" altLang="zh-CN" dirty="0" smtClean="0"/>
+              <a:t> 16</a:t>
+            </a:r>
+          </a:p>
+        </p:txBody>
+      </p:sp>
+    </p:spTree>
+    <p:extLst>
+      <p:ext uri="{BB962C8B-B14F-4D97-AF65-F5344CB8AC3E}">
+        <p14:creationId xmlns:p14="http://schemas.microsoft.com/office/powerpoint/2010/main" val="4246528573"/>
+      </p:ext>
+    </p:extLst>
+  </p:cSld>
+  <p:clrMapOvr>
+    <a:masterClrMapping/>
+  </p:clrMapOvr>
+  <p:timing>
+    <p:tnLst>
+      <p:par>
+        <p:cTn id="1" dur="indefinite" restart="never" nodeType="tmRoot"/>
+      </p:par>
+    </p:tnLst>
+  </p:timing>
 </p:sld>
 </file>
 

--- a/figures/画图.pptx
+++ b/figures/画图.pptx
@@ -5,7 +5,7 @@
     <p:sldMasterId id="2147483684" r:id="rId1"/>
   </p:sldMasterIdLst>
   <p:notesMasterIdLst>
-    <p:notesMasterId r:id="rId8"/>
+    <p:notesMasterId r:id="rId10"/>
   </p:notesMasterIdLst>
   <p:sldIdLst>
     <p:sldId id="256" r:id="rId2"/>
@@ -14,6 +14,8 @@
     <p:sldId id="260" r:id="rId5"/>
     <p:sldId id="261" r:id="rId6"/>
     <p:sldId id="262" r:id="rId7"/>
+    <p:sldId id="263" r:id="rId8"/>
+    <p:sldId id="264" r:id="rId9"/>
   </p:sldIdLst>
   <p:sldSz cx="12192000" cy="6858000"/>
   <p:notesSz cx="6858000" cy="9144000"/>
@@ -202,7 +204,7 @@
           <a:p>
             <a:fld id="{5CFF2716-9398-4520-B984-F481FDF8DE04}" type="datetimeFigureOut">
               <a:rPr lang="zh-CN" altLang="en-US" smtClean="0"/>
-              <a:t>2019/4/15</a:t>
+              <a:t>2019/4/19</a:t>
             </a:fld>
             <a:endParaRPr lang="zh-CN" altLang="en-US"/>
           </a:p>
@@ -690,7 +692,7 @@
           <a:p>
             <a:fld id="{5130463B-E76D-4B5E-AB19-C1AD662459BA}" type="datetimeFigureOut">
               <a:rPr lang="zh-CN" altLang="en-US" smtClean="0"/>
-              <a:t>2019/4/15</a:t>
+              <a:t>2019/4/19</a:t>
             </a:fld>
             <a:endParaRPr lang="zh-CN" altLang="en-US"/>
           </a:p>
@@ -860,7 +862,7 @@
           <a:p>
             <a:fld id="{5130463B-E76D-4B5E-AB19-C1AD662459BA}" type="datetimeFigureOut">
               <a:rPr lang="zh-CN" altLang="en-US" smtClean="0"/>
-              <a:t>2019/4/15</a:t>
+              <a:t>2019/4/19</a:t>
             </a:fld>
             <a:endParaRPr lang="zh-CN" altLang="en-US"/>
           </a:p>
@@ -1040,7 +1042,7 @@
           <a:p>
             <a:fld id="{5130463B-E76D-4B5E-AB19-C1AD662459BA}" type="datetimeFigureOut">
               <a:rPr lang="zh-CN" altLang="en-US" smtClean="0"/>
-              <a:t>2019/4/15</a:t>
+              <a:t>2019/4/19</a:t>
             </a:fld>
             <a:endParaRPr lang="zh-CN" altLang="en-US"/>
           </a:p>
@@ -1210,7 +1212,7 @@
           <a:p>
             <a:fld id="{5130463B-E76D-4B5E-AB19-C1AD662459BA}" type="datetimeFigureOut">
               <a:rPr lang="zh-CN" altLang="en-US" smtClean="0"/>
-              <a:t>2019/4/15</a:t>
+              <a:t>2019/4/19</a:t>
             </a:fld>
             <a:endParaRPr lang="zh-CN" altLang="en-US"/>
           </a:p>
@@ -1456,7 +1458,7 @@
           <a:p>
             <a:fld id="{5130463B-E76D-4B5E-AB19-C1AD662459BA}" type="datetimeFigureOut">
               <a:rPr lang="zh-CN" altLang="en-US" smtClean="0"/>
-              <a:t>2019/4/15</a:t>
+              <a:t>2019/4/19</a:t>
             </a:fld>
             <a:endParaRPr lang="zh-CN" altLang="en-US"/>
           </a:p>
@@ -1688,7 +1690,7 @@
           <a:p>
             <a:fld id="{5130463B-E76D-4B5E-AB19-C1AD662459BA}" type="datetimeFigureOut">
               <a:rPr lang="zh-CN" altLang="en-US" smtClean="0"/>
-              <a:t>2019/4/15</a:t>
+              <a:t>2019/4/19</a:t>
             </a:fld>
             <a:endParaRPr lang="zh-CN" altLang="en-US"/>
           </a:p>
@@ -2055,7 +2057,7 @@
           <a:p>
             <a:fld id="{5130463B-E76D-4B5E-AB19-C1AD662459BA}" type="datetimeFigureOut">
               <a:rPr lang="zh-CN" altLang="en-US" smtClean="0"/>
-              <a:t>2019/4/15</a:t>
+              <a:t>2019/4/19</a:t>
             </a:fld>
             <a:endParaRPr lang="zh-CN" altLang="en-US"/>
           </a:p>
@@ -2173,7 +2175,7 @@
           <a:p>
             <a:fld id="{5130463B-E76D-4B5E-AB19-C1AD662459BA}" type="datetimeFigureOut">
               <a:rPr lang="zh-CN" altLang="en-US" smtClean="0"/>
-              <a:t>2019/4/15</a:t>
+              <a:t>2019/4/19</a:t>
             </a:fld>
             <a:endParaRPr lang="zh-CN" altLang="en-US"/>
           </a:p>
@@ -2268,7 +2270,7 @@
           <a:p>
             <a:fld id="{5130463B-E76D-4B5E-AB19-C1AD662459BA}" type="datetimeFigureOut">
               <a:rPr lang="zh-CN" altLang="en-US" smtClean="0"/>
-              <a:t>2019/4/15</a:t>
+              <a:t>2019/4/19</a:t>
             </a:fld>
             <a:endParaRPr lang="zh-CN" altLang="en-US"/>
           </a:p>
@@ -2545,7 +2547,7 @@
           <a:p>
             <a:fld id="{5130463B-E76D-4B5E-AB19-C1AD662459BA}" type="datetimeFigureOut">
               <a:rPr lang="zh-CN" altLang="en-US" smtClean="0"/>
-              <a:t>2019/4/15</a:t>
+              <a:t>2019/4/19</a:t>
             </a:fld>
             <a:endParaRPr lang="zh-CN" altLang="en-US"/>
           </a:p>
@@ -2802,7 +2804,7 @@
           <a:p>
             <a:fld id="{5130463B-E76D-4B5E-AB19-C1AD662459BA}" type="datetimeFigureOut">
               <a:rPr lang="zh-CN" altLang="en-US" smtClean="0"/>
-              <a:t>2019/4/15</a:t>
+              <a:t>2019/4/19</a:t>
             </a:fld>
             <a:endParaRPr lang="zh-CN" altLang="en-US"/>
           </a:p>
@@ -3015,7 +3017,7 @@
           <a:p>
             <a:fld id="{5130463B-E76D-4B5E-AB19-C1AD662459BA}" type="datetimeFigureOut">
               <a:rPr lang="zh-CN" altLang="en-US" smtClean="0"/>
-              <a:t>2019/4/15</a:t>
+              <a:t>2019/4/19</a:t>
             </a:fld>
             <a:endParaRPr lang="zh-CN" altLang="en-US"/>
           </a:p>
@@ -8750,11 +8752,7 @@
           <a:p>
             <a:r>
               <a:rPr lang="en-US" altLang="zh-CN" dirty="0" smtClean="0"/>
-              <a:t>Vgg</a:t>
-            </a:r>
-            <a:r>
-              <a:rPr lang="en-US" altLang="zh-CN" dirty="0" smtClean="0"/>
-              <a:t> 16</a:t>
+              <a:t>Vgg 16</a:t>
             </a:r>
           </a:p>
         </p:txBody>
@@ -8776,6 +8774,533 @@
       </p:par>
     </p:tnLst>
   </p:timing>
+</p:sld>
+</file>
+
+<file path=ppt/slides/slide7.xml><?xml version="1.0" encoding="utf-8"?>
+<p:sld xmlns:a="http://schemas.openxmlformats.org/drawingml/2006/main" xmlns:r="http://schemas.openxmlformats.org/officeDocument/2006/relationships" xmlns:p="http://schemas.openxmlformats.org/presentationml/2006/main">
+  <p:cSld>
+    <p:spTree>
+      <p:nvGrpSpPr>
+        <p:cNvPr id="1" name=""/>
+        <p:cNvGrpSpPr/>
+        <p:nvPr/>
+      </p:nvGrpSpPr>
+      <p:grpSpPr>
+        <a:xfrm>
+          <a:off x="0" y="0"/>
+          <a:ext cx="0" cy="0"/>
+          <a:chOff x="0" y="0"/>
+          <a:chExt cx="0" cy="0"/>
+        </a:xfrm>
+      </p:grpSpPr>
+      <p:pic>
+        <p:nvPicPr>
+          <p:cNvPr id="1026" name="Picture 2" descr="https://pic3.zhimg.com/80/v2-7f36c655f202202843095377471387b9_hd.jpg"/>
+          <p:cNvPicPr>
+            <a:picLocks noChangeAspect="1" noChangeArrowheads="1"/>
+          </p:cNvPicPr>
+          <p:nvPr/>
+        </p:nvPicPr>
+        <p:blipFill>
+          <a:blip r:embed="rId2">
+            <a:extLst>
+              <a:ext uri="{28A0092B-C50C-407E-A947-70E740481C1C}">
+                <a14:useLocalDpi xmlns:a14="http://schemas.microsoft.com/office/drawing/2010/main" val="0"/>
+              </a:ext>
+            </a:extLst>
+          </a:blip>
+          <a:srcRect/>
+          <a:stretch>
+            <a:fillRect/>
+          </a:stretch>
+        </p:blipFill>
+        <p:spPr bwMode="auto">
+          <a:xfrm>
+            <a:off x="1904478" y="1684877"/>
+            <a:ext cx="2095500" cy="1876425"/>
+          </a:xfrm>
+          <a:prstGeom prst="rect">
+            <a:avLst/>
+          </a:prstGeom>
+          <a:noFill/>
+          <a:extLst>
+            <a:ext uri="{909E8E84-426E-40DD-AFC4-6F175D3DCCD1}">
+              <a14:hiddenFill xmlns:a14="http://schemas.microsoft.com/office/drawing/2010/main">
+                <a:solidFill>
+                  <a:srgbClr val="FFFFFF"/>
+                </a:solidFill>
+              </a14:hiddenFill>
+            </a:ext>
+          </a:extLst>
+        </p:spPr>
+      </p:pic>
+      <p:pic>
+        <p:nvPicPr>
+          <p:cNvPr id="1028" name="Picture 4" descr="https://pic4.zhimg.com/80/v2-5dd3a09e8368884b629e9cb7279f311e_hd.jpg"/>
+          <p:cNvPicPr>
+            <a:picLocks noChangeAspect="1" noChangeArrowheads="1"/>
+          </p:cNvPicPr>
+          <p:nvPr/>
+        </p:nvPicPr>
+        <p:blipFill>
+          <a:blip r:embed="rId3">
+            <a:extLst>
+              <a:ext uri="{28A0092B-C50C-407E-A947-70E740481C1C}">
+                <a14:useLocalDpi xmlns:a14="http://schemas.microsoft.com/office/drawing/2010/main" val="0"/>
+              </a:ext>
+            </a:extLst>
+          </a:blip>
+          <a:srcRect/>
+          <a:stretch>
+            <a:fillRect/>
+          </a:stretch>
+        </p:blipFill>
+        <p:spPr bwMode="auto">
+          <a:xfrm>
+            <a:off x="5228273" y="1537238"/>
+            <a:ext cx="2257425" cy="2171701"/>
+          </a:xfrm>
+          <a:prstGeom prst="rect">
+            <a:avLst/>
+          </a:prstGeom>
+          <a:noFill/>
+          <a:extLst>
+            <a:ext uri="{909E8E84-426E-40DD-AFC4-6F175D3DCCD1}">
+              <a14:hiddenFill xmlns:a14="http://schemas.microsoft.com/office/drawing/2010/main">
+                <a:solidFill>
+                  <a:srgbClr val="FFFFFF"/>
+                </a:solidFill>
+              </a14:hiddenFill>
+            </a:ext>
+          </a:extLst>
+        </p:spPr>
+      </p:pic>
+      <p:sp>
+        <p:nvSpPr>
+          <p:cNvPr id="2" name="文本框 1"/>
+          <p:cNvSpPr txBox="1"/>
+          <p:nvPr/>
+        </p:nvSpPr>
+        <p:spPr>
+          <a:xfrm>
+            <a:off x="6184990" y="3816989"/>
+            <a:ext cx="2175030" cy="369332"/>
+          </a:xfrm>
+          <a:prstGeom prst="rect">
+            <a:avLst/>
+          </a:prstGeom>
+          <a:noFill/>
+        </p:spPr>
+        <p:txBody>
+          <a:bodyPr wrap="square" rtlCol="0">
+            <a:spAutoFit/>
+          </a:bodyPr>
+          <a:lstStyle/>
+          <a:p>
+            <a:r>
+              <a:rPr lang="zh-CN" altLang="en-US" dirty="0" smtClean="0"/>
+              <a:t>反卷积</a:t>
+            </a:r>
+            <a:endParaRPr lang="zh-CN" altLang="en-US" dirty="0"/>
+          </a:p>
+        </p:txBody>
+      </p:sp>
+      <p:sp>
+        <p:nvSpPr>
+          <p:cNvPr id="5" name="文本框 4"/>
+          <p:cNvSpPr txBox="1"/>
+          <p:nvPr/>
+        </p:nvSpPr>
+        <p:spPr>
+          <a:xfrm>
+            <a:off x="2521179" y="3846950"/>
+            <a:ext cx="2175030" cy="369332"/>
+          </a:xfrm>
+          <a:prstGeom prst="rect">
+            <a:avLst/>
+          </a:prstGeom>
+          <a:noFill/>
+        </p:spPr>
+        <p:txBody>
+          <a:bodyPr wrap="square" rtlCol="0">
+            <a:spAutoFit/>
+          </a:bodyPr>
+          <a:lstStyle/>
+          <a:p>
+            <a:r>
+              <a:rPr lang="zh-CN" altLang="en-US" dirty="0" smtClean="0"/>
+              <a:t>卷积</a:t>
+            </a:r>
+            <a:endParaRPr lang="zh-CN" altLang="en-US" dirty="0"/>
+          </a:p>
+        </p:txBody>
+      </p:sp>
+      <p:sp>
+        <p:nvSpPr>
+          <p:cNvPr id="4" name="文本框 3"/>
+          <p:cNvSpPr txBox="1"/>
+          <p:nvPr/>
+        </p:nvSpPr>
+        <p:spPr>
+          <a:xfrm>
+            <a:off x="1324250" y="1961965"/>
+            <a:ext cx="1296139" cy="338554"/>
+          </a:xfrm>
+          <a:prstGeom prst="rect">
+            <a:avLst/>
+          </a:prstGeom>
+          <a:noFill/>
+        </p:spPr>
+        <p:txBody>
+          <a:bodyPr wrap="square" rtlCol="0">
+            <a:spAutoFit/>
+          </a:bodyPr>
+          <a:lstStyle/>
+          <a:p>
+            <a:r>
+              <a:rPr lang="zh-CN" altLang="en-US" sz="1600" dirty="0">
+                <a:latin typeface="黑体" panose="02010609060101010101" pitchFamily="49" charset="-122"/>
+                <a:ea typeface="黑体" panose="02010609060101010101" pitchFamily="49" charset="-122"/>
+              </a:rPr>
+              <a:t>输出</a:t>
+            </a:r>
+            <a:endParaRPr lang="zh-CN" altLang="en-US" sz="1600" dirty="0">
+              <a:latin typeface="黑体" panose="02010609060101010101" pitchFamily="49" charset="-122"/>
+              <a:ea typeface="黑体" panose="02010609060101010101" pitchFamily="49" charset="-122"/>
+            </a:endParaRPr>
+          </a:p>
+        </p:txBody>
+      </p:sp>
+      <p:sp>
+        <p:nvSpPr>
+          <p:cNvPr id="8" name="文本框 7"/>
+          <p:cNvSpPr txBox="1"/>
+          <p:nvPr/>
+        </p:nvSpPr>
+        <p:spPr>
+          <a:xfrm>
+            <a:off x="1324251" y="3126270"/>
+            <a:ext cx="1296139" cy="338554"/>
+          </a:xfrm>
+          <a:prstGeom prst="rect">
+            <a:avLst/>
+          </a:prstGeom>
+          <a:noFill/>
+        </p:spPr>
+        <p:txBody>
+          <a:bodyPr wrap="square" rtlCol="0">
+            <a:spAutoFit/>
+          </a:bodyPr>
+          <a:lstStyle/>
+          <a:p>
+            <a:r>
+              <a:rPr lang="zh-CN" altLang="en-US" sz="1600" dirty="0">
+                <a:latin typeface="黑体" panose="02010609060101010101" pitchFamily="49" charset="-122"/>
+                <a:ea typeface="黑体" panose="02010609060101010101" pitchFamily="49" charset="-122"/>
+              </a:rPr>
+              <a:t>输入</a:t>
+            </a:r>
+            <a:endParaRPr lang="zh-CN" altLang="en-US" sz="1600" dirty="0">
+              <a:latin typeface="黑体" panose="02010609060101010101" pitchFamily="49" charset="-122"/>
+              <a:ea typeface="黑体" panose="02010609060101010101" pitchFamily="49" charset="-122"/>
+            </a:endParaRPr>
+          </a:p>
+        </p:txBody>
+      </p:sp>
+      <p:cxnSp>
+        <p:nvCxnSpPr>
+          <p:cNvPr id="10" name="直接箭头连接符 9"/>
+          <p:cNvCxnSpPr/>
+          <p:nvPr/>
+        </p:nvCxnSpPr>
+        <p:spPr>
+          <a:xfrm flipV="1">
+            <a:off x="1633491" y="2414725"/>
+            <a:ext cx="0" cy="711545"/>
+          </a:xfrm>
+          <a:prstGeom prst="straightConnector1">
+            <a:avLst/>
+          </a:prstGeom>
+          <a:ln w="19050">
+            <a:tailEnd type="triangle"/>
+          </a:ln>
+        </p:spPr>
+        <p:style>
+          <a:lnRef idx="1">
+            <a:schemeClr val="accent1"/>
+          </a:lnRef>
+          <a:fillRef idx="0">
+            <a:schemeClr val="accent1"/>
+          </a:fillRef>
+          <a:effectRef idx="0">
+            <a:schemeClr val="accent1"/>
+          </a:effectRef>
+          <a:fontRef idx="minor">
+            <a:schemeClr val="tx1"/>
+          </a:fontRef>
+        </p:style>
+      </p:cxnSp>
+      <p:sp>
+        <p:nvSpPr>
+          <p:cNvPr id="14" name="文本框 13"/>
+          <p:cNvSpPr txBox="1"/>
+          <p:nvPr/>
+        </p:nvSpPr>
+        <p:spPr>
+          <a:xfrm>
+            <a:off x="4580204" y="1961965"/>
+            <a:ext cx="1296139" cy="338554"/>
+          </a:xfrm>
+          <a:prstGeom prst="rect">
+            <a:avLst/>
+          </a:prstGeom>
+          <a:noFill/>
+        </p:spPr>
+        <p:txBody>
+          <a:bodyPr wrap="square" rtlCol="0">
+            <a:spAutoFit/>
+          </a:bodyPr>
+          <a:lstStyle/>
+          <a:p>
+            <a:r>
+              <a:rPr lang="zh-CN" altLang="en-US" sz="1600" dirty="0">
+                <a:latin typeface="黑体" panose="02010609060101010101" pitchFamily="49" charset="-122"/>
+                <a:ea typeface="黑体" panose="02010609060101010101" pitchFamily="49" charset="-122"/>
+              </a:rPr>
+              <a:t>输入</a:t>
+            </a:r>
+            <a:endParaRPr lang="zh-CN" altLang="en-US" sz="1600" dirty="0">
+              <a:latin typeface="黑体" panose="02010609060101010101" pitchFamily="49" charset="-122"/>
+              <a:ea typeface="黑体" panose="02010609060101010101" pitchFamily="49" charset="-122"/>
+            </a:endParaRPr>
+          </a:p>
+        </p:txBody>
+      </p:sp>
+      <p:sp>
+        <p:nvSpPr>
+          <p:cNvPr id="15" name="文本框 14"/>
+          <p:cNvSpPr txBox="1"/>
+          <p:nvPr/>
+        </p:nvSpPr>
+        <p:spPr>
+          <a:xfrm>
+            <a:off x="4580205" y="3126270"/>
+            <a:ext cx="1296139" cy="338554"/>
+          </a:xfrm>
+          <a:prstGeom prst="rect">
+            <a:avLst/>
+          </a:prstGeom>
+          <a:noFill/>
+        </p:spPr>
+        <p:txBody>
+          <a:bodyPr wrap="square" rtlCol="0">
+            <a:spAutoFit/>
+          </a:bodyPr>
+          <a:lstStyle/>
+          <a:p>
+            <a:r>
+              <a:rPr lang="zh-CN" altLang="en-US" sz="1600" dirty="0" smtClean="0">
+                <a:latin typeface="黑体" panose="02010609060101010101" pitchFamily="49" charset="-122"/>
+                <a:ea typeface="黑体" panose="02010609060101010101" pitchFamily="49" charset="-122"/>
+              </a:rPr>
+              <a:t>输</a:t>
+            </a:r>
+            <a:r>
+              <a:rPr lang="zh-CN" altLang="en-US" sz="1600" dirty="0">
+                <a:latin typeface="黑体" panose="02010609060101010101" pitchFamily="49" charset="-122"/>
+                <a:ea typeface="黑体" panose="02010609060101010101" pitchFamily="49" charset="-122"/>
+              </a:rPr>
+              <a:t>出</a:t>
+            </a:r>
+          </a:p>
+        </p:txBody>
+      </p:sp>
+      <p:cxnSp>
+        <p:nvCxnSpPr>
+          <p:cNvPr id="16" name="直接箭头连接符 15"/>
+          <p:cNvCxnSpPr/>
+          <p:nvPr/>
+        </p:nvCxnSpPr>
+        <p:spPr>
+          <a:xfrm>
+            <a:off x="4875319" y="2414725"/>
+            <a:ext cx="0" cy="679990"/>
+          </a:xfrm>
+          <a:prstGeom prst="straightConnector1">
+            <a:avLst/>
+          </a:prstGeom>
+          <a:ln w="19050">
+            <a:tailEnd type="triangle"/>
+          </a:ln>
+        </p:spPr>
+        <p:style>
+          <a:lnRef idx="1">
+            <a:schemeClr val="accent1"/>
+          </a:lnRef>
+          <a:fillRef idx="0">
+            <a:schemeClr val="accent1"/>
+          </a:fillRef>
+          <a:effectRef idx="0">
+            <a:schemeClr val="accent1"/>
+          </a:effectRef>
+          <a:fontRef idx="minor">
+            <a:schemeClr val="tx1"/>
+          </a:fontRef>
+        </p:style>
+      </p:cxnSp>
+    </p:spTree>
+    <p:extLst>
+      <p:ext uri="{BB962C8B-B14F-4D97-AF65-F5344CB8AC3E}">
+        <p14:creationId xmlns:p14="http://schemas.microsoft.com/office/powerpoint/2010/main" val="2507287282"/>
+      </p:ext>
+    </p:extLst>
+  </p:cSld>
+  <p:clrMapOvr>
+    <a:masterClrMapping/>
+  </p:clrMapOvr>
+</p:sld>
+</file>
+
+<file path=ppt/slides/slide8.xml><?xml version="1.0" encoding="utf-8"?>
+<p:sld xmlns:a="http://schemas.openxmlformats.org/drawingml/2006/main" xmlns:r="http://schemas.openxmlformats.org/officeDocument/2006/relationships" xmlns:p="http://schemas.openxmlformats.org/presentationml/2006/main">
+  <p:cSld>
+    <p:spTree>
+      <p:nvGrpSpPr>
+        <p:cNvPr id="1" name=""/>
+        <p:cNvGrpSpPr/>
+        <p:nvPr/>
+      </p:nvGrpSpPr>
+      <p:grpSpPr>
+        <a:xfrm>
+          <a:off x="0" y="0"/>
+          <a:ext cx="0" cy="0"/>
+          <a:chOff x="0" y="0"/>
+          <a:chExt cx="0" cy="0"/>
+        </a:xfrm>
+      </p:grpSpPr>
+      <p:pic>
+        <p:nvPicPr>
+          <p:cNvPr id="4" name="图片 3"/>
+          <p:cNvPicPr>
+            <a:picLocks noChangeAspect="1"/>
+          </p:cNvPicPr>
+          <p:nvPr/>
+        </p:nvPicPr>
+        <p:blipFill>
+          <a:blip r:embed="rId2"/>
+          <a:stretch>
+            <a:fillRect/>
+          </a:stretch>
+        </p:blipFill>
+        <p:spPr>
+          <a:xfrm>
+            <a:off x="852291" y="896552"/>
+            <a:ext cx="3083074" cy="3467315"/>
+          </a:xfrm>
+          <a:prstGeom prst="rect">
+            <a:avLst/>
+          </a:prstGeom>
+        </p:spPr>
+      </p:pic>
+      <p:pic>
+        <p:nvPicPr>
+          <p:cNvPr id="5" name="图片 4"/>
+          <p:cNvPicPr>
+            <a:picLocks noChangeAspect="1"/>
+          </p:cNvPicPr>
+          <p:nvPr/>
+        </p:nvPicPr>
+        <p:blipFill>
+          <a:blip r:embed="rId3"/>
+          <a:stretch>
+            <a:fillRect/>
+          </a:stretch>
+        </p:blipFill>
+        <p:spPr>
+          <a:xfrm>
+            <a:off x="4097493" y="916149"/>
+            <a:ext cx="3083074" cy="3467315"/>
+          </a:xfrm>
+          <a:prstGeom prst="rect">
+            <a:avLst/>
+          </a:prstGeom>
+        </p:spPr>
+      </p:pic>
+      <p:pic>
+        <p:nvPicPr>
+          <p:cNvPr id="6" name="图片 5"/>
+          <p:cNvPicPr>
+            <a:picLocks noChangeAspect="1"/>
+          </p:cNvPicPr>
+          <p:nvPr/>
+        </p:nvPicPr>
+        <p:blipFill>
+          <a:blip r:embed="rId4"/>
+          <a:stretch>
+            <a:fillRect/>
+          </a:stretch>
+        </p:blipFill>
+        <p:spPr>
+          <a:xfrm>
+            <a:off x="7465243" y="916149"/>
+            <a:ext cx="3073925" cy="3494761"/>
+          </a:xfrm>
+          <a:prstGeom prst="rect">
+            <a:avLst/>
+          </a:prstGeom>
+        </p:spPr>
+      </p:pic>
+      <p:sp>
+        <p:nvSpPr>
+          <p:cNvPr id="8" name="右箭头 7"/>
+          <p:cNvSpPr/>
+          <p:nvPr/>
+        </p:nvSpPr>
+        <p:spPr>
+          <a:xfrm>
+            <a:off x="2215299" y="5184742"/>
+            <a:ext cx="424206" cy="235670"/>
+          </a:xfrm>
+          <a:prstGeom prst="rightArrow">
+            <a:avLst/>
+          </a:prstGeom>
+        </p:spPr>
+        <p:style>
+          <a:lnRef idx="2">
+            <a:schemeClr val="accent1">
+              <a:shade val="50000"/>
+            </a:schemeClr>
+          </a:lnRef>
+          <a:fillRef idx="1">
+            <a:schemeClr val="accent1"/>
+          </a:fillRef>
+          <a:effectRef idx="0">
+            <a:schemeClr val="accent1"/>
+          </a:effectRef>
+          <a:fontRef idx="minor">
+            <a:schemeClr val="lt1"/>
+          </a:fontRef>
+        </p:style>
+        <p:txBody>
+          <a:bodyPr rtlCol="0" anchor="ctr"/>
+          <a:lstStyle/>
+          <a:p>
+            <a:pPr algn="ctr"/>
+            <a:endParaRPr lang="zh-CN" altLang="en-US"/>
+          </a:p>
+        </p:txBody>
+      </p:sp>
+    </p:spTree>
+    <p:extLst>
+      <p:ext uri="{BB962C8B-B14F-4D97-AF65-F5344CB8AC3E}">
+        <p14:creationId xmlns:p14="http://schemas.microsoft.com/office/powerpoint/2010/main" val="1718151647"/>
+      </p:ext>
+    </p:extLst>
+  </p:cSld>
+  <p:clrMapOvr>
+    <a:masterClrMapping/>
+  </p:clrMapOvr>
 </p:sld>
 </file>
 
